--- a/Final Presentation_TEAM VARIANCE 6306.pptx
+++ b/Final Presentation_TEAM VARIANCE 6306.pptx
@@ -14,10 +14,14 @@
     <p:sldId id="274" r:id="rId8"/>
     <p:sldId id="275" r:id="rId9"/>
     <p:sldId id="276" r:id="rId10"/>
-    <p:sldId id="278" r:id="rId11"/>
-    <p:sldId id="277" r:id="rId12"/>
-    <p:sldId id="273" r:id="rId13"/>
-    <p:sldId id="271" r:id="rId14"/>
+    <p:sldId id="279" r:id="rId11"/>
+    <p:sldId id="278" r:id="rId12"/>
+    <p:sldId id="280" r:id="rId13"/>
+    <p:sldId id="281" r:id="rId14"/>
+    <p:sldId id="277" r:id="rId15"/>
+    <p:sldId id="273" r:id="rId16"/>
+    <p:sldId id="282" r:id="rId17"/>
+    <p:sldId id="271" r:id="rId18"/>
   </p:sldIdLst>
   <p:sldSz cx="12192000" cy="6858000"/>
   <p:notesSz cx="6858000" cy="9144000"/>
@@ -3532,32 +3536,321 @@
             </a:r>
           </a:p>
           <a:p>
+            <a:pPr marL="800100" lvl="1" indent="-342900">
+              <a:buAutoNum type="alphaLcPeriod"/>
+            </a:pPr>
+            <a:r>
+              <a:rPr lang="en-US" sz="1700" dirty="0"/>
+              <a:t>First, ran summary stats where the attrition variable was filtered.  Mean and Median results (where applicable) were observed and all comparisons were between “Yes” vs. “No or Total” [Note “No or Total” results were generally not discernable].  </a:t>
+            </a:r>
+          </a:p>
+          <a:p>
+            <a:pPr marL="1314450" lvl="2" indent="-400050">
+              <a:buFont typeface="+mj-lt"/>
+              <a:buAutoNum type="romanLcPeriod"/>
+            </a:pPr>
+            <a:r>
+              <a:rPr lang="en-US" sz="1400" dirty="0"/>
+              <a:t>The average or </a:t>
+            </a:r>
+            <a:r>
+              <a:rPr lang="en-US" sz="1400" b="1" dirty="0"/>
+              <a:t>median age </a:t>
+            </a:r>
+            <a:r>
+              <a:rPr lang="en-US" sz="1400" dirty="0"/>
+              <a:t>was approximately </a:t>
+            </a:r>
+            <a:r>
+              <a:rPr lang="en-US" sz="1400" b="1" dirty="0"/>
+              <a:t>10% lower</a:t>
+            </a:r>
+            <a:r>
+              <a:rPr lang="en-US" sz="1400" dirty="0"/>
+              <a:t>.</a:t>
+            </a:r>
+          </a:p>
+          <a:p>
+            <a:pPr marL="1314450" lvl="2" indent="-400050">
+              <a:buFont typeface="+mj-lt"/>
+              <a:buAutoNum type="romanLcPeriod"/>
+            </a:pPr>
+            <a:r>
+              <a:rPr lang="en-US" sz="1400" dirty="0"/>
+              <a:t>The </a:t>
+            </a:r>
+            <a:r>
+              <a:rPr lang="en-US" sz="1400" b="1" dirty="0"/>
+              <a:t>distance from home </a:t>
+            </a:r>
+            <a:r>
+              <a:rPr lang="en-US" sz="1400" dirty="0"/>
+              <a:t>was on average </a:t>
+            </a:r>
+            <a:r>
+              <a:rPr lang="en-US" sz="1400" b="1" dirty="0"/>
+              <a:t>15% greater</a:t>
+            </a:r>
+            <a:r>
+              <a:rPr lang="en-US" sz="1400" dirty="0"/>
+              <a:t>; with a </a:t>
+            </a:r>
+            <a:r>
+              <a:rPr lang="en-US" sz="1400" b="1" dirty="0"/>
+              <a:t>median of 30% greater </a:t>
+            </a:r>
+            <a:r>
+              <a:rPr lang="en-US" sz="1400" dirty="0"/>
+              <a:t>(implying that there was a skew of individuals that may have left because they lived a great distance from work).</a:t>
+            </a:r>
+          </a:p>
+          <a:p>
+            <a:pPr marL="1314450" lvl="2" indent="-400050">
+              <a:buFont typeface="+mj-lt"/>
+              <a:buAutoNum type="romanLcPeriod"/>
+            </a:pPr>
+            <a:r>
+              <a:rPr lang="en-US" sz="1400" dirty="0"/>
+              <a:t>The average </a:t>
+            </a:r>
+            <a:r>
+              <a:rPr lang="en-US" sz="1400" b="1" dirty="0"/>
+              <a:t>Environment Satisfaction </a:t>
+            </a:r>
+            <a:r>
+              <a:rPr lang="en-US" sz="1400" dirty="0"/>
+              <a:t>score was approximately </a:t>
+            </a:r>
+            <a:r>
+              <a:rPr lang="en-US" sz="1400" b="1" dirty="0"/>
+              <a:t>10% lower</a:t>
+            </a:r>
+            <a:r>
+              <a:rPr lang="en-US" sz="1400" dirty="0"/>
+              <a:t>.  There was no discernable change in median implying that there were extreme results (in terms of a low score).</a:t>
+            </a:r>
+          </a:p>
+          <a:p>
+            <a:pPr marL="1314450" lvl="2" indent="-400050">
+              <a:buFont typeface="+mj-lt"/>
+              <a:buAutoNum type="romanLcPeriod"/>
+            </a:pPr>
+            <a:r>
+              <a:rPr lang="en-US" sz="1400" dirty="0"/>
+              <a:t>The median </a:t>
+            </a:r>
+            <a:r>
+              <a:rPr lang="en-US" sz="1400" b="1" dirty="0"/>
+              <a:t>Job Level </a:t>
+            </a:r>
+            <a:r>
+              <a:rPr lang="en-US" sz="1400" dirty="0"/>
+              <a:t>was </a:t>
+            </a:r>
+            <a:r>
+              <a:rPr lang="en-US" sz="1400" b="1" dirty="0"/>
+              <a:t>half</a:t>
+            </a:r>
+            <a:r>
+              <a:rPr lang="en-US" sz="1400" dirty="0"/>
+              <a:t> of that for the overall sample implying the employees were “lower on the totem pole”.  The average decrease was only 21% which implies that there were a handful of exits by senior level employees (but the majority seemed to be more junior).</a:t>
+            </a:r>
+          </a:p>
+          <a:p>
+            <a:pPr marL="1314450" lvl="2" indent="-400050">
+              <a:buFont typeface="+mj-lt"/>
+              <a:buAutoNum type="romanLcPeriod"/>
+            </a:pPr>
+            <a:r>
+              <a:rPr lang="en-US" sz="1400" dirty="0"/>
+              <a:t>The </a:t>
+            </a:r>
+            <a:r>
+              <a:rPr lang="en-US" sz="1400" b="1" dirty="0"/>
+              <a:t>average monthly income </a:t>
+            </a:r>
+            <a:r>
+              <a:rPr lang="en-US" sz="1400" dirty="0"/>
+              <a:t>was </a:t>
+            </a:r>
+            <a:r>
+              <a:rPr lang="en-US" sz="1400" b="1" dirty="0"/>
+              <a:t>25% less</a:t>
+            </a:r>
+            <a:r>
+              <a:rPr lang="en-US" sz="1400" dirty="0"/>
+              <a:t>, with a </a:t>
+            </a:r>
+            <a:r>
+              <a:rPr lang="en-US" sz="1400" b="1" dirty="0"/>
+              <a:t>median of 35% less</a:t>
+            </a:r>
+            <a:r>
+              <a:rPr lang="en-US" sz="1400" dirty="0"/>
+              <a:t>.  This would further imply that the majority of exits were junior level employees.</a:t>
+            </a:r>
+          </a:p>
+          <a:p>
+            <a:pPr marL="1314450" lvl="2" indent="-400050">
+              <a:buFont typeface="+mj-lt"/>
+              <a:buAutoNum type="romanLcPeriod"/>
+            </a:pPr>
+            <a:r>
+              <a:rPr lang="en-US" sz="1400" dirty="0"/>
+              <a:t>The </a:t>
+            </a:r>
+            <a:r>
+              <a:rPr lang="en-US" sz="1400" b="1" dirty="0"/>
+              <a:t>median number of companies worked was 1</a:t>
+            </a:r>
+            <a:r>
+              <a:rPr lang="en-US" sz="1400" dirty="0"/>
+              <a:t>, which is </a:t>
+            </a:r>
+            <a:r>
+              <a:rPr lang="en-US" sz="1400" b="1" dirty="0"/>
+              <a:t>half</a:t>
+            </a:r>
+            <a:r>
+              <a:rPr lang="en-US" sz="1400" dirty="0"/>
+              <a:t> of that for the overall sample.  However, the </a:t>
+            </a:r>
+            <a:r>
+              <a:rPr lang="en-US" sz="1400" b="1" dirty="0"/>
+              <a:t>average</a:t>
+            </a:r>
+            <a:r>
+              <a:rPr lang="en-US" sz="1400" dirty="0"/>
+              <a:t> number of companies worked was actually </a:t>
+            </a:r>
+            <a:r>
+              <a:rPr lang="en-US" sz="1400" b="1" dirty="0"/>
+              <a:t>10% greater </a:t>
+            </a:r>
+            <a:r>
+              <a:rPr lang="en-US" sz="1400" dirty="0"/>
+              <a:t>than the overall sample.  The implication is that the majority of employees that left had only worked at this company.</a:t>
+            </a:r>
+          </a:p>
+          <a:p>
+            <a:pPr marL="1314450" lvl="2" indent="-400050">
+              <a:buFont typeface="+mj-lt"/>
+              <a:buAutoNum type="romanLcPeriod"/>
+            </a:pPr>
+            <a:r>
+              <a:rPr lang="en-US" sz="1400" dirty="0"/>
+              <a:t>The </a:t>
+            </a:r>
+            <a:r>
+              <a:rPr lang="en-US" sz="1400" b="1" dirty="0"/>
+              <a:t>total working years was on average 27% less</a:t>
+            </a:r>
+            <a:r>
+              <a:rPr lang="en-US" sz="1400" dirty="0"/>
+              <a:t>, and the </a:t>
+            </a:r>
+            <a:r>
+              <a:rPr lang="en-US" sz="1400" b="1" dirty="0"/>
+              <a:t>average years at the company was 27% less </a:t>
+            </a:r>
+            <a:r>
+              <a:rPr lang="en-US" sz="1400" dirty="0"/>
+              <a:t>as well.  Additionally, the </a:t>
+            </a:r>
+            <a:r>
+              <a:rPr lang="en-US" sz="1400" b="1" dirty="0"/>
+              <a:t>median number of years </a:t>
+            </a:r>
+            <a:r>
+              <a:rPr lang="en-US" sz="1400" dirty="0"/>
+              <a:t>at the company was </a:t>
+            </a:r>
+            <a:r>
+              <a:rPr lang="en-US" sz="1400" b="1" dirty="0"/>
+              <a:t>40% less</a:t>
+            </a:r>
+            <a:r>
+              <a:rPr lang="en-US" sz="1400" dirty="0"/>
+              <a:t>, and the </a:t>
+            </a:r>
+            <a:r>
+              <a:rPr lang="en-US" sz="1400" b="1" dirty="0"/>
+              <a:t>median total working years was 30% less</a:t>
+            </a:r>
+            <a:r>
+              <a:rPr lang="en-US" sz="1400" dirty="0"/>
+              <a:t>.  This implies further support as to the level and experience of the employees that left (being lower).</a:t>
+            </a:r>
+          </a:p>
+          <a:p>
+            <a:pPr marL="1257300" lvl="2" indent="-342900">
+              <a:buAutoNum type="romanLcPeriod"/>
+            </a:pPr>
+            <a:endParaRPr lang="en-US" sz="900" dirty="0"/>
+          </a:p>
+          <a:p>
+            <a:pPr marL="1257300" lvl="2" indent="-342900">
+              <a:buAutoNum type="romanLcPeriod"/>
+            </a:pPr>
+            <a:endParaRPr lang="en-US" sz="900" dirty="0"/>
+          </a:p>
+          <a:p>
+            <a:pPr marL="0" indent="0">
+              <a:buNone/>
+            </a:pPr>
+            <a:endParaRPr lang="en-US" dirty="0"/>
+          </a:p>
+          <a:p>
             <a:pPr marL="457200" lvl="1" indent="0">
               <a:buNone/>
             </a:pPr>
-            <a:r>
-              <a:rPr lang="en-US" sz="1700" dirty="0"/>
-              <a:t>c.  First, Determine Top Variables Related to Attrition</a:t>
-            </a:r>
-          </a:p>
-          <a:p>
-            <a:pPr marL="0" indent="0">
-              <a:buNone/>
-            </a:pPr>
             <a:endParaRPr lang="en-US" dirty="0"/>
           </a:p>
-          <a:p>
-            <a:pPr marL="457200" lvl="1" indent="0">
-              <a:buNone/>
-            </a:pPr>
-            <a:endParaRPr lang="en-US" dirty="0"/>
+        </p:txBody>
+      </p:sp>
+      <p:sp>
+        <p:nvSpPr>
+          <p:cNvPr id="4" name="TextBox 3">
+            <a:extLst>
+              <a:ext uri="{FF2B5EF4-FFF2-40B4-BE49-F238E27FC236}">
+                <a16:creationId xmlns:a16="http://schemas.microsoft.com/office/drawing/2014/main" id="{5E24F2C6-4AB7-4C68-A367-5BFB430F227B}"/>
+              </a:ext>
+            </a:extLst>
+          </p:cNvPr>
+          <p:cNvSpPr txBox="1"/>
+          <p:nvPr/>
+        </p:nvSpPr>
+        <p:spPr>
+          <a:xfrm>
+            <a:off x="745067" y="6129868"/>
+            <a:ext cx="10780889" cy="646331"/>
+          </a:xfrm>
+          <a:prstGeom prst="rect">
+            <a:avLst/>
+          </a:prstGeom>
+          <a:noFill/>
+        </p:spPr>
+        <p:txBody>
+          <a:bodyPr wrap="square" rtlCol="0">
+            <a:spAutoFit/>
+          </a:bodyPr>
+          <a:lstStyle/>
+          <a:p>
+            <a:r>
+              <a:rPr lang="en-US" dirty="0">
+                <a:solidFill>
+                  <a:srgbClr val="FF0000"/>
+                </a:solidFill>
+              </a:rPr>
+              <a:t>Take-Aways:  Given the above results, it makes sense to break the attrition group (“Yes”) into sub-groups to understand if there are different factors leading to those that leave based on seniority. </a:t>
+            </a:r>
           </a:p>
         </p:txBody>
       </p:sp>
     </p:spTree>
     <p:extLst>
       <p:ext uri="{BB962C8B-B14F-4D97-AF65-F5344CB8AC3E}">
-        <p14:creationId xmlns:p14="http://schemas.microsoft.com/office/powerpoint/2010/main" val="1956738092"/>
+        <p14:creationId xmlns:p14="http://schemas.microsoft.com/office/powerpoint/2010/main" val="3932146311"/>
       </p:ext>
     </p:extLst>
   </p:cSld>
@@ -3607,7 +3900,686 @@
           <a:p>
             <a:r>
               <a:rPr lang="en-US" dirty="0"/>
-              <a:t>Relationship between Age and Monthly Income by Gender</a:t>
+              <a:t>Evaluation/Results</a:t>
+            </a:r>
+          </a:p>
+        </p:txBody>
+      </p:sp>
+      <p:sp>
+        <p:nvSpPr>
+          <p:cNvPr id="3" name="Content Placeholder 2">
+            <a:extLst>
+              <a:ext uri="{FF2B5EF4-FFF2-40B4-BE49-F238E27FC236}">
+                <a16:creationId xmlns:a16="http://schemas.microsoft.com/office/drawing/2014/main" id="{1C53E63B-9626-4581-89B4-03BC2CB42F6D}"/>
+              </a:ext>
+            </a:extLst>
+          </p:cNvPr>
+          <p:cNvSpPr>
+            <a:spLocks noGrp="1"/>
+          </p:cNvSpPr>
+          <p:nvPr>
+            <p:ph idx="1"/>
+          </p:nvPr>
+        </p:nvSpPr>
+        <p:spPr>
+          <a:xfrm>
+            <a:off x="838200" y="1344628"/>
+            <a:ext cx="10515600" cy="5330491"/>
+          </a:xfrm>
+        </p:spPr>
+        <p:txBody>
+          <a:bodyPr>
+            <a:normAutofit/>
+          </a:bodyPr>
+          <a:lstStyle/>
+          <a:p>
+            <a:pPr marL="514350" indent="-514350">
+              <a:buAutoNum type="arabicPeriod"/>
+            </a:pPr>
+            <a:r>
+              <a:rPr lang="en-US" dirty="0"/>
+              <a:t>Deeper Analysis</a:t>
+            </a:r>
+          </a:p>
+          <a:p>
+            <a:pPr marL="457200" lvl="1" indent="0">
+              <a:buNone/>
+            </a:pPr>
+            <a:r>
+              <a:rPr lang="en-US" sz="1700" dirty="0"/>
+              <a:t>b. After separating the “Yes” attrition group based on working years (total sample median is approximately 11 years, so that was the separator), we observed the following:</a:t>
+            </a:r>
+          </a:p>
+          <a:p>
+            <a:pPr marL="1314450" lvl="2" indent="-400050">
+              <a:buFont typeface="+mj-lt"/>
+              <a:buAutoNum type="romanLcPeriod"/>
+            </a:pPr>
+            <a:r>
+              <a:rPr lang="en-US" sz="1400" dirty="0"/>
+              <a:t>Variables such as age, job level, monthly income, total working years and years at company were already controlled for in filtering at 11 years, so differences in the results was already taken into account.</a:t>
+            </a:r>
+          </a:p>
+          <a:p>
+            <a:pPr marL="1314450" lvl="2" indent="-400050">
+              <a:buFont typeface="+mj-lt"/>
+              <a:buAutoNum type="romanLcPeriod"/>
+            </a:pPr>
+            <a:r>
+              <a:rPr lang="en-US" sz="1400" dirty="0"/>
+              <a:t>We do observe, however, that the number of companies worked has a median of approximately one (which is about half of the total sample) whether the group has more or less than 11 years of experience.  On the other hand, both sub-groups show an average of companies worked greater than overall sample.  This indicates that for handful of the employees, they may be characterized as ‘serial job hoppers’ where the large majority of employees have worked at very few locations.  It is important to note, this may not be a variable considered for predicting whether an employee leaves because there may be a large number of employees that did not leave (even with similar results in number of companies worked).</a:t>
+            </a:r>
+          </a:p>
+          <a:p>
+            <a:pPr marL="1314450" lvl="2" indent="-400050">
+              <a:buFont typeface="+mj-lt"/>
+              <a:buAutoNum type="romanLcPeriod"/>
+            </a:pPr>
+            <a:r>
+              <a:rPr lang="en-US" sz="1400" dirty="0"/>
+              <a:t>Another interesting variable is distance from home.  The more senior sub-population exhibited results similar to the sample which would indicate that distance/commuting did not factor into their decision.  Of course, the implies that Junio sub-group did in fact live further than the greater population.  </a:t>
+            </a:r>
+          </a:p>
+          <a:p>
+            <a:pPr marL="1314450" lvl="2" indent="-400050">
+              <a:buFont typeface="+mj-lt"/>
+              <a:buAutoNum type="romanLcPeriod"/>
+            </a:pPr>
+            <a:r>
+              <a:rPr lang="en-US" sz="1400" dirty="0"/>
+              <a:t>The final interesting observation from the sub-groups was the Environment Satisfaction score.  The Junior group exhibited a median result similar to the larger group, with a average result slightly lower (similar to the overall “Yes” group).  This implies that there were a handful of low scores by the Junior group but the larger number of observations aligned with the overall group.  But for the Senior sub-group, the average score and the median score were much lower than the overall group.</a:t>
+            </a:r>
+          </a:p>
+          <a:p>
+            <a:pPr marL="1257300" lvl="2" indent="-342900">
+              <a:buAutoNum type="romanLcPeriod"/>
+            </a:pPr>
+            <a:endParaRPr lang="en-US" sz="900" dirty="0"/>
+          </a:p>
+          <a:p>
+            <a:pPr marL="1257300" lvl="2" indent="-342900">
+              <a:buAutoNum type="romanLcPeriod"/>
+            </a:pPr>
+            <a:endParaRPr lang="en-US" sz="900" dirty="0"/>
+          </a:p>
+          <a:p>
+            <a:pPr marL="0" indent="0">
+              <a:buNone/>
+            </a:pPr>
+            <a:endParaRPr lang="en-US" dirty="0"/>
+          </a:p>
+          <a:p>
+            <a:pPr marL="457200" lvl="1" indent="0">
+              <a:buNone/>
+            </a:pPr>
+            <a:endParaRPr lang="en-US" dirty="0"/>
+          </a:p>
+        </p:txBody>
+      </p:sp>
+      <p:sp>
+        <p:nvSpPr>
+          <p:cNvPr id="4" name="TextBox 3">
+            <a:extLst>
+              <a:ext uri="{FF2B5EF4-FFF2-40B4-BE49-F238E27FC236}">
+                <a16:creationId xmlns:a16="http://schemas.microsoft.com/office/drawing/2014/main" id="{A5A3DC43-45DF-4B72-BBC8-0A03FEF1B6E3}"/>
+              </a:ext>
+            </a:extLst>
+          </p:cNvPr>
+          <p:cNvSpPr txBox="1"/>
+          <p:nvPr/>
+        </p:nvSpPr>
+        <p:spPr>
+          <a:xfrm>
+            <a:off x="838200" y="5846544"/>
+            <a:ext cx="10780889" cy="646331"/>
+          </a:xfrm>
+          <a:prstGeom prst="rect">
+            <a:avLst/>
+          </a:prstGeom>
+          <a:noFill/>
+        </p:spPr>
+        <p:txBody>
+          <a:bodyPr wrap="square" rtlCol="0">
+            <a:spAutoFit/>
+          </a:bodyPr>
+          <a:lstStyle/>
+          <a:p>
+            <a:r>
+              <a:rPr lang="en-US" dirty="0">
+                <a:solidFill>
+                  <a:srgbClr val="FF0000"/>
+                </a:solidFill>
+              </a:rPr>
+              <a:t>Take-Aways:  Given the variables considered, the Environment Satisfaction score appeared to be meaningful factor for those with more experience.   </a:t>
+            </a:r>
+          </a:p>
+        </p:txBody>
+      </p:sp>
+    </p:spTree>
+    <p:extLst>
+      <p:ext uri="{BB962C8B-B14F-4D97-AF65-F5344CB8AC3E}">
+        <p14:creationId xmlns:p14="http://schemas.microsoft.com/office/powerpoint/2010/main" val="1956738092"/>
+      </p:ext>
+    </p:extLst>
+  </p:cSld>
+  <p:clrMapOvr>
+    <a:masterClrMapping/>
+  </p:clrMapOvr>
+</p:sld>
+</file>
+
+<file path=ppt/slides/slide12.xml><?xml version="1.0" encoding="utf-8"?>
+<p:sld xmlns:a="http://schemas.openxmlformats.org/drawingml/2006/main" xmlns:r="http://schemas.openxmlformats.org/officeDocument/2006/relationships" xmlns:p="http://schemas.openxmlformats.org/presentationml/2006/main">
+  <p:cSld>
+    <p:spTree>
+      <p:nvGrpSpPr>
+        <p:cNvPr id="1" name=""/>
+        <p:cNvGrpSpPr/>
+        <p:nvPr/>
+      </p:nvGrpSpPr>
+      <p:grpSpPr>
+        <a:xfrm>
+          <a:off x="0" y="0"/>
+          <a:ext cx="0" cy="0"/>
+          <a:chOff x="0" y="0"/>
+          <a:chExt cx="0" cy="0"/>
+        </a:xfrm>
+      </p:grpSpPr>
+      <p:sp>
+        <p:nvSpPr>
+          <p:cNvPr id="2" name="Title 1">
+            <a:extLst>
+              <a:ext uri="{FF2B5EF4-FFF2-40B4-BE49-F238E27FC236}">
+                <a16:creationId xmlns:a16="http://schemas.microsoft.com/office/drawing/2014/main" id="{933E1EA9-C24B-409B-B7A8-9663BAF3642E}"/>
+              </a:ext>
+            </a:extLst>
+          </p:cNvPr>
+          <p:cNvSpPr>
+            <a:spLocks noGrp="1"/>
+          </p:cNvSpPr>
+          <p:nvPr>
+            <p:ph type="title"/>
+          </p:nvPr>
+        </p:nvSpPr>
+        <p:spPr/>
+        <p:txBody>
+          <a:bodyPr/>
+          <a:lstStyle/>
+          <a:p>
+            <a:r>
+              <a:rPr lang="en-US" dirty="0"/>
+              <a:t>Evaluation/Results</a:t>
+            </a:r>
+          </a:p>
+        </p:txBody>
+      </p:sp>
+      <p:sp>
+        <p:nvSpPr>
+          <p:cNvPr id="3" name="Content Placeholder 2">
+            <a:extLst>
+              <a:ext uri="{FF2B5EF4-FFF2-40B4-BE49-F238E27FC236}">
+                <a16:creationId xmlns:a16="http://schemas.microsoft.com/office/drawing/2014/main" id="{1C53E63B-9626-4581-89B4-03BC2CB42F6D}"/>
+              </a:ext>
+            </a:extLst>
+          </p:cNvPr>
+          <p:cNvSpPr>
+            <a:spLocks noGrp="1"/>
+          </p:cNvSpPr>
+          <p:nvPr>
+            <p:ph idx="1"/>
+          </p:nvPr>
+        </p:nvSpPr>
+        <p:spPr>
+          <a:xfrm>
+            <a:off x="838200" y="1344628"/>
+            <a:ext cx="10515600" cy="5330491"/>
+          </a:xfrm>
+        </p:spPr>
+        <p:txBody>
+          <a:bodyPr>
+            <a:normAutofit/>
+          </a:bodyPr>
+          <a:lstStyle/>
+          <a:p>
+            <a:pPr marL="514350" indent="-514350">
+              <a:buAutoNum type="arabicPeriod"/>
+            </a:pPr>
+            <a:r>
+              <a:rPr lang="en-US" dirty="0"/>
+              <a:t>Deeper Analysis</a:t>
+            </a:r>
+          </a:p>
+          <a:p>
+            <a:pPr marL="457200" lvl="1" indent="0">
+              <a:buNone/>
+            </a:pPr>
+            <a:r>
+              <a:rPr lang="en-US" sz="1700" dirty="0"/>
+              <a:t>b. After separating the “Yes” attrition group based on working years (total sample median is approximately 11 years, so that was the separator), we observed the following:</a:t>
+            </a:r>
+          </a:p>
+          <a:p>
+            <a:pPr marL="1314450" lvl="2" indent="-400050">
+              <a:buFont typeface="+mj-lt"/>
+              <a:buAutoNum type="romanLcPeriod"/>
+            </a:pPr>
+            <a:r>
+              <a:rPr lang="en-US" sz="1400" dirty="0"/>
+              <a:t>Variables such as age, job level, monthly income, total working years and years at company were already controlled for in filtering at 11 years, so differences in the results was already taken into account.</a:t>
+            </a:r>
+          </a:p>
+          <a:p>
+            <a:pPr marL="1314450" lvl="2" indent="-400050">
+              <a:buFont typeface="+mj-lt"/>
+              <a:buAutoNum type="romanLcPeriod"/>
+            </a:pPr>
+            <a:r>
+              <a:rPr lang="en-US" sz="1400" dirty="0"/>
+              <a:t>We do observe, however, that the number of companies worked has a median of approximately one (which is about half of the total sample) whether the group has more or less than 11 years of experience.  On the other hand, both sub-groups show an average of companies worked greater than overall sample.  This indicates that for handful of the employees, they may be characterized as ‘serial job hoppers’ where the large majority of employees have worked at very few locations.  It is important to note, this may not be a variable considered for predicting whether an employee leaves because there may be a large number of employees that did not leave (even with similar results in number of companies worked).</a:t>
+            </a:r>
+          </a:p>
+          <a:p>
+            <a:pPr marL="1314450" lvl="2" indent="-400050">
+              <a:buFont typeface="+mj-lt"/>
+              <a:buAutoNum type="romanLcPeriod"/>
+            </a:pPr>
+            <a:r>
+              <a:rPr lang="en-US" sz="1400" dirty="0"/>
+              <a:t>Another interesting variable is distance from home.  The more senior sub-population exhibited results similar to the sample which would indicate that distance/commuting did not factor into their decision.  Of course, the implies that Junio sub-group did in fact live further than the greater population.  </a:t>
+            </a:r>
+          </a:p>
+          <a:p>
+            <a:pPr marL="1314450" lvl="2" indent="-400050">
+              <a:buFont typeface="+mj-lt"/>
+              <a:buAutoNum type="romanLcPeriod"/>
+            </a:pPr>
+            <a:r>
+              <a:rPr lang="en-US" sz="1400" dirty="0"/>
+              <a:t>The final interesting observation from the sub-groups was the Environment Satisfaction score.  The Junior group exhibited a median result similar to the larger group, with a average result slightly lower (similar to the overall “Yes” group).  This implies that there were a handful of low scores by the Junior group but the larger number of observations aligned with the overall group.  But for the Senior sub-group, the average score and the median score were much lower than the overall group.</a:t>
+            </a:r>
+          </a:p>
+          <a:p>
+            <a:pPr marL="1257300" lvl="2" indent="-342900">
+              <a:buAutoNum type="romanLcPeriod"/>
+            </a:pPr>
+            <a:endParaRPr lang="en-US" sz="900" dirty="0"/>
+          </a:p>
+          <a:p>
+            <a:pPr marL="1257300" lvl="2" indent="-342900">
+              <a:buAutoNum type="romanLcPeriod"/>
+            </a:pPr>
+            <a:endParaRPr lang="en-US" sz="900" dirty="0"/>
+          </a:p>
+          <a:p>
+            <a:pPr marL="0" indent="0">
+              <a:buNone/>
+            </a:pPr>
+            <a:endParaRPr lang="en-US" dirty="0"/>
+          </a:p>
+          <a:p>
+            <a:pPr marL="457200" lvl="1" indent="0">
+              <a:buNone/>
+            </a:pPr>
+            <a:endParaRPr lang="en-US" dirty="0"/>
+          </a:p>
+        </p:txBody>
+      </p:sp>
+      <p:sp>
+        <p:nvSpPr>
+          <p:cNvPr id="4" name="TextBox 3">
+            <a:extLst>
+              <a:ext uri="{FF2B5EF4-FFF2-40B4-BE49-F238E27FC236}">
+                <a16:creationId xmlns:a16="http://schemas.microsoft.com/office/drawing/2014/main" id="{A5A3DC43-45DF-4B72-BBC8-0A03FEF1B6E3}"/>
+              </a:ext>
+            </a:extLst>
+          </p:cNvPr>
+          <p:cNvSpPr txBox="1"/>
+          <p:nvPr/>
+        </p:nvSpPr>
+        <p:spPr>
+          <a:xfrm>
+            <a:off x="838200" y="5846544"/>
+            <a:ext cx="10780889" cy="646331"/>
+          </a:xfrm>
+          <a:prstGeom prst="rect">
+            <a:avLst/>
+          </a:prstGeom>
+          <a:noFill/>
+        </p:spPr>
+        <p:txBody>
+          <a:bodyPr wrap="square" rtlCol="0">
+            <a:spAutoFit/>
+          </a:bodyPr>
+          <a:lstStyle/>
+          <a:p>
+            <a:r>
+              <a:rPr lang="en-US" dirty="0">
+                <a:solidFill>
+                  <a:srgbClr val="FF0000"/>
+                </a:solidFill>
+              </a:rPr>
+              <a:t>Take-Aways:  Given the variables considered, the Environment Satisfaction score appeared to be meaningful factor for those with more experience.   </a:t>
+            </a:r>
+          </a:p>
+        </p:txBody>
+      </p:sp>
+    </p:spTree>
+    <p:extLst>
+      <p:ext uri="{BB962C8B-B14F-4D97-AF65-F5344CB8AC3E}">
+        <p14:creationId xmlns:p14="http://schemas.microsoft.com/office/powerpoint/2010/main" val="98581052"/>
+      </p:ext>
+    </p:extLst>
+  </p:cSld>
+  <p:clrMapOvr>
+    <a:masterClrMapping/>
+  </p:clrMapOvr>
+</p:sld>
+</file>
+
+<file path=ppt/slides/slide13.xml><?xml version="1.0" encoding="utf-8"?>
+<p:sld xmlns:a="http://schemas.openxmlformats.org/drawingml/2006/main" xmlns:r="http://schemas.openxmlformats.org/officeDocument/2006/relationships" xmlns:p="http://schemas.openxmlformats.org/presentationml/2006/main">
+  <p:cSld>
+    <p:spTree>
+      <p:nvGrpSpPr>
+        <p:cNvPr id="1" name=""/>
+        <p:cNvGrpSpPr/>
+        <p:nvPr/>
+      </p:nvGrpSpPr>
+      <p:grpSpPr>
+        <a:xfrm>
+          <a:off x="0" y="0"/>
+          <a:ext cx="0" cy="0"/>
+          <a:chOff x="0" y="0"/>
+          <a:chExt cx="0" cy="0"/>
+        </a:xfrm>
+      </p:grpSpPr>
+      <p:sp>
+        <p:nvSpPr>
+          <p:cNvPr id="2" name="Title 1">
+            <a:extLst>
+              <a:ext uri="{FF2B5EF4-FFF2-40B4-BE49-F238E27FC236}">
+                <a16:creationId xmlns:a16="http://schemas.microsoft.com/office/drawing/2014/main" id="{933E1EA9-C24B-409B-B7A8-9663BAF3642E}"/>
+              </a:ext>
+            </a:extLst>
+          </p:cNvPr>
+          <p:cNvSpPr>
+            <a:spLocks noGrp="1"/>
+          </p:cNvSpPr>
+          <p:nvPr>
+            <p:ph type="title"/>
+          </p:nvPr>
+        </p:nvSpPr>
+        <p:spPr/>
+        <p:txBody>
+          <a:bodyPr/>
+          <a:lstStyle/>
+          <a:p>
+            <a:r>
+              <a:rPr lang="en-US" dirty="0"/>
+              <a:t>Evaluation/Results</a:t>
+            </a:r>
+          </a:p>
+        </p:txBody>
+      </p:sp>
+      <p:sp>
+        <p:nvSpPr>
+          <p:cNvPr id="3" name="Content Placeholder 2">
+            <a:extLst>
+              <a:ext uri="{FF2B5EF4-FFF2-40B4-BE49-F238E27FC236}">
+                <a16:creationId xmlns:a16="http://schemas.microsoft.com/office/drawing/2014/main" id="{1C53E63B-9626-4581-89B4-03BC2CB42F6D}"/>
+              </a:ext>
+            </a:extLst>
+          </p:cNvPr>
+          <p:cNvSpPr>
+            <a:spLocks noGrp="1"/>
+          </p:cNvSpPr>
+          <p:nvPr>
+            <p:ph idx="1"/>
+          </p:nvPr>
+        </p:nvSpPr>
+        <p:spPr>
+          <a:xfrm>
+            <a:off x="838200" y="1344628"/>
+            <a:ext cx="10515600" cy="5330491"/>
+          </a:xfrm>
+        </p:spPr>
+        <p:txBody>
+          <a:bodyPr>
+            <a:normAutofit/>
+          </a:bodyPr>
+          <a:lstStyle/>
+          <a:p>
+            <a:pPr marL="514350" indent="-514350">
+              <a:buAutoNum type="arabicPeriod"/>
+            </a:pPr>
+            <a:r>
+              <a:rPr lang="en-US" dirty="0"/>
+              <a:t>Deeper Analysis</a:t>
+            </a:r>
+          </a:p>
+          <a:p>
+            <a:pPr marL="457200" lvl="1" indent="0">
+              <a:buNone/>
+            </a:pPr>
+            <a:r>
+              <a:rPr lang="en-US" sz="1700" dirty="0"/>
+              <a:t>c. Further analyzed the data to focus on gender as well as job role. </a:t>
+            </a:r>
+          </a:p>
+          <a:p>
+            <a:pPr marL="1314450" lvl="2" indent="-400050">
+              <a:buFont typeface="+mj-lt"/>
+              <a:buAutoNum type="romanLcPeriod"/>
+            </a:pPr>
+            <a:r>
+              <a:rPr lang="en-US" sz="1400" dirty="0"/>
+              <a:t>After observing counts of the broader sample as well as the “Yes” group, we can compare and contrast the perceived role of gender as well as job roles.</a:t>
+            </a:r>
+          </a:p>
+          <a:p>
+            <a:pPr marL="1314450" lvl="2" indent="-400050">
+              <a:buFont typeface="+mj-lt"/>
+              <a:buAutoNum type="romanLcPeriod"/>
+            </a:pPr>
+            <a:r>
+              <a:rPr lang="en-US" sz="1400" dirty="0"/>
+              <a:t>For the broader sample, women count at 588 out of 1470, and for the “Yes” group women count at 87 out of 237.  So while it appears on a high level that women may have may not leave, the difference is generally not significant.</a:t>
+            </a:r>
+          </a:p>
+          <a:p>
+            <a:pPr marL="1314450" lvl="2" indent="-400050">
+              <a:buFont typeface="+mj-lt"/>
+              <a:buAutoNum type="romanLcPeriod"/>
+            </a:pPr>
+            <a:r>
+              <a:rPr lang="en-US" sz="1400" dirty="0"/>
+              <a:t>For job roles, we observe that laboratory technicians account for the largest number of job roles that leave, followed by sales executives, research scientists, and then sales representatives.  Where for the larger population, the larger job groups are sales executives, research scientists, laboratory technicians, and then manufacturing directors in order.  What does this indicate?</a:t>
+            </a:r>
+          </a:p>
+          <a:p>
+            <a:pPr marL="1771650" lvl="3" indent="-400050">
+              <a:buFont typeface="+mj-lt"/>
+              <a:buAutoNum type="romanLcPeriod"/>
+            </a:pPr>
+            <a:r>
+              <a:rPr lang="en-US" sz="1200" dirty="0"/>
+              <a:t>Being a sales representative is an important factor in attrition.  Out of 83 people in the sample, 33 left.  </a:t>
+            </a:r>
+          </a:p>
+          <a:p>
+            <a:pPr marL="1771650" lvl="3" indent="-400050">
+              <a:buFont typeface="+mj-lt"/>
+              <a:buAutoNum type="romanLcPeriod"/>
+            </a:pPr>
+            <a:r>
+              <a:rPr lang="en-US" sz="1200" dirty="0"/>
+              <a:t>Laboratory technicians are plentiful and they have left in large numbers.   This is due to perhaps seeking advancement outside of the company (to a role beyond technician). </a:t>
+            </a:r>
+          </a:p>
+          <a:p>
+            <a:pPr marL="1771650" lvl="3" indent="-400050">
+              <a:buFont typeface="+mj-lt"/>
+              <a:buAutoNum type="romanLcPeriod"/>
+            </a:pPr>
+            <a:r>
+              <a:rPr lang="en-US" sz="1200" dirty="0"/>
+              <a:t>Sales executives and research scientists are, obviously, highly sought after roles, but this doesn’t imply people in those roles would not leave (perhaps because they are also in high demand in the market).</a:t>
+            </a:r>
+          </a:p>
+          <a:p>
+            <a:pPr marL="1257300" lvl="2" indent="-342900">
+              <a:buAutoNum type="romanLcPeriod"/>
+            </a:pPr>
+            <a:endParaRPr lang="en-US" sz="900" dirty="0"/>
+          </a:p>
+          <a:p>
+            <a:pPr marL="1257300" lvl="2" indent="-342900">
+              <a:buAutoNum type="romanLcPeriod"/>
+            </a:pPr>
+            <a:endParaRPr lang="en-US" sz="900" dirty="0"/>
+          </a:p>
+          <a:p>
+            <a:pPr marL="0" indent="0">
+              <a:buNone/>
+            </a:pPr>
+            <a:endParaRPr lang="en-US" dirty="0"/>
+          </a:p>
+          <a:p>
+            <a:pPr marL="457200" lvl="1" indent="0">
+              <a:buNone/>
+            </a:pPr>
+            <a:endParaRPr lang="en-US" dirty="0"/>
+          </a:p>
+        </p:txBody>
+      </p:sp>
+      <p:sp>
+        <p:nvSpPr>
+          <p:cNvPr id="4" name="TextBox 3">
+            <a:extLst>
+              <a:ext uri="{FF2B5EF4-FFF2-40B4-BE49-F238E27FC236}">
+                <a16:creationId xmlns:a16="http://schemas.microsoft.com/office/drawing/2014/main" id="{A5A3DC43-45DF-4B72-BBC8-0A03FEF1B6E3}"/>
+              </a:ext>
+            </a:extLst>
+          </p:cNvPr>
+          <p:cNvSpPr txBox="1"/>
+          <p:nvPr/>
+        </p:nvSpPr>
+        <p:spPr>
+          <a:xfrm>
+            <a:off x="838200" y="4867041"/>
+            <a:ext cx="10780889" cy="646331"/>
+          </a:xfrm>
+          <a:prstGeom prst="rect">
+            <a:avLst/>
+          </a:prstGeom>
+          <a:noFill/>
+        </p:spPr>
+        <p:txBody>
+          <a:bodyPr wrap="square" rtlCol="0">
+            <a:spAutoFit/>
+          </a:bodyPr>
+          <a:lstStyle/>
+          <a:p>
+            <a:r>
+              <a:rPr lang="en-US" dirty="0">
+                <a:solidFill>
+                  <a:srgbClr val="FF0000"/>
+                </a:solidFill>
+              </a:rPr>
+              <a:t>Take-Aways:  The sales representatives are likely going to leave and anything with “scientist” or “executive” is probably in high demand outside the company.  For lab technicians, further analysis would likely be required.</a:t>
+            </a:r>
+          </a:p>
+        </p:txBody>
+      </p:sp>
+      <p:sp>
+        <p:nvSpPr>
+          <p:cNvPr id="5" name="TextBox 4">
+            <a:extLst>
+              <a:ext uri="{FF2B5EF4-FFF2-40B4-BE49-F238E27FC236}">
+                <a16:creationId xmlns:a16="http://schemas.microsoft.com/office/drawing/2014/main" id="{F1350DEA-3DC0-456A-AAB7-25BA355CF654}"/>
+              </a:ext>
+            </a:extLst>
+          </p:cNvPr>
+          <p:cNvSpPr txBox="1"/>
+          <p:nvPr/>
+        </p:nvSpPr>
+        <p:spPr>
+          <a:xfrm>
+            <a:off x="838199" y="5674197"/>
+            <a:ext cx="10780889" cy="646331"/>
+          </a:xfrm>
+          <a:prstGeom prst="rect">
+            <a:avLst/>
+          </a:prstGeom>
+          <a:noFill/>
+        </p:spPr>
+        <p:txBody>
+          <a:bodyPr wrap="square" rtlCol="0">
+            <a:spAutoFit/>
+          </a:bodyPr>
+          <a:lstStyle/>
+          <a:p>
+            <a:r>
+              <a:rPr lang="en-US" dirty="0"/>
+              <a:t>The following plots consider the relationship between income, age, and gender, as well as income, job role, and gender.  Lastly, we consider the role of satisfaction scores on attrition rates.  </a:t>
+            </a:r>
+          </a:p>
+        </p:txBody>
+      </p:sp>
+    </p:spTree>
+    <p:extLst>
+      <p:ext uri="{BB962C8B-B14F-4D97-AF65-F5344CB8AC3E}">
+        <p14:creationId xmlns:p14="http://schemas.microsoft.com/office/powerpoint/2010/main" val="635781626"/>
+      </p:ext>
+    </p:extLst>
+  </p:cSld>
+  <p:clrMapOvr>
+    <a:masterClrMapping/>
+  </p:clrMapOvr>
+</p:sld>
+</file>
+
+<file path=ppt/slides/slide14.xml><?xml version="1.0" encoding="utf-8"?>
+<p:sld xmlns:a="http://schemas.openxmlformats.org/drawingml/2006/main" xmlns:r="http://schemas.openxmlformats.org/officeDocument/2006/relationships" xmlns:p="http://schemas.openxmlformats.org/presentationml/2006/main">
+  <p:cSld>
+    <p:spTree>
+      <p:nvGrpSpPr>
+        <p:cNvPr id="1" name=""/>
+        <p:cNvGrpSpPr/>
+        <p:nvPr/>
+      </p:nvGrpSpPr>
+      <p:grpSpPr>
+        <a:xfrm>
+          <a:off x="0" y="0"/>
+          <a:ext cx="0" cy="0"/>
+          <a:chOff x="0" y="0"/>
+          <a:chExt cx="0" cy="0"/>
+        </a:xfrm>
+      </p:grpSpPr>
+      <p:sp>
+        <p:nvSpPr>
+          <p:cNvPr id="2" name="Title 1">
+            <a:extLst>
+              <a:ext uri="{FF2B5EF4-FFF2-40B4-BE49-F238E27FC236}">
+                <a16:creationId xmlns:a16="http://schemas.microsoft.com/office/drawing/2014/main" id="{933E1EA9-C24B-409B-B7A8-9663BAF3642E}"/>
+              </a:ext>
+            </a:extLst>
+          </p:cNvPr>
+          <p:cNvSpPr>
+            <a:spLocks noGrp="1"/>
+          </p:cNvSpPr>
+          <p:nvPr>
+            <p:ph type="title"/>
+          </p:nvPr>
+        </p:nvSpPr>
+        <p:spPr/>
+        <p:txBody>
+          <a:bodyPr/>
+          <a:lstStyle/>
+          <a:p>
+            <a:r>
+              <a:rPr lang="en-US" dirty="0"/>
+              <a:t>Evaluation:  Relationship between Age and Monthly Income by Gender</a:t>
             </a:r>
           </a:p>
         </p:txBody>
@@ -3655,7 +4627,7 @@
 </p:sld>
 </file>
 
-<file path=ppt/slides/slide12.xml><?xml version="1.0" encoding="utf-8"?>
+<file path=ppt/slides/slide15.xml><?xml version="1.0" encoding="utf-8"?>
 <p:sld xmlns:a="http://schemas.openxmlformats.org/drawingml/2006/main" xmlns:r="http://schemas.openxmlformats.org/officeDocument/2006/relationships" xmlns:p="http://schemas.openxmlformats.org/presentationml/2006/main">
   <p:cSld>
     <p:spTree>
@@ -3695,7 +4667,7 @@
           <a:p>
             <a:r>
               <a:rPr lang="en-US" dirty="0"/>
-              <a:t>Relationship of Job Title to Monthly Pay by Gender</a:t>
+              <a:t>Evaluation:  Relationship of Job Title to Monthly Pay by Gender</a:t>
             </a:r>
           </a:p>
         </p:txBody>
@@ -3743,7 +4715,164 @@
 </p:sld>
 </file>
 
-<file path=ppt/slides/slide13.xml><?xml version="1.0" encoding="utf-8"?>
+<file path=ppt/slides/slide16.xml><?xml version="1.0" encoding="utf-8"?>
+<p:sld xmlns:a="http://schemas.openxmlformats.org/drawingml/2006/main" xmlns:r="http://schemas.openxmlformats.org/officeDocument/2006/relationships" xmlns:p="http://schemas.openxmlformats.org/presentationml/2006/main">
+  <p:cSld>
+    <p:spTree>
+      <p:nvGrpSpPr>
+        <p:cNvPr id="1" name=""/>
+        <p:cNvGrpSpPr/>
+        <p:nvPr/>
+      </p:nvGrpSpPr>
+      <p:grpSpPr>
+        <a:xfrm>
+          <a:off x="0" y="0"/>
+          <a:ext cx="0" cy="0"/>
+          <a:chOff x="0" y="0"/>
+          <a:chExt cx="0" cy="0"/>
+        </a:xfrm>
+      </p:grpSpPr>
+      <p:sp>
+        <p:nvSpPr>
+          <p:cNvPr id="2" name="Title 1">
+            <a:extLst>
+              <a:ext uri="{FF2B5EF4-FFF2-40B4-BE49-F238E27FC236}">
+                <a16:creationId xmlns:a16="http://schemas.microsoft.com/office/drawing/2014/main" id="{933E1EA9-C24B-409B-B7A8-9663BAF3642E}"/>
+              </a:ext>
+            </a:extLst>
+          </p:cNvPr>
+          <p:cNvSpPr>
+            <a:spLocks noGrp="1"/>
+          </p:cNvSpPr>
+          <p:nvPr>
+            <p:ph type="title"/>
+          </p:nvPr>
+        </p:nvSpPr>
+        <p:spPr/>
+        <p:txBody>
+          <a:bodyPr/>
+          <a:lstStyle/>
+          <a:p>
+            <a:r>
+              <a:rPr lang="en-US" dirty="0"/>
+              <a:t>Summary</a:t>
+            </a:r>
+          </a:p>
+        </p:txBody>
+      </p:sp>
+      <p:sp>
+        <p:nvSpPr>
+          <p:cNvPr id="3" name="Content Placeholder 2">
+            <a:extLst>
+              <a:ext uri="{FF2B5EF4-FFF2-40B4-BE49-F238E27FC236}">
+                <a16:creationId xmlns:a16="http://schemas.microsoft.com/office/drawing/2014/main" id="{1C53E63B-9626-4581-89B4-03BC2CB42F6D}"/>
+              </a:ext>
+            </a:extLst>
+          </p:cNvPr>
+          <p:cNvSpPr>
+            <a:spLocks noGrp="1"/>
+          </p:cNvSpPr>
+          <p:nvPr>
+            <p:ph idx="1"/>
+          </p:nvPr>
+        </p:nvSpPr>
+        <p:spPr>
+          <a:xfrm>
+            <a:off x="838200" y="1344628"/>
+            <a:ext cx="10515600" cy="5330491"/>
+          </a:xfrm>
+        </p:spPr>
+        <p:txBody>
+          <a:bodyPr>
+            <a:normAutofit/>
+          </a:bodyPr>
+          <a:lstStyle/>
+          <a:p>
+            <a:pPr>
+              <a:buFont typeface="Wingdings" panose="05000000000000000000" pitchFamily="2" charset="2"/>
+              <a:buChar char="Ø"/>
+            </a:pPr>
+            <a:r>
+              <a:rPr lang="en-US" dirty="0"/>
+              <a:t>After analyzing the results, we can conclude the following patterns:</a:t>
+            </a:r>
+          </a:p>
+          <a:p>
+            <a:pPr marL="971550" lvl="1" indent="-514350">
+              <a:buAutoNum type="arabicPeriod"/>
+            </a:pPr>
+            <a:r>
+              <a:rPr lang="en-US" dirty="0"/>
+              <a:t>Experience matters.  Those most likely to leave will have less experience.  </a:t>
+            </a:r>
+          </a:p>
+          <a:p>
+            <a:pPr marL="971550" lvl="1" indent="-514350">
+              <a:buAutoNum type="arabicPeriod"/>
+            </a:pPr>
+            <a:r>
+              <a:rPr lang="en-US" dirty="0"/>
+              <a:t>When controlling for experience, pay attention to the Environment Satisfaction score.  This requires further analysis, but may be an early indicator of employee dissatisfaction.</a:t>
+            </a:r>
+          </a:p>
+          <a:p>
+            <a:pPr marL="971550" lvl="1" indent="-514350">
+              <a:buAutoNum type="arabicPeriod"/>
+            </a:pPr>
+            <a:r>
+              <a:rPr lang="en-US" dirty="0"/>
+              <a:t>Sales representatives are likely going to leave.  There is also very high turnover in laboratory technicians.  This could be due to any number of factors.</a:t>
+            </a:r>
+          </a:p>
+          <a:p>
+            <a:pPr marL="971550" lvl="1" indent="-514350">
+              <a:buAutoNum type="arabicPeriod"/>
+            </a:pPr>
+            <a:r>
+              <a:rPr lang="en-US" dirty="0"/>
+              <a:t>Missing data fields that may be relevant:  Satisfaction surveys with supervisor (note: this is always cited as a reason people leave) and expected/realized pay when leaving.  </a:t>
+            </a:r>
+          </a:p>
+          <a:p>
+            <a:pPr marL="1257300" lvl="2" indent="-342900">
+              <a:buAutoNum type="romanLcPeriod"/>
+            </a:pPr>
+            <a:endParaRPr lang="en-US" sz="900" dirty="0"/>
+          </a:p>
+          <a:p>
+            <a:pPr marL="1257300" lvl="2" indent="-342900">
+              <a:buAutoNum type="romanLcPeriod"/>
+            </a:pPr>
+            <a:endParaRPr lang="en-US" sz="900" dirty="0"/>
+          </a:p>
+          <a:p>
+            <a:pPr marL="0" indent="0">
+              <a:buNone/>
+            </a:pPr>
+            <a:endParaRPr lang="en-US" dirty="0"/>
+          </a:p>
+          <a:p>
+            <a:pPr marL="457200" lvl="1" indent="0">
+              <a:buNone/>
+            </a:pPr>
+            <a:endParaRPr lang="en-US" dirty="0"/>
+          </a:p>
+        </p:txBody>
+      </p:sp>
+    </p:spTree>
+    <p:extLst>
+      <p:ext uri="{BB962C8B-B14F-4D97-AF65-F5344CB8AC3E}">
+        <p14:creationId xmlns:p14="http://schemas.microsoft.com/office/powerpoint/2010/main" val="4186596462"/>
+      </p:ext>
+    </p:extLst>
+  </p:cSld>
+  <p:clrMapOvr>
+    <a:masterClrMapping/>
+  </p:clrMapOvr>
+</p:sld>
+</file>
+
+<file path=ppt/slides/slide17.xml><?xml version="1.0" encoding="utf-8"?>
 <p:sld xmlns:a="http://schemas.openxmlformats.org/drawingml/2006/main" xmlns:r="http://schemas.openxmlformats.org/officeDocument/2006/relationships" xmlns:p="http://schemas.openxmlformats.org/presentationml/2006/main">
   <p:cSld>
     <p:spTree>
@@ -4275,7 +5404,7 @@
             </a:pPr>
             <a:r>
               <a:rPr lang="en-US" dirty="0"/>
-              <a:t>Meaningful trends (TBD) provided from the sourced data</a:t>
+              <a:t>Meaningful insights (TBD) provided from the sourced data</a:t>
             </a:r>
           </a:p>
           <a:p>
@@ -4584,7 +5713,7 @@
         </p:spPr>
         <p:txBody>
           <a:bodyPr>
-            <a:normAutofit fontScale="92500" lnSpcReduction="20000"/>
+            <a:normAutofit fontScale="85000" lnSpcReduction="20000"/>
           </a:bodyPr>
           <a:lstStyle/>
           <a:p>
@@ -4690,7 +5819,7 @@
             </a:pPr>
             <a:r>
               <a:rPr lang="en-US" sz="1600" dirty="0"/>
-              <a:t>Considered relationships between Age and Income; Satisfaction metrics and attrition (Environment, Job, and Relationship)</a:t>
+              <a:t>Ran summary stats for the data set where filtering was done for attrition variable.  </a:t>
             </a:r>
           </a:p>
           <a:p>
@@ -4700,7 +5829,7 @@
             </a:pPr>
             <a:r>
               <a:rPr lang="en-US" sz="1600" dirty="0"/>
-              <a:t>Identified the top three factors that contribute to attrition</a:t>
+              <a:t>Separated focus group (those that left) based on levels of experience in order to gain insights into what may be driving employee decisions</a:t>
             </a:r>
           </a:p>
           <a:p>
@@ -4710,7 +5839,35 @@
             </a:pPr>
             <a:r>
               <a:rPr lang="en-US" sz="1600" dirty="0"/>
-              <a:t>Considered the relationship between job type and job satisfaction metrics </a:t>
+              <a:t>Considered relationships between Age and Income; Satisfaction metrics and attrition (Environment, Job, and Relationship)</a:t>
+            </a:r>
+          </a:p>
+          <a:p>
+            <a:pPr marL="971550" lvl="1" indent="-514350">
+              <a:buFont typeface="+mj-lt"/>
+              <a:buAutoNum type="alphaLcPeriod"/>
+            </a:pPr>
+            <a:r>
+              <a:rPr lang="en-US" sz="1600" dirty="0">
+                <a:highlight>
+                  <a:srgbClr val="FFFF00"/>
+                </a:highlight>
+              </a:rPr>
+              <a:t>Identified the top three factors that contribute to attrition</a:t>
+            </a:r>
+          </a:p>
+          <a:p>
+            <a:pPr marL="971550" lvl="1" indent="-514350">
+              <a:buFont typeface="+mj-lt"/>
+              <a:buAutoNum type="alphaLcPeriod"/>
+            </a:pPr>
+            <a:r>
+              <a:rPr lang="en-US" sz="1600" dirty="0">
+                <a:highlight>
+                  <a:srgbClr val="FFFF00"/>
+                </a:highlight>
+              </a:rPr>
+              <a:t>Explored insights into job type </a:t>
             </a:r>
           </a:p>
           <a:p>

--- a/Final Presentation_TEAM VARIANCE 6306.pptx
+++ b/Final Presentation_TEAM VARIANCE 6306.pptx
@@ -20,8 +20,11 @@
     <p:sldId id="281" r:id="rId14"/>
     <p:sldId id="277" r:id="rId15"/>
     <p:sldId id="273" r:id="rId16"/>
-    <p:sldId id="282" r:id="rId17"/>
-    <p:sldId id="271" r:id="rId18"/>
+    <p:sldId id="283" r:id="rId17"/>
+    <p:sldId id="284" r:id="rId18"/>
+    <p:sldId id="285" r:id="rId19"/>
+    <p:sldId id="282" r:id="rId20"/>
+    <p:sldId id="271" r:id="rId21"/>
   </p:sldIdLst>
   <p:sldSz cx="12192000" cy="6858000"/>
   <p:notesSz cx="6858000" cy="9144000"/>
@@ -286,7 +289,7 @@
           <a:p>
             <a:fld id="{6B556CE9-838E-4F7B-97ED-B55258AFBF15}" type="datetimeFigureOut">
               <a:rPr lang="en-US" smtClean="0"/>
-              <a:t>8/4/2018</a:t>
+              <a:t>8/5/2018</a:t>
             </a:fld>
             <a:endParaRPr lang="en-US"/>
           </a:p>
@@ -484,7 +487,7 @@
           <a:p>
             <a:fld id="{6B556CE9-838E-4F7B-97ED-B55258AFBF15}" type="datetimeFigureOut">
               <a:rPr lang="en-US" smtClean="0"/>
-              <a:t>8/4/2018</a:t>
+              <a:t>8/5/2018</a:t>
             </a:fld>
             <a:endParaRPr lang="en-US"/>
           </a:p>
@@ -692,7 +695,7 @@
           <a:p>
             <a:fld id="{6B556CE9-838E-4F7B-97ED-B55258AFBF15}" type="datetimeFigureOut">
               <a:rPr lang="en-US" smtClean="0"/>
-              <a:t>8/4/2018</a:t>
+              <a:t>8/5/2018</a:t>
             </a:fld>
             <a:endParaRPr lang="en-US"/>
           </a:p>
@@ -890,7 +893,7 @@
           <a:p>
             <a:fld id="{6B556CE9-838E-4F7B-97ED-B55258AFBF15}" type="datetimeFigureOut">
               <a:rPr lang="en-US" smtClean="0"/>
-              <a:t>8/4/2018</a:t>
+              <a:t>8/5/2018</a:t>
             </a:fld>
             <a:endParaRPr lang="en-US"/>
           </a:p>
@@ -1165,7 +1168,7 @@
           <a:p>
             <a:fld id="{6B556CE9-838E-4F7B-97ED-B55258AFBF15}" type="datetimeFigureOut">
               <a:rPr lang="en-US" smtClean="0"/>
-              <a:t>8/4/2018</a:t>
+              <a:t>8/5/2018</a:t>
             </a:fld>
             <a:endParaRPr lang="en-US"/>
           </a:p>
@@ -1430,7 +1433,7 @@
           <a:p>
             <a:fld id="{6B556CE9-838E-4F7B-97ED-B55258AFBF15}" type="datetimeFigureOut">
               <a:rPr lang="en-US" smtClean="0"/>
-              <a:t>8/4/2018</a:t>
+              <a:t>8/5/2018</a:t>
             </a:fld>
             <a:endParaRPr lang="en-US"/>
           </a:p>
@@ -1842,7 +1845,7 @@
           <a:p>
             <a:fld id="{6B556CE9-838E-4F7B-97ED-B55258AFBF15}" type="datetimeFigureOut">
               <a:rPr lang="en-US" smtClean="0"/>
-              <a:t>8/4/2018</a:t>
+              <a:t>8/5/2018</a:t>
             </a:fld>
             <a:endParaRPr lang="en-US"/>
           </a:p>
@@ -1983,7 +1986,7 @@
           <a:p>
             <a:fld id="{6B556CE9-838E-4F7B-97ED-B55258AFBF15}" type="datetimeFigureOut">
               <a:rPr lang="en-US" smtClean="0"/>
-              <a:t>8/4/2018</a:t>
+              <a:t>8/5/2018</a:t>
             </a:fld>
             <a:endParaRPr lang="en-US"/>
           </a:p>
@@ -2096,7 +2099,7 @@
           <a:p>
             <a:fld id="{6B556CE9-838E-4F7B-97ED-B55258AFBF15}" type="datetimeFigureOut">
               <a:rPr lang="en-US" smtClean="0"/>
-              <a:t>8/4/2018</a:t>
+              <a:t>8/5/2018</a:t>
             </a:fld>
             <a:endParaRPr lang="en-US"/>
           </a:p>
@@ -2407,7 +2410,7 @@
           <a:p>
             <a:fld id="{6B556CE9-838E-4F7B-97ED-B55258AFBF15}" type="datetimeFigureOut">
               <a:rPr lang="en-US" smtClean="0"/>
-              <a:t>8/4/2018</a:t>
+              <a:t>8/5/2018</a:t>
             </a:fld>
             <a:endParaRPr lang="en-US"/>
           </a:p>
@@ -2695,7 +2698,7 @@
           <a:p>
             <a:fld id="{6B556CE9-838E-4F7B-97ED-B55258AFBF15}" type="datetimeFigureOut">
               <a:rPr lang="en-US" smtClean="0"/>
-              <a:t>8/4/2018</a:t>
+              <a:t>8/5/2018</a:t>
             </a:fld>
             <a:endParaRPr lang="en-US"/>
           </a:p>
@@ -2936,7 +2939,7 @@
           <a:p>
             <a:fld id="{6B556CE9-838E-4F7B-97ED-B55258AFBF15}" type="datetimeFigureOut">
               <a:rPr lang="en-US" smtClean="0"/>
-              <a:t>8/4/2018</a:t>
+              <a:t>8/5/2018</a:t>
             </a:fld>
             <a:endParaRPr lang="en-US"/>
           </a:p>
@@ -4239,7 +4242,7 @@
         <p:spPr>
           <a:xfrm>
             <a:off x="838200" y="5846544"/>
-            <a:ext cx="10780889" cy="646331"/>
+            <a:ext cx="10780889" cy="923330"/>
           </a:xfrm>
           <a:prstGeom prst="rect">
             <a:avLst/>
@@ -4258,7 +4261,7 @@
                   <a:srgbClr val="FF0000"/>
                 </a:solidFill>
               </a:rPr>
-              <a:t>Take-Aways:  Given the variables considered, the Environment Satisfaction score appeared to be meaningful factor for those with more experience.   </a:t>
+              <a:t>Take-Aways:  Given the variables considered, the Environment Satisfaction score appeared to be meaningful factor for those with more experience.   Overall, pay may play a very big role, but that may be due to experience as opposed to those leaving getting paid less.</a:t>
             </a:r>
           </a:p>
         </p:txBody>
@@ -4755,114 +4758,45 @@
           <a:p>
             <a:r>
               <a:rPr lang="en-US" dirty="0"/>
-              <a:t>Summary</a:t>
-            </a:r>
-          </a:p>
-        </p:txBody>
-      </p:sp>
-      <p:sp>
-        <p:nvSpPr>
-          <p:cNvPr id="3" name="Content Placeholder 2">
-            <a:extLst>
-              <a:ext uri="{FF2B5EF4-FFF2-40B4-BE49-F238E27FC236}">
-                <a16:creationId xmlns:a16="http://schemas.microsoft.com/office/drawing/2014/main" id="{1C53E63B-9626-4581-89B4-03BC2CB42F6D}"/>
-              </a:ext>
-            </a:extLst>
-          </p:cNvPr>
-          <p:cNvSpPr>
-            <a:spLocks noGrp="1"/>
-          </p:cNvSpPr>
-          <p:nvPr>
-            <p:ph idx="1"/>
-          </p:nvPr>
-        </p:nvSpPr>
+              <a:t>Evaluation:  Relationship of Job Title to Monthly Pay by Attrition</a:t>
+            </a:r>
+          </a:p>
+        </p:txBody>
+      </p:sp>
+      <p:pic>
+        <p:nvPicPr>
+          <p:cNvPr id="4" name="Picture 3">
+            <a:extLst>
+              <a:ext uri="{FF2B5EF4-FFF2-40B4-BE49-F238E27FC236}">
+                <a16:creationId xmlns:a16="http://schemas.microsoft.com/office/drawing/2014/main" id="{3930D237-D1AD-4E7E-9487-BE5EADC4F1CC}"/>
+              </a:ext>
+            </a:extLst>
+          </p:cNvPr>
+          <p:cNvPicPr>
+            <a:picLocks noChangeAspect="1"/>
+          </p:cNvPicPr>
+          <p:nvPr/>
+        </p:nvPicPr>
+        <p:blipFill>
+          <a:blip r:embed="rId2"/>
+          <a:stretch>
+            <a:fillRect/>
+          </a:stretch>
+        </p:blipFill>
         <p:spPr>
           <a:xfrm>
-            <a:off x="838200" y="1344628"/>
-            <a:ext cx="10515600" cy="5330491"/>
+            <a:off x="838200" y="1712609"/>
+            <a:ext cx="10515600" cy="4902299"/>
           </a:xfrm>
+          <a:prstGeom prst="rect">
+            <a:avLst/>
+          </a:prstGeom>
         </p:spPr>
-        <p:txBody>
-          <a:bodyPr>
-            <a:normAutofit/>
-          </a:bodyPr>
-          <a:lstStyle/>
-          <a:p>
-            <a:pPr>
-              <a:buFont typeface="Wingdings" panose="05000000000000000000" pitchFamily="2" charset="2"/>
-              <a:buChar char="Ø"/>
-            </a:pPr>
-            <a:r>
-              <a:rPr lang="en-US" dirty="0"/>
-              <a:t>After analyzing the results, we can conclude the following patterns:</a:t>
-            </a:r>
-          </a:p>
-          <a:p>
-            <a:pPr marL="971550" lvl="1" indent="-514350">
-              <a:buAutoNum type="arabicPeriod"/>
-            </a:pPr>
-            <a:r>
-              <a:rPr lang="en-US" dirty="0"/>
-              <a:t>Experience matters.  Those most likely to leave will have less experience.  </a:t>
-            </a:r>
-          </a:p>
-          <a:p>
-            <a:pPr marL="971550" lvl="1" indent="-514350">
-              <a:buAutoNum type="arabicPeriod"/>
-            </a:pPr>
-            <a:r>
-              <a:rPr lang="en-US" dirty="0"/>
-              <a:t>When controlling for experience, pay attention to the Environment Satisfaction score.  This requires further analysis, but may be an early indicator of employee dissatisfaction.</a:t>
-            </a:r>
-          </a:p>
-          <a:p>
-            <a:pPr marL="971550" lvl="1" indent="-514350">
-              <a:buAutoNum type="arabicPeriod"/>
-            </a:pPr>
-            <a:r>
-              <a:rPr lang="en-US" dirty="0"/>
-              <a:t>Sales representatives are likely going to leave.  There is also very high turnover in laboratory technicians.  This could be due to any number of factors.</a:t>
-            </a:r>
-          </a:p>
-          <a:p>
-            <a:pPr marL="971550" lvl="1" indent="-514350">
-              <a:buAutoNum type="arabicPeriod"/>
-            </a:pPr>
-            <a:r>
-              <a:rPr lang="en-US" dirty="0"/>
-              <a:t>Missing data fields that may be relevant:  Satisfaction surveys with supervisor (note: this is always cited as a reason people leave) and expected/realized pay when leaving.  </a:t>
-            </a:r>
-          </a:p>
-          <a:p>
-            <a:pPr marL="1257300" lvl="2" indent="-342900">
-              <a:buAutoNum type="romanLcPeriod"/>
-            </a:pPr>
-            <a:endParaRPr lang="en-US" sz="900" dirty="0"/>
-          </a:p>
-          <a:p>
-            <a:pPr marL="1257300" lvl="2" indent="-342900">
-              <a:buAutoNum type="romanLcPeriod"/>
-            </a:pPr>
-            <a:endParaRPr lang="en-US" sz="900" dirty="0"/>
-          </a:p>
-          <a:p>
-            <a:pPr marL="0" indent="0">
-              <a:buNone/>
-            </a:pPr>
-            <a:endParaRPr lang="en-US" dirty="0"/>
-          </a:p>
-          <a:p>
-            <a:pPr marL="457200" lvl="1" indent="0">
-              <a:buNone/>
-            </a:pPr>
-            <a:endParaRPr lang="en-US" dirty="0"/>
-          </a:p>
-        </p:txBody>
-      </p:sp>
+      </p:pic>
     </p:spTree>
     <p:extLst>
       <p:ext uri="{BB962C8B-B14F-4D97-AF65-F5344CB8AC3E}">
-        <p14:creationId xmlns:p14="http://schemas.microsoft.com/office/powerpoint/2010/main" val="4186596462"/>
+        <p14:creationId xmlns:p14="http://schemas.microsoft.com/office/powerpoint/2010/main" val="2874031516"/>
       </p:ext>
     </p:extLst>
   </p:cSld>
@@ -4912,17 +4846,17 @@
           <a:p>
             <a:r>
               <a:rPr lang="en-US" dirty="0"/>
-              <a:t>Appendix: Data Source - Summary Statistics</a:t>
+              <a:t>Evaluation:  Relationship of Environment Satisfaction to Monthly Pay by Attrition</a:t>
             </a:r>
           </a:p>
         </p:txBody>
       </p:sp>
       <p:pic>
         <p:nvPicPr>
-          <p:cNvPr id="7" name="Picture 6">
-            <a:extLst>
-              <a:ext uri="{FF2B5EF4-FFF2-40B4-BE49-F238E27FC236}">
-                <a16:creationId xmlns:a16="http://schemas.microsoft.com/office/drawing/2014/main" id="{F30296AA-5BC7-48DF-B58C-617B50DCE12A}"/>
+          <p:cNvPr id="3" name="Picture 2">
+            <a:extLst>
+              <a:ext uri="{FF2B5EF4-FFF2-40B4-BE49-F238E27FC236}">
+                <a16:creationId xmlns:a16="http://schemas.microsoft.com/office/drawing/2014/main" id="{898DF98A-F879-4965-9B9D-2B33BDE3E44C}"/>
               </a:ext>
             </a:extLst>
           </p:cNvPr>
@@ -4939,8 +4873,101 @@
         </p:blipFill>
         <p:spPr>
           <a:xfrm>
-            <a:off x="1024127" y="1456929"/>
-            <a:ext cx="3814255" cy="5136530"/>
+            <a:off x="1445712" y="1853852"/>
+            <a:ext cx="9601200" cy="4421687"/>
+          </a:xfrm>
+          <a:prstGeom prst="rect">
+            <a:avLst/>
+          </a:prstGeom>
+        </p:spPr>
+      </p:pic>
+    </p:spTree>
+    <p:extLst>
+      <p:ext uri="{BB962C8B-B14F-4D97-AF65-F5344CB8AC3E}">
+        <p14:creationId xmlns:p14="http://schemas.microsoft.com/office/powerpoint/2010/main" val="2333001920"/>
+      </p:ext>
+    </p:extLst>
+  </p:cSld>
+  <p:clrMapOvr>
+    <a:masterClrMapping/>
+  </p:clrMapOvr>
+</p:sld>
+</file>
+
+<file path=ppt/slides/slide18.xml><?xml version="1.0" encoding="utf-8"?>
+<p:sld xmlns:a="http://schemas.openxmlformats.org/drawingml/2006/main" xmlns:r="http://schemas.openxmlformats.org/officeDocument/2006/relationships" xmlns:p="http://schemas.openxmlformats.org/presentationml/2006/main">
+  <p:cSld>
+    <p:spTree>
+      <p:nvGrpSpPr>
+        <p:cNvPr id="1" name=""/>
+        <p:cNvGrpSpPr/>
+        <p:nvPr/>
+      </p:nvGrpSpPr>
+      <p:grpSpPr>
+        <a:xfrm>
+          <a:off x="0" y="0"/>
+          <a:ext cx="0" cy="0"/>
+          <a:chOff x="0" y="0"/>
+          <a:chExt cx="0" cy="0"/>
+        </a:xfrm>
+      </p:grpSpPr>
+      <p:sp>
+        <p:nvSpPr>
+          <p:cNvPr id="2" name="Title 1">
+            <a:extLst>
+              <a:ext uri="{FF2B5EF4-FFF2-40B4-BE49-F238E27FC236}">
+                <a16:creationId xmlns:a16="http://schemas.microsoft.com/office/drawing/2014/main" id="{933E1EA9-C24B-409B-B7A8-9663BAF3642E}"/>
+              </a:ext>
+            </a:extLst>
+          </p:cNvPr>
+          <p:cNvSpPr>
+            <a:spLocks noGrp="1"/>
+          </p:cNvSpPr>
+          <p:nvPr>
+            <p:ph type="title"/>
+          </p:nvPr>
+        </p:nvSpPr>
+        <p:spPr>
+          <a:xfrm>
+            <a:off x="-46173" y="-224460"/>
+            <a:ext cx="10515600" cy="1325563"/>
+          </a:xfrm>
+        </p:spPr>
+        <p:txBody>
+          <a:bodyPr/>
+          <a:lstStyle/>
+          <a:p>
+            <a:r>
+              <a:rPr lang="en-US" dirty="0"/>
+              <a:t>Evaluation:  Satisfaction</a:t>
+            </a:r>
+          </a:p>
+        </p:txBody>
+      </p:sp>
+      <p:pic>
+        <p:nvPicPr>
+          <p:cNvPr id="4" name="Picture 3">
+            <a:extLst>
+              <a:ext uri="{FF2B5EF4-FFF2-40B4-BE49-F238E27FC236}">
+                <a16:creationId xmlns:a16="http://schemas.microsoft.com/office/drawing/2014/main" id="{2E01B3E7-02C1-431B-9AC0-F922C005EDDC}"/>
+              </a:ext>
+            </a:extLst>
+          </p:cNvPr>
+          <p:cNvPicPr>
+            <a:picLocks noChangeAspect="1"/>
+          </p:cNvPicPr>
+          <p:nvPr/>
+        </p:nvPicPr>
+        <p:blipFill>
+          <a:blip r:embed="rId2"/>
+          <a:stretch>
+            <a:fillRect/>
+          </a:stretch>
+        </p:blipFill>
+        <p:spPr>
+          <a:xfrm>
+            <a:off x="1006887" y="982640"/>
+            <a:ext cx="2705532" cy="1932523"/>
           </a:xfrm>
           <a:prstGeom prst="rect">
             <a:avLst/>
@@ -4949,10 +4976,10 @@
       </p:pic>
       <p:pic>
         <p:nvPicPr>
-          <p:cNvPr id="8" name="Picture 7">
-            <a:extLst>
-              <a:ext uri="{FF2B5EF4-FFF2-40B4-BE49-F238E27FC236}">
-                <a16:creationId xmlns:a16="http://schemas.microsoft.com/office/drawing/2014/main" id="{68338238-C6FD-473D-A43D-5F1663352DD3}"/>
+          <p:cNvPr id="5" name="Picture 4">
+            <a:extLst>
+              <a:ext uri="{FF2B5EF4-FFF2-40B4-BE49-F238E27FC236}">
+                <a16:creationId xmlns:a16="http://schemas.microsoft.com/office/drawing/2014/main" id="{8E9942E1-10AC-40E8-B753-59F212247934}"/>
               </a:ext>
             </a:extLst>
           </p:cNvPr>
@@ -4969,8 +4996,218 @@
         </p:blipFill>
         <p:spPr>
           <a:xfrm>
-            <a:off x="5694333" y="1456929"/>
-            <a:ext cx="4803516" cy="2542169"/>
+            <a:off x="4948362" y="851621"/>
+            <a:ext cx="2705532" cy="1932523"/>
+          </a:xfrm>
+          <a:prstGeom prst="rect">
+            <a:avLst/>
+          </a:prstGeom>
+        </p:spPr>
+      </p:pic>
+      <p:pic>
+        <p:nvPicPr>
+          <p:cNvPr id="6" name="Picture 5">
+            <a:extLst>
+              <a:ext uri="{FF2B5EF4-FFF2-40B4-BE49-F238E27FC236}">
+                <a16:creationId xmlns:a16="http://schemas.microsoft.com/office/drawing/2014/main" id="{BAC36BA0-C6AE-4F04-A59F-CA59068E0BD9}"/>
+              </a:ext>
+            </a:extLst>
+          </p:cNvPr>
+          <p:cNvPicPr>
+            <a:picLocks noChangeAspect="1"/>
+          </p:cNvPicPr>
+          <p:nvPr/>
+        </p:nvPicPr>
+        <p:blipFill>
+          <a:blip r:embed="rId4"/>
+          <a:stretch>
+            <a:fillRect/>
+          </a:stretch>
+        </p:blipFill>
+        <p:spPr>
+          <a:xfrm>
+            <a:off x="8606777" y="813408"/>
+            <a:ext cx="2705534" cy="1932524"/>
+          </a:xfrm>
+          <a:prstGeom prst="rect">
+            <a:avLst/>
+          </a:prstGeom>
+        </p:spPr>
+      </p:pic>
+      <p:pic>
+        <p:nvPicPr>
+          <p:cNvPr id="7" name="Picture 6">
+            <a:extLst>
+              <a:ext uri="{FF2B5EF4-FFF2-40B4-BE49-F238E27FC236}">
+                <a16:creationId xmlns:a16="http://schemas.microsoft.com/office/drawing/2014/main" id="{48EC63E8-EE79-4CA7-BB81-5B86CFE1DF87}"/>
+              </a:ext>
+            </a:extLst>
+          </p:cNvPr>
+          <p:cNvPicPr>
+            <a:picLocks noChangeAspect="1"/>
+          </p:cNvPicPr>
+          <p:nvPr/>
+        </p:nvPicPr>
+        <p:blipFill>
+          <a:blip r:embed="rId5"/>
+          <a:stretch>
+            <a:fillRect/>
+          </a:stretch>
+        </p:blipFill>
+        <p:spPr>
+          <a:xfrm>
+            <a:off x="8606777" y="2817538"/>
+            <a:ext cx="2705534" cy="1932524"/>
+          </a:xfrm>
+          <a:prstGeom prst="rect">
+            <a:avLst/>
+          </a:prstGeom>
+        </p:spPr>
+      </p:pic>
+      <p:pic>
+        <p:nvPicPr>
+          <p:cNvPr id="8" name="Picture 7">
+            <a:extLst>
+              <a:ext uri="{FF2B5EF4-FFF2-40B4-BE49-F238E27FC236}">
+                <a16:creationId xmlns:a16="http://schemas.microsoft.com/office/drawing/2014/main" id="{0407017D-B47F-4A3A-BDE8-D98C5EE3E990}"/>
+              </a:ext>
+            </a:extLst>
+          </p:cNvPr>
+          <p:cNvPicPr>
+            <a:picLocks noChangeAspect="1"/>
+          </p:cNvPicPr>
+          <p:nvPr/>
+        </p:nvPicPr>
+        <p:blipFill>
+          <a:blip r:embed="rId6"/>
+          <a:stretch>
+            <a:fillRect/>
+          </a:stretch>
+        </p:blipFill>
+        <p:spPr>
+          <a:xfrm>
+            <a:off x="766686" y="4925477"/>
+            <a:ext cx="2705532" cy="1932523"/>
+          </a:xfrm>
+          <a:prstGeom prst="rect">
+            <a:avLst/>
+          </a:prstGeom>
+        </p:spPr>
+      </p:pic>
+      <p:pic>
+        <p:nvPicPr>
+          <p:cNvPr id="9" name="Picture 8">
+            <a:extLst>
+              <a:ext uri="{FF2B5EF4-FFF2-40B4-BE49-F238E27FC236}">
+                <a16:creationId xmlns:a16="http://schemas.microsoft.com/office/drawing/2014/main" id="{43C2FF04-7A1D-4F72-8F90-EBFF45E7FFA5}"/>
+              </a:ext>
+            </a:extLst>
+          </p:cNvPr>
+          <p:cNvPicPr>
+            <a:picLocks noChangeAspect="1"/>
+          </p:cNvPicPr>
+          <p:nvPr/>
+        </p:nvPicPr>
+        <p:blipFill>
+          <a:blip r:embed="rId7"/>
+          <a:stretch>
+            <a:fillRect/>
+          </a:stretch>
+        </p:blipFill>
+        <p:spPr>
+          <a:xfrm>
+            <a:off x="4948362" y="4925477"/>
+            <a:ext cx="2705532" cy="1932523"/>
+          </a:xfrm>
+          <a:prstGeom prst="rect">
+            <a:avLst/>
+          </a:prstGeom>
+        </p:spPr>
+      </p:pic>
+      <p:pic>
+        <p:nvPicPr>
+          <p:cNvPr id="10" name="Picture 9">
+            <a:extLst>
+              <a:ext uri="{FF2B5EF4-FFF2-40B4-BE49-F238E27FC236}">
+                <a16:creationId xmlns:a16="http://schemas.microsoft.com/office/drawing/2014/main" id="{263A1AC9-E434-4F9F-B9D9-B9D7FA0E84B1}"/>
+              </a:ext>
+            </a:extLst>
+          </p:cNvPr>
+          <p:cNvPicPr>
+            <a:picLocks noChangeAspect="1"/>
+          </p:cNvPicPr>
+          <p:nvPr/>
+        </p:nvPicPr>
+        <p:blipFill>
+          <a:blip r:embed="rId8"/>
+          <a:stretch>
+            <a:fillRect/>
+          </a:stretch>
+        </p:blipFill>
+        <p:spPr>
+          <a:xfrm>
+            <a:off x="8654276" y="4821668"/>
+            <a:ext cx="2705532" cy="1932523"/>
+          </a:xfrm>
+          <a:prstGeom prst="rect">
+            <a:avLst/>
+          </a:prstGeom>
+        </p:spPr>
+      </p:pic>
+      <p:pic>
+        <p:nvPicPr>
+          <p:cNvPr id="11" name="Picture 10">
+            <a:extLst>
+              <a:ext uri="{FF2B5EF4-FFF2-40B4-BE49-F238E27FC236}">
+                <a16:creationId xmlns:a16="http://schemas.microsoft.com/office/drawing/2014/main" id="{3B15839E-E5C7-4A38-A655-237ABE5824FF}"/>
+              </a:ext>
+            </a:extLst>
+          </p:cNvPr>
+          <p:cNvPicPr>
+            <a:picLocks noChangeAspect="1"/>
+          </p:cNvPicPr>
+          <p:nvPr/>
+        </p:nvPicPr>
+        <p:blipFill>
+          <a:blip r:embed="rId9"/>
+          <a:stretch>
+            <a:fillRect/>
+          </a:stretch>
+        </p:blipFill>
+        <p:spPr>
+          <a:xfrm>
+            <a:off x="1011253" y="3111416"/>
+            <a:ext cx="2394351" cy="1710251"/>
+          </a:xfrm>
+          <a:prstGeom prst="rect">
+            <a:avLst/>
+          </a:prstGeom>
+        </p:spPr>
+      </p:pic>
+      <p:pic>
+        <p:nvPicPr>
+          <p:cNvPr id="12" name="Picture 11">
+            <a:extLst>
+              <a:ext uri="{FF2B5EF4-FFF2-40B4-BE49-F238E27FC236}">
+                <a16:creationId xmlns:a16="http://schemas.microsoft.com/office/drawing/2014/main" id="{AE0BEBCF-53CB-44A3-A624-2BEEB78AC6DF}"/>
+              </a:ext>
+            </a:extLst>
+          </p:cNvPr>
+          <p:cNvPicPr>
+            <a:picLocks noChangeAspect="1"/>
+          </p:cNvPicPr>
+          <p:nvPr/>
+        </p:nvPicPr>
+        <p:blipFill>
+          <a:blip r:embed="rId10"/>
+          <a:stretch>
+            <a:fillRect/>
+          </a:stretch>
+        </p:blipFill>
+        <p:spPr>
+          <a:xfrm>
+            <a:off x="4948362" y="2992954"/>
+            <a:ext cx="2705532" cy="1932523"/>
           </a:xfrm>
           <a:prstGeom prst="rect">
             <a:avLst/>
@@ -4980,7 +5217,173 @@
     </p:spTree>
     <p:extLst>
       <p:ext uri="{BB962C8B-B14F-4D97-AF65-F5344CB8AC3E}">
-        <p14:creationId xmlns:p14="http://schemas.microsoft.com/office/powerpoint/2010/main" val="2680764738"/>
+        <p14:creationId xmlns:p14="http://schemas.microsoft.com/office/powerpoint/2010/main" val="2148833757"/>
+      </p:ext>
+    </p:extLst>
+  </p:cSld>
+  <p:clrMapOvr>
+    <a:masterClrMapping/>
+  </p:clrMapOvr>
+</p:sld>
+</file>
+
+<file path=ppt/slides/slide19.xml><?xml version="1.0" encoding="utf-8"?>
+<p:sld xmlns:a="http://schemas.openxmlformats.org/drawingml/2006/main" xmlns:r="http://schemas.openxmlformats.org/officeDocument/2006/relationships" xmlns:p="http://schemas.openxmlformats.org/presentationml/2006/main">
+  <p:cSld>
+    <p:spTree>
+      <p:nvGrpSpPr>
+        <p:cNvPr id="1" name=""/>
+        <p:cNvGrpSpPr/>
+        <p:nvPr/>
+      </p:nvGrpSpPr>
+      <p:grpSpPr>
+        <a:xfrm>
+          <a:off x="0" y="0"/>
+          <a:ext cx="0" cy="0"/>
+          <a:chOff x="0" y="0"/>
+          <a:chExt cx="0" cy="0"/>
+        </a:xfrm>
+      </p:grpSpPr>
+      <p:sp>
+        <p:nvSpPr>
+          <p:cNvPr id="2" name="Title 1">
+            <a:extLst>
+              <a:ext uri="{FF2B5EF4-FFF2-40B4-BE49-F238E27FC236}">
+                <a16:creationId xmlns:a16="http://schemas.microsoft.com/office/drawing/2014/main" id="{933E1EA9-C24B-409B-B7A8-9663BAF3642E}"/>
+              </a:ext>
+            </a:extLst>
+          </p:cNvPr>
+          <p:cNvSpPr>
+            <a:spLocks noGrp="1"/>
+          </p:cNvSpPr>
+          <p:nvPr>
+            <p:ph type="title"/>
+          </p:nvPr>
+        </p:nvSpPr>
+        <p:spPr/>
+        <p:txBody>
+          <a:bodyPr/>
+          <a:lstStyle/>
+          <a:p>
+            <a:r>
+              <a:rPr lang="en-US" dirty="0"/>
+              <a:t>Summary</a:t>
+            </a:r>
+          </a:p>
+        </p:txBody>
+      </p:sp>
+      <p:sp>
+        <p:nvSpPr>
+          <p:cNvPr id="3" name="Content Placeholder 2">
+            <a:extLst>
+              <a:ext uri="{FF2B5EF4-FFF2-40B4-BE49-F238E27FC236}">
+                <a16:creationId xmlns:a16="http://schemas.microsoft.com/office/drawing/2014/main" id="{1C53E63B-9626-4581-89B4-03BC2CB42F6D}"/>
+              </a:ext>
+            </a:extLst>
+          </p:cNvPr>
+          <p:cNvSpPr>
+            <a:spLocks noGrp="1"/>
+          </p:cNvSpPr>
+          <p:nvPr>
+            <p:ph idx="1"/>
+          </p:nvPr>
+        </p:nvSpPr>
+        <p:spPr>
+          <a:xfrm>
+            <a:off x="838200" y="1344628"/>
+            <a:ext cx="10515600" cy="5330491"/>
+          </a:xfrm>
+        </p:spPr>
+        <p:txBody>
+          <a:bodyPr>
+            <a:normAutofit/>
+          </a:bodyPr>
+          <a:lstStyle/>
+          <a:p>
+            <a:pPr>
+              <a:buFont typeface="Wingdings" panose="05000000000000000000" pitchFamily="2" charset="2"/>
+              <a:buChar char="Ø"/>
+            </a:pPr>
+            <a:r>
+              <a:rPr lang="en-US" dirty="0"/>
+              <a:t>After analyzing the results, we can conclude the following patterns:</a:t>
+            </a:r>
+          </a:p>
+          <a:p>
+            <a:pPr marL="971550" lvl="1" indent="-514350">
+              <a:buAutoNum type="arabicPeriod"/>
+            </a:pPr>
+            <a:r>
+              <a:rPr lang="en-US" dirty="0"/>
+              <a:t>Experience matters.  Those most likely to leave will have less experience.  </a:t>
+            </a:r>
+          </a:p>
+          <a:p>
+            <a:pPr marL="971550" lvl="1" indent="-514350">
+              <a:buAutoNum type="arabicPeriod"/>
+            </a:pPr>
+            <a:r>
+              <a:rPr lang="en-US" dirty="0"/>
+              <a:t>When controlling for experience, pay attention to the Environment Satisfaction score.  This requires further analysis, but may be an early indicator of employee dissatisfaction.</a:t>
+            </a:r>
+          </a:p>
+          <a:p>
+            <a:pPr marL="971550" lvl="1" indent="-514350">
+              <a:buAutoNum type="arabicPeriod"/>
+            </a:pPr>
+            <a:r>
+              <a:rPr lang="en-US" dirty="0"/>
+              <a:t>Sales representatives are likely going to leave.  There is also very high turnover in laboratory technicians.  This could be due to any number of factors.</a:t>
+            </a:r>
+          </a:p>
+          <a:p>
+            <a:pPr marL="971550" lvl="1" indent="-514350">
+              <a:buAutoNum type="arabicPeriod"/>
+            </a:pPr>
+            <a:r>
+              <a:rPr lang="en-US" dirty="0"/>
+              <a:t>Missing data fields that may be relevant:  Satisfaction surveys with supervisor (note: this is always cited as a reason people leave) and expected/realized pay when leaving.  </a:t>
+            </a:r>
+          </a:p>
+          <a:p>
+            <a:pPr marL="971550" lvl="1" indent="-514350">
+              <a:buAutoNum type="arabicPeriod"/>
+            </a:pPr>
+            <a:r>
+              <a:rPr lang="en-US" dirty="0"/>
+              <a:t>Pay within the job roles matters.  Those with lower monthly pay are more likely to leave.  This is especially true for research scientists and sales representatives.</a:t>
+            </a:r>
+          </a:p>
+          <a:p>
+            <a:pPr marL="1257300" lvl="2" indent="-342900">
+              <a:buAutoNum type="romanLcPeriod"/>
+            </a:pPr>
+            <a:endParaRPr lang="en-US" sz="900" dirty="0"/>
+          </a:p>
+          <a:p>
+            <a:pPr marL="1257300" lvl="2" indent="-342900">
+              <a:buAutoNum type="romanLcPeriod"/>
+            </a:pPr>
+            <a:endParaRPr lang="en-US" sz="900" dirty="0"/>
+          </a:p>
+          <a:p>
+            <a:pPr marL="0" indent="0">
+              <a:buNone/>
+            </a:pPr>
+            <a:endParaRPr lang="en-US" dirty="0"/>
+          </a:p>
+          <a:p>
+            <a:pPr marL="457200" lvl="1" indent="0">
+              <a:buNone/>
+            </a:pPr>
+            <a:endParaRPr lang="en-US" dirty="0"/>
+          </a:p>
+        </p:txBody>
+      </p:sp>
+    </p:spTree>
+    <p:extLst>
+      <p:ext uri="{BB962C8B-B14F-4D97-AF65-F5344CB8AC3E}">
+        <p14:creationId xmlns:p14="http://schemas.microsoft.com/office/powerpoint/2010/main" val="4186596462"/>
       </p:ext>
     </p:extLst>
   </p:cSld>
@@ -5119,6 +5522,124 @@
     <p:extLst>
       <p:ext uri="{BB962C8B-B14F-4D97-AF65-F5344CB8AC3E}">
         <p14:creationId xmlns:p14="http://schemas.microsoft.com/office/powerpoint/2010/main" val="3544361940"/>
+      </p:ext>
+    </p:extLst>
+  </p:cSld>
+  <p:clrMapOvr>
+    <a:masterClrMapping/>
+  </p:clrMapOvr>
+</p:sld>
+</file>
+
+<file path=ppt/slides/slide20.xml><?xml version="1.0" encoding="utf-8"?>
+<p:sld xmlns:a="http://schemas.openxmlformats.org/drawingml/2006/main" xmlns:r="http://schemas.openxmlformats.org/officeDocument/2006/relationships" xmlns:p="http://schemas.openxmlformats.org/presentationml/2006/main">
+  <p:cSld>
+    <p:spTree>
+      <p:nvGrpSpPr>
+        <p:cNvPr id="1" name=""/>
+        <p:cNvGrpSpPr/>
+        <p:nvPr/>
+      </p:nvGrpSpPr>
+      <p:grpSpPr>
+        <a:xfrm>
+          <a:off x="0" y="0"/>
+          <a:ext cx="0" cy="0"/>
+          <a:chOff x="0" y="0"/>
+          <a:chExt cx="0" cy="0"/>
+        </a:xfrm>
+      </p:grpSpPr>
+      <p:sp>
+        <p:nvSpPr>
+          <p:cNvPr id="2" name="Title 1">
+            <a:extLst>
+              <a:ext uri="{FF2B5EF4-FFF2-40B4-BE49-F238E27FC236}">
+                <a16:creationId xmlns:a16="http://schemas.microsoft.com/office/drawing/2014/main" id="{933E1EA9-C24B-409B-B7A8-9663BAF3642E}"/>
+              </a:ext>
+            </a:extLst>
+          </p:cNvPr>
+          <p:cNvSpPr>
+            <a:spLocks noGrp="1"/>
+          </p:cNvSpPr>
+          <p:nvPr>
+            <p:ph type="title"/>
+          </p:nvPr>
+        </p:nvSpPr>
+        <p:spPr/>
+        <p:txBody>
+          <a:bodyPr/>
+          <a:lstStyle/>
+          <a:p>
+            <a:r>
+              <a:rPr lang="en-US" dirty="0"/>
+              <a:t>Appendix: Data Source - Summary Statistics</a:t>
+            </a:r>
+          </a:p>
+        </p:txBody>
+      </p:sp>
+      <p:pic>
+        <p:nvPicPr>
+          <p:cNvPr id="7" name="Picture 6">
+            <a:extLst>
+              <a:ext uri="{FF2B5EF4-FFF2-40B4-BE49-F238E27FC236}">
+                <a16:creationId xmlns:a16="http://schemas.microsoft.com/office/drawing/2014/main" id="{F30296AA-5BC7-48DF-B58C-617B50DCE12A}"/>
+              </a:ext>
+            </a:extLst>
+          </p:cNvPr>
+          <p:cNvPicPr>
+            <a:picLocks noChangeAspect="1"/>
+          </p:cNvPicPr>
+          <p:nvPr/>
+        </p:nvPicPr>
+        <p:blipFill>
+          <a:blip r:embed="rId2"/>
+          <a:stretch>
+            <a:fillRect/>
+          </a:stretch>
+        </p:blipFill>
+        <p:spPr>
+          <a:xfrm>
+            <a:off x="1024127" y="1456929"/>
+            <a:ext cx="3814255" cy="5136530"/>
+          </a:xfrm>
+          <a:prstGeom prst="rect">
+            <a:avLst/>
+          </a:prstGeom>
+        </p:spPr>
+      </p:pic>
+      <p:pic>
+        <p:nvPicPr>
+          <p:cNvPr id="8" name="Picture 7">
+            <a:extLst>
+              <a:ext uri="{FF2B5EF4-FFF2-40B4-BE49-F238E27FC236}">
+                <a16:creationId xmlns:a16="http://schemas.microsoft.com/office/drawing/2014/main" id="{68338238-C6FD-473D-A43D-5F1663352DD3}"/>
+              </a:ext>
+            </a:extLst>
+          </p:cNvPr>
+          <p:cNvPicPr>
+            <a:picLocks noChangeAspect="1"/>
+          </p:cNvPicPr>
+          <p:nvPr/>
+        </p:nvPicPr>
+        <p:blipFill>
+          <a:blip r:embed="rId3"/>
+          <a:stretch>
+            <a:fillRect/>
+          </a:stretch>
+        </p:blipFill>
+        <p:spPr>
+          <a:xfrm>
+            <a:off x="5694333" y="1456929"/>
+            <a:ext cx="4803516" cy="2542169"/>
+          </a:xfrm>
+          <a:prstGeom prst="rect">
+            <a:avLst/>
+          </a:prstGeom>
+        </p:spPr>
+      </p:pic>
+    </p:spTree>
+    <p:extLst>
+      <p:ext uri="{BB962C8B-B14F-4D97-AF65-F5344CB8AC3E}">
+        <p14:creationId xmlns:p14="http://schemas.microsoft.com/office/powerpoint/2010/main" val="2680764738"/>
       </p:ext>
     </p:extLst>
   </p:cSld>

--- a/Final Presentation_TEAM VARIANCE 6306.pptx
+++ b/Final Presentation_TEAM VARIANCE 6306.pptx
@@ -15,16 +15,18 @@
     <p:sldId id="275" r:id="rId9"/>
     <p:sldId id="276" r:id="rId10"/>
     <p:sldId id="279" r:id="rId11"/>
-    <p:sldId id="278" r:id="rId12"/>
-    <p:sldId id="280" r:id="rId13"/>
-    <p:sldId id="281" r:id="rId14"/>
-    <p:sldId id="277" r:id="rId15"/>
-    <p:sldId id="273" r:id="rId16"/>
+    <p:sldId id="280" r:id="rId12"/>
+    <p:sldId id="281" r:id="rId13"/>
+    <p:sldId id="277" r:id="rId14"/>
+    <p:sldId id="273" r:id="rId15"/>
+    <p:sldId id="284" r:id="rId16"/>
     <p:sldId id="283" r:id="rId17"/>
-    <p:sldId id="284" r:id="rId18"/>
+    <p:sldId id="286" r:id="rId18"/>
     <p:sldId id="285" r:id="rId19"/>
     <p:sldId id="282" r:id="rId20"/>
-    <p:sldId id="271" r:id="rId21"/>
+    <p:sldId id="287" r:id="rId21"/>
+    <p:sldId id="288" r:id="rId22"/>
+    <p:sldId id="271" r:id="rId23"/>
   </p:sldIdLst>
   <p:sldSz cx="12192000" cy="6858000"/>
   <p:notesSz cx="6858000" cy="9144000"/>
@@ -3554,7 +3556,15 @@
             </a:pPr>
             <a:r>
               <a:rPr lang="en-US" sz="1400" dirty="0"/>
-              <a:t>The average or </a:t>
+              <a:t>The </a:t>
+            </a:r>
+            <a:r>
+              <a:rPr lang="en-US" sz="1400" b="1" dirty="0"/>
+              <a:t>average</a:t>
+            </a:r>
+            <a:r>
+              <a:rPr lang="en-US" sz="1400" dirty="0"/>
+              <a:t> or </a:t>
             </a:r>
             <a:r>
               <a:rPr lang="en-US" sz="1400" b="1" dirty="0"/>
@@ -3613,23 +3623,23 @@
               <a:buAutoNum type="romanLcPeriod"/>
             </a:pPr>
             <a:r>
-              <a:rPr lang="en-US" sz="1400" dirty="0"/>
+              <a:rPr lang="en-US" sz="1400" i="1" dirty="0"/>
               <a:t>The average </a:t>
             </a:r>
             <a:r>
-              <a:rPr lang="en-US" sz="1400" b="1" dirty="0"/>
+              <a:rPr lang="en-US" sz="1400" b="1" i="1" dirty="0"/>
               <a:t>Environment Satisfaction </a:t>
             </a:r>
             <a:r>
-              <a:rPr lang="en-US" sz="1400" dirty="0"/>
+              <a:rPr lang="en-US" sz="1400" i="1" dirty="0"/>
               <a:t>score was approximately </a:t>
             </a:r>
             <a:r>
-              <a:rPr lang="en-US" sz="1400" b="1" dirty="0"/>
+              <a:rPr lang="en-US" sz="1400" b="1" i="1" dirty="0"/>
               <a:t>10% lower</a:t>
             </a:r>
             <a:r>
-              <a:rPr lang="en-US" sz="1400" dirty="0"/>
+              <a:rPr lang="en-US" sz="1400" i="1" dirty="0"/>
               <a:t>.  There was no discernable change in median implying that there were extreme results (in terms of a low score).</a:t>
             </a:r>
           </a:p>
@@ -3656,7 +3666,15 @@
             </a:r>
             <a:r>
               <a:rPr lang="en-US" sz="1400" dirty="0"/>
-              <a:t> of that for the overall sample implying the employees were “lower on the totem pole”.  The average decrease was only 21% which implies that there were a handful of exits by senior level employees (but the majority seemed to be more junior).</a:t>
+              <a:t> of that for the overall sample implying the employees were “lower on the totem pole”.  The </a:t>
+            </a:r>
+            <a:r>
+              <a:rPr lang="en-US" sz="1400" b="1" dirty="0"/>
+              <a:t>average decrease was only 21% </a:t>
+            </a:r>
+            <a:r>
+              <a:rPr lang="en-US" sz="1400" dirty="0"/>
+              <a:t>which implies that there were a handful of exits by senior level employees (but the majority seemed to be more junior).</a:t>
             </a:r>
           </a:p>
           <a:p>
@@ -3665,32 +3683,32 @@
               <a:buAutoNum type="romanLcPeriod"/>
             </a:pPr>
             <a:r>
-              <a:rPr lang="en-US" sz="1400" dirty="0"/>
+              <a:rPr lang="en-US" sz="1400" i="1" dirty="0"/>
               <a:t>The </a:t>
             </a:r>
             <a:r>
-              <a:rPr lang="en-US" sz="1400" b="1" dirty="0"/>
+              <a:rPr lang="en-US" sz="1400" b="1" i="1" dirty="0"/>
               <a:t>average monthly income </a:t>
             </a:r>
             <a:r>
-              <a:rPr lang="en-US" sz="1400" dirty="0"/>
+              <a:rPr lang="en-US" sz="1400" i="1" dirty="0"/>
               <a:t>was </a:t>
             </a:r>
             <a:r>
-              <a:rPr lang="en-US" sz="1400" b="1" dirty="0"/>
+              <a:rPr lang="en-US" sz="1400" b="1" i="1" dirty="0"/>
               <a:t>25% less</a:t>
             </a:r>
             <a:r>
-              <a:rPr lang="en-US" sz="1400" dirty="0"/>
+              <a:rPr lang="en-US" sz="1400" i="1" dirty="0"/>
               <a:t>, with a </a:t>
             </a:r>
             <a:r>
-              <a:rPr lang="en-US" sz="1400" b="1" dirty="0"/>
+              <a:rPr lang="en-US" sz="1400" b="1" i="1" dirty="0"/>
               <a:t>median of 35% less</a:t>
             </a:r>
             <a:r>
-              <a:rPr lang="en-US" sz="1400" dirty="0"/>
-              <a:t>.  This would further imply that the majority of exits were junior level employees.</a:t>
+              <a:rPr lang="en-US" sz="1400" i="1" dirty="0"/>
+              <a:t>.  This would further imply that the majority of exits were junior level employees.  Cannot determine is if pay was the driving force (i.e., did people leave for more money)</a:t>
             </a:r>
           </a:p>
           <a:p>
@@ -3732,7 +3750,7 @@
             </a:r>
             <a:r>
               <a:rPr lang="en-US" sz="1400" dirty="0"/>
-              <a:t>than the overall sample.  The implication is that the majority of employees that left had only worked at this company.</a:t>
+              <a:t>than the overall sample.  The implication is that the majority of employees that left had only worked at this company.  </a:t>
             </a:r>
           </a:p>
           <a:p>
@@ -3741,47 +3759,47 @@
               <a:buAutoNum type="romanLcPeriod"/>
             </a:pPr>
             <a:r>
-              <a:rPr lang="en-US" sz="1400" dirty="0"/>
+              <a:rPr lang="en-US" sz="1400" i="1" dirty="0"/>
               <a:t>The </a:t>
             </a:r>
             <a:r>
-              <a:rPr lang="en-US" sz="1400" b="1" dirty="0"/>
+              <a:rPr lang="en-US" sz="1400" b="1" i="1" dirty="0"/>
               <a:t>total working years was on average 27% less</a:t>
             </a:r>
             <a:r>
-              <a:rPr lang="en-US" sz="1400" dirty="0"/>
+              <a:rPr lang="en-US" sz="1400" i="1" dirty="0"/>
               <a:t>, and the </a:t>
             </a:r>
             <a:r>
-              <a:rPr lang="en-US" sz="1400" b="1" dirty="0"/>
+              <a:rPr lang="en-US" sz="1400" b="1" i="1" dirty="0"/>
               <a:t>average years at the company was 27% less </a:t>
             </a:r>
             <a:r>
-              <a:rPr lang="en-US" sz="1400" dirty="0"/>
+              <a:rPr lang="en-US" sz="1400" i="1" dirty="0"/>
               <a:t>as well.  Additionally, the </a:t>
             </a:r>
             <a:r>
-              <a:rPr lang="en-US" sz="1400" b="1" dirty="0"/>
+              <a:rPr lang="en-US" sz="1400" b="1" i="1" dirty="0"/>
               <a:t>median number of years </a:t>
             </a:r>
             <a:r>
-              <a:rPr lang="en-US" sz="1400" dirty="0"/>
+              <a:rPr lang="en-US" sz="1400" i="1" dirty="0"/>
               <a:t>at the company was </a:t>
             </a:r>
             <a:r>
-              <a:rPr lang="en-US" sz="1400" b="1" dirty="0"/>
+              <a:rPr lang="en-US" sz="1400" b="1" i="1" dirty="0"/>
               <a:t>40% less</a:t>
             </a:r>
             <a:r>
-              <a:rPr lang="en-US" sz="1400" dirty="0"/>
+              <a:rPr lang="en-US" sz="1400" i="1" dirty="0"/>
               <a:t>, and the </a:t>
             </a:r>
             <a:r>
-              <a:rPr lang="en-US" sz="1400" b="1" dirty="0"/>
+              <a:rPr lang="en-US" sz="1400" b="1" i="1" dirty="0"/>
               <a:t>median total working years was 30% less</a:t>
             </a:r>
             <a:r>
-              <a:rPr lang="en-US" sz="1400" dirty="0"/>
+              <a:rPr lang="en-US" sz="1400" i="1" dirty="0"/>
               <a:t>.  This implies further support as to the level and experience of the employees that left (being lower).</a:t>
             </a:r>
           </a:p>
@@ -3980,7 +3998,7 @@
             </a:pPr>
             <a:r>
               <a:rPr lang="en-US" sz="1400" dirty="0"/>
-              <a:t>Another interesting variable is distance from home.  The more senior sub-population exhibited results similar to the sample which would indicate that distance/commuting did not factor into their decision.  Of course, the implies that Junio sub-group did in fact live further than the greater population.  </a:t>
+              <a:t>Another interesting variable is distance from home.  The more senior sub-population exhibited results similar to the sample which would indicate that distance/commuting did not factor into their decision.  Of course, the implies that the Junior sub-group did in fact live further than the greater population.  </a:t>
             </a:r>
           </a:p>
           <a:p>
@@ -4034,7 +4052,7 @@
         <p:spPr>
           <a:xfrm>
             <a:off x="838200" y="5846544"/>
-            <a:ext cx="10780889" cy="646331"/>
+            <a:ext cx="10780889" cy="923330"/>
           </a:xfrm>
           <a:prstGeom prst="rect">
             <a:avLst/>
@@ -4053,7 +4071,7 @@
                   <a:srgbClr val="FF0000"/>
                 </a:solidFill>
               </a:rPr>
-              <a:t>Take-Aways:  Given the variables considered, the Environment Satisfaction score appeared to be meaningful factor for those with more experience.   </a:t>
+              <a:t>Take-Aways:  Given the variables considered, the Environment Satisfaction score appeared to be meaningful factor for those with more experience.   Overall, pay may play a very big role, but that may be due to experience as opposed to those leaving getting paid less.</a:t>
             </a:r>
           </a:p>
         </p:txBody>
@@ -4061,7 +4079,7 @@
     </p:spTree>
     <p:extLst>
       <p:ext uri="{BB962C8B-B14F-4D97-AF65-F5344CB8AC3E}">
-        <p14:creationId xmlns:p14="http://schemas.microsoft.com/office/powerpoint/2010/main" val="1956738092"/>
+        <p14:creationId xmlns:p14="http://schemas.microsoft.com/office/powerpoint/2010/main" val="98581052"/>
       </p:ext>
     </p:extLst>
   </p:cSld>
@@ -4158,7 +4176,7 @@
             </a:pPr>
             <a:r>
               <a:rPr lang="en-US" sz="1700" dirty="0"/>
-              <a:t>b. After separating the “Yes” attrition group based on working years (total sample median is approximately 11 years, so that was the separator), we observed the following:</a:t>
+              <a:t>c. Further analyzed the data to focus on gender as well as job role. </a:t>
             </a:r>
           </a:p>
           <a:p>
@@ -4168,7 +4186,7 @@
             </a:pPr>
             <a:r>
               <a:rPr lang="en-US" sz="1400" dirty="0"/>
-              <a:t>Variables such as age, job level, monthly income, total working years and years at company were already controlled for in filtering at 11 years, so differences in the results was already taken into account.</a:t>
+              <a:t>After observing counts of the broader sample as well as the “Yes” group, we can compare and contrast the perceived role of gender as well as job roles.</a:t>
             </a:r>
           </a:p>
           <a:p>
@@ -4178,7 +4196,7 @@
             </a:pPr>
             <a:r>
               <a:rPr lang="en-US" sz="1400" dirty="0"/>
-              <a:t>We do observe, however, that the number of companies worked has a median of approximately one (which is about half of the total sample) whether the group has more or less than 11 years of experience.  On the other hand, both sub-groups show an average of companies worked greater than overall sample.  This indicates that for handful of the employees, they may be characterized as ‘serial job hoppers’ where the large majority of employees have worked at very few locations.  It is important to note, this may not be a variable considered for predicting whether an employee leaves because there may be a large number of employees that did not leave (even with similar results in number of companies worked).</a:t>
+              <a:t>For the broader sample, women count at 588 out of 1470, and for the “Yes” group women count at 87 out of 237.  So while it appears that a high overall level that women may have may leave, the difference is generally not significant.</a:t>
             </a:r>
           </a:p>
           <a:p>
@@ -4188,17 +4206,37 @@
             </a:pPr>
             <a:r>
               <a:rPr lang="en-US" sz="1400" dirty="0"/>
-              <a:t>Another interesting variable is distance from home.  The more senior sub-population exhibited results similar to the sample which would indicate that distance/commuting did not factor into their decision.  Of course, the implies that Junio sub-group did in fact live further than the greater population.  </a:t>
-            </a:r>
-          </a:p>
-          <a:p>
-            <a:pPr marL="1314450" lvl="2" indent="-400050">
+              <a:t>For job roles, we observe that laboratory technicians account for the largest number of job roles that leave, followed by sales executives, research scientists, and then sales representatives.  Where for the larger population, the larger job groups are sales executives, research scientists, laboratory technicians, and then manufacturing directors in order.  What does this indicate?</a:t>
+            </a:r>
+          </a:p>
+          <a:p>
+            <a:pPr marL="1771650" lvl="3" indent="-400050">
               <a:buFont typeface="+mj-lt"/>
               <a:buAutoNum type="romanLcPeriod"/>
             </a:pPr>
             <a:r>
-              <a:rPr lang="en-US" sz="1400" dirty="0"/>
-              <a:t>The final interesting observation from the sub-groups was the Environment Satisfaction score.  The Junior group exhibited a median result similar to the larger group, with a average result slightly lower (similar to the overall “Yes” group).  This implies that there were a handful of low scores by the Junior group but the larger number of observations aligned with the overall group.  But for the Senior sub-group, the average score and the median score were much lower than the overall group.</a:t>
+              <a:rPr lang="en-US" sz="1200" dirty="0"/>
+              <a:t>Being a sales representative is an important factor in attrition.  Out of 83 people in the sample, 33 left.  </a:t>
+            </a:r>
+          </a:p>
+          <a:p>
+            <a:pPr marL="1771650" lvl="3" indent="-400050">
+              <a:buFont typeface="+mj-lt"/>
+              <a:buAutoNum type="romanLcPeriod"/>
+            </a:pPr>
+            <a:r>
+              <a:rPr lang="en-US" sz="1200" dirty="0"/>
+              <a:t>Laboratory technicians are plentiful and they have left in large numbers.   This is due to perhaps seeking advancement outside of the company (to a role beyond technician). </a:t>
+            </a:r>
+          </a:p>
+          <a:p>
+            <a:pPr marL="1771650" lvl="3" indent="-400050">
+              <a:buFont typeface="+mj-lt"/>
+              <a:buAutoNum type="romanLcPeriod"/>
+            </a:pPr>
+            <a:r>
+              <a:rPr lang="en-US" sz="1200" dirty="0"/>
+              <a:t>Sales executives and research scientists are, obviously, highly sought after roles, but this doesn’t imply people in those roles would not leave (perhaps because they are also in high demand in the market).</a:t>
             </a:r>
           </a:p>
           <a:p>
@@ -4241,7 +4279,46 @@
         </p:nvSpPr>
         <p:spPr>
           <a:xfrm>
-            <a:off x="838200" y="5846544"/>
+            <a:off x="838200" y="4867041"/>
+            <a:ext cx="10780889" cy="646331"/>
+          </a:xfrm>
+          <a:prstGeom prst="rect">
+            <a:avLst/>
+          </a:prstGeom>
+          <a:noFill/>
+        </p:spPr>
+        <p:txBody>
+          <a:bodyPr wrap="square" rtlCol="0">
+            <a:spAutoFit/>
+          </a:bodyPr>
+          <a:lstStyle/>
+          <a:p>
+            <a:r>
+              <a:rPr lang="en-US" dirty="0">
+                <a:solidFill>
+                  <a:srgbClr val="FF0000"/>
+                </a:solidFill>
+              </a:rPr>
+              <a:t>Take-Aways:  The sales representatives are likely going to leave and anything with “scientist” or “executive” is probably in high demand outside the company.  For lab technicians, further analysis would likely be required.</a:t>
+            </a:r>
+          </a:p>
+        </p:txBody>
+      </p:sp>
+      <p:sp>
+        <p:nvSpPr>
+          <p:cNvPr id="5" name="TextBox 4">
+            <a:extLst>
+              <a:ext uri="{FF2B5EF4-FFF2-40B4-BE49-F238E27FC236}">
+                <a16:creationId xmlns:a16="http://schemas.microsoft.com/office/drawing/2014/main" id="{F1350DEA-3DC0-456A-AAB7-25BA355CF654}"/>
+              </a:ext>
+            </a:extLst>
+          </p:cNvPr>
+          <p:cNvSpPr txBox="1"/>
+          <p:nvPr/>
+        </p:nvSpPr>
+        <p:spPr>
+          <a:xfrm>
+            <a:off x="838199" y="5674197"/>
             <a:ext cx="10780889" cy="923330"/>
           </a:xfrm>
           <a:prstGeom prst="rect">
@@ -4256,12 +4333,8 @@
           <a:lstStyle/>
           <a:p>
             <a:r>
-              <a:rPr lang="en-US" dirty="0">
-                <a:solidFill>
-                  <a:srgbClr val="FF0000"/>
-                </a:solidFill>
-              </a:rPr>
-              <a:t>Take-Aways:  Given the variables considered, the Environment Satisfaction score appeared to be meaningful factor for those with more experience.   Overall, pay may play a very big role, but that may be due to experience as opposed to those leaving getting paid less.</a:t>
+              <a:rPr lang="en-US" dirty="0"/>
+              <a:t>The following plots consider the relationship between income, age, and gender, as well as income, job role, and attrition.  We also observe environment satisfaction by pay and attrition, as well as job role, income, education level and attrition.  Lastly, we consider the role of satisfaction scores on attrition rates.  </a:t>
             </a:r>
           </a:p>
         </p:txBody>
@@ -4269,7 +4342,7 @@
     </p:spTree>
     <p:extLst>
       <p:ext uri="{BB962C8B-B14F-4D97-AF65-F5344CB8AC3E}">
-        <p14:creationId xmlns:p14="http://schemas.microsoft.com/office/powerpoint/2010/main" val="98581052"/>
+        <p14:creationId xmlns:p14="http://schemas.microsoft.com/office/powerpoint/2010/main" val="635781626"/>
       </p:ext>
     </p:extLst>
   </p:cSld>
@@ -4319,148 +4392,47 @@
           <a:p>
             <a:r>
               <a:rPr lang="en-US" dirty="0"/>
-              <a:t>Evaluation/Results</a:t>
-            </a:r>
-          </a:p>
-        </p:txBody>
-      </p:sp>
-      <p:sp>
-        <p:nvSpPr>
-          <p:cNvPr id="3" name="Content Placeholder 2">
-            <a:extLst>
-              <a:ext uri="{FF2B5EF4-FFF2-40B4-BE49-F238E27FC236}">
-                <a16:creationId xmlns:a16="http://schemas.microsoft.com/office/drawing/2014/main" id="{1C53E63B-9626-4581-89B4-03BC2CB42F6D}"/>
-              </a:ext>
-            </a:extLst>
-          </p:cNvPr>
-          <p:cNvSpPr>
-            <a:spLocks noGrp="1"/>
-          </p:cNvSpPr>
-          <p:nvPr>
-            <p:ph idx="1"/>
-          </p:nvPr>
-        </p:nvSpPr>
+              <a:t>Evaluation:  Relationship between Age and Monthly Income by Gender</a:t>
+            </a:r>
+          </a:p>
+        </p:txBody>
+      </p:sp>
+      <p:pic>
+        <p:nvPicPr>
+          <p:cNvPr id="9" name="Picture 8">
+            <a:extLst>
+              <a:ext uri="{FF2B5EF4-FFF2-40B4-BE49-F238E27FC236}">
+                <a16:creationId xmlns:a16="http://schemas.microsoft.com/office/drawing/2014/main" id="{0CCC1D4C-2FA4-4253-8858-6ED27540454F}"/>
+              </a:ext>
+            </a:extLst>
+          </p:cNvPr>
+          <p:cNvPicPr>
+            <a:picLocks noChangeAspect="1"/>
+          </p:cNvPicPr>
+          <p:nvPr/>
+        </p:nvPicPr>
+        <p:blipFill>
+          <a:blip r:embed="rId2"/>
+          <a:stretch>
+            <a:fillRect/>
+          </a:stretch>
+        </p:blipFill>
         <p:spPr>
           <a:xfrm>
-            <a:off x="838200" y="1344628"/>
-            <a:ext cx="10515600" cy="5330491"/>
+            <a:off x="2488400" y="1498673"/>
+            <a:ext cx="7551711" cy="4205441"/>
           </a:xfrm>
+          <a:prstGeom prst="rect">
+            <a:avLst/>
+          </a:prstGeom>
         </p:spPr>
-        <p:txBody>
-          <a:bodyPr>
-            <a:normAutofit/>
-          </a:bodyPr>
-          <a:lstStyle/>
-          <a:p>
-            <a:pPr marL="514350" indent="-514350">
-              <a:buAutoNum type="arabicPeriod"/>
-            </a:pPr>
-            <a:r>
-              <a:rPr lang="en-US" dirty="0"/>
-              <a:t>Deeper Analysis</a:t>
-            </a:r>
-          </a:p>
-          <a:p>
-            <a:pPr marL="457200" lvl="1" indent="0">
-              <a:buNone/>
-            </a:pPr>
-            <a:r>
-              <a:rPr lang="en-US" sz="1700" dirty="0"/>
-              <a:t>c. Further analyzed the data to focus on gender as well as job role. </a:t>
-            </a:r>
-          </a:p>
-          <a:p>
-            <a:pPr marL="1314450" lvl="2" indent="-400050">
-              <a:buFont typeface="+mj-lt"/>
-              <a:buAutoNum type="romanLcPeriod"/>
-            </a:pPr>
-            <a:r>
-              <a:rPr lang="en-US" sz="1400" dirty="0"/>
-              <a:t>After observing counts of the broader sample as well as the “Yes” group, we can compare and contrast the perceived role of gender as well as job roles.</a:t>
-            </a:r>
-          </a:p>
-          <a:p>
-            <a:pPr marL="1314450" lvl="2" indent="-400050">
-              <a:buFont typeface="+mj-lt"/>
-              <a:buAutoNum type="romanLcPeriod"/>
-            </a:pPr>
-            <a:r>
-              <a:rPr lang="en-US" sz="1400" dirty="0"/>
-              <a:t>For the broader sample, women count at 588 out of 1470, and for the “Yes” group women count at 87 out of 237.  So while it appears on a high level that women may have may not leave, the difference is generally not significant.</a:t>
-            </a:r>
-          </a:p>
-          <a:p>
-            <a:pPr marL="1314450" lvl="2" indent="-400050">
-              <a:buFont typeface="+mj-lt"/>
-              <a:buAutoNum type="romanLcPeriod"/>
-            </a:pPr>
-            <a:r>
-              <a:rPr lang="en-US" sz="1400" dirty="0"/>
-              <a:t>For job roles, we observe that laboratory technicians account for the largest number of job roles that leave, followed by sales executives, research scientists, and then sales representatives.  Where for the larger population, the larger job groups are sales executives, research scientists, laboratory technicians, and then manufacturing directors in order.  What does this indicate?</a:t>
-            </a:r>
-          </a:p>
-          <a:p>
-            <a:pPr marL="1771650" lvl="3" indent="-400050">
-              <a:buFont typeface="+mj-lt"/>
-              <a:buAutoNum type="romanLcPeriod"/>
-            </a:pPr>
-            <a:r>
-              <a:rPr lang="en-US" sz="1200" dirty="0"/>
-              <a:t>Being a sales representative is an important factor in attrition.  Out of 83 people in the sample, 33 left.  </a:t>
-            </a:r>
-          </a:p>
-          <a:p>
-            <a:pPr marL="1771650" lvl="3" indent="-400050">
-              <a:buFont typeface="+mj-lt"/>
-              <a:buAutoNum type="romanLcPeriod"/>
-            </a:pPr>
-            <a:r>
-              <a:rPr lang="en-US" sz="1200" dirty="0"/>
-              <a:t>Laboratory technicians are plentiful and they have left in large numbers.   This is due to perhaps seeking advancement outside of the company (to a role beyond technician). </a:t>
-            </a:r>
-          </a:p>
-          <a:p>
-            <a:pPr marL="1771650" lvl="3" indent="-400050">
-              <a:buFont typeface="+mj-lt"/>
-              <a:buAutoNum type="romanLcPeriod"/>
-            </a:pPr>
-            <a:r>
-              <a:rPr lang="en-US" sz="1200" dirty="0"/>
-              <a:t>Sales executives and research scientists are, obviously, highly sought after roles, but this doesn’t imply people in those roles would not leave (perhaps because they are also in high demand in the market).</a:t>
-            </a:r>
-          </a:p>
-          <a:p>
-            <a:pPr marL="1257300" lvl="2" indent="-342900">
-              <a:buAutoNum type="romanLcPeriod"/>
-            </a:pPr>
-            <a:endParaRPr lang="en-US" sz="900" dirty="0"/>
-          </a:p>
-          <a:p>
-            <a:pPr marL="1257300" lvl="2" indent="-342900">
-              <a:buAutoNum type="romanLcPeriod"/>
-            </a:pPr>
-            <a:endParaRPr lang="en-US" sz="900" dirty="0"/>
-          </a:p>
-          <a:p>
-            <a:pPr marL="0" indent="0">
-              <a:buNone/>
-            </a:pPr>
-            <a:endParaRPr lang="en-US" dirty="0"/>
-          </a:p>
-          <a:p>
-            <a:pPr marL="457200" lvl="1" indent="0">
-              <a:buNone/>
-            </a:pPr>
-            <a:endParaRPr lang="en-US" dirty="0"/>
-          </a:p>
-        </p:txBody>
-      </p:sp>
+      </p:pic>
       <p:sp>
         <p:nvSpPr>
           <p:cNvPr id="4" name="TextBox 3">
             <a:extLst>
               <a:ext uri="{FF2B5EF4-FFF2-40B4-BE49-F238E27FC236}">
-                <a16:creationId xmlns:a16="http://schemas.microsoft.com/office/drawing/2014/main" id="{A5A3DC43-45DF-4B72-BBC8-0A03FEF1B6E3}"/>
+                <a16:creationId xmlns:a16="http://schemas.microsoft.com/office/drawing/2014/main" id="{D57027B0-3887-4965-BAB9-FDBE2FE26452}"/>
               </a:ext>
             </a:extLst>
           </p:cNvPr>
@@ -4469,7 +4441,7 @@
         </p:nvSpPr>
         <p:spPr>
           <a:xfrm>
-            <a:off x="838200" y="4867041"/>
+            <a:off x="1197429" y="5846544"/>
             <a:ext cx="10780889" cy="646331"/>
           </a:xfrm>
           <a:prstGeom prst="rect">
@@ -4489,42 +4461,7 @@
                   <a:srgbClr val="FF0000"/>
                 </a:solidFill>
               </a:rPr>
-              <a:t>Take-Aways:  The sales representatives are likely going to leave and anything with “scientist” or “executive” is probably in high demand outside the company.  For lab technicians, further analysis would likely be required.</a:t>
-            </a:r>
-          </a:p>
-        </p:txBody>
-      </p:sp>
-      <p:sp>
-        <p:nvSpPr>
-          <p:cNvPr id="5" name="TextBox 4">
-            <a:extLst>
-              <a:ext uri="{FF2B5EF4-FFF2-40B4-BE49-F238E27FC236}">
-                <a16:creationId xmlns:a16="http://schemas.microsoft.com/office/drawing/2014/main" id="{F1350DEA-3DC0-456A-AAB7-25BA355CF654}"/>
-              </a:ext>
-            </a:extLst>
-          </p:cNvPr>
-          <p:cNvSpPr txBox="1"/>
-          <p:nvPr/>
-        </p:nvSpPr>
-        <p:spPr>
-          <a:xfrm>
-            <a:off x="838199" y="5674197"/>
-            <a:ext cx="10780889" cy="646331"/>
-          </a:xfrm>
-          <a:prstGeom prst="rect">
-            <a:avLst/>
-          </a:prstGeom>
-          <a:noFill/>
-        </p:spPr>
-        <p:txBody>
-          <a:bodyPr wrap="square" rtlCol="0">
-            <a:spAutoFit/>
-          </a:bodyPr>
-          <a:lstStyle/>
-          <a:p>
-            <a:r>
-              <a:rPr lang="en-US" dirty="0"/>
-              <a:t>The following plots consider the relationship between income, age, and gender, as well as income, job role, and gender.  Lastly, we consider the role of satisfaction scores on attrition rates.  </a:t>
+              <a:t>Take-Aways:  There are no meaningful insights here with respect to the variables considered except that there is significant variance in income across any given age.</a:t>
             </a:r>
           </a:p>
         </p:txBody>
@@ -4532,7 +4469,7 @@
     </p:spTree>
     <p:extLst>
       <p:ext uri="{BB962C8B-B14F-4D97-AF65-F5344CB8AC3E}">
-        <p14:creationId xmlns:p14="http://schemas.microsoft.com/office/powerpoint/2010/main" val="635781626"/>
+        <p14:creationId xmlns:p14="http://schemas.microsoft.com/office/powerpoint/2010/main" val="1881540970"/>
       </p:ext>
     </p:extLst>
   </p:cSld>
@@ -4582,17 +4519,17 @@
           <a:p>
             <a:r>
               <a:rPr lang="en-US" dirty="0"/>
-              <a:t>Evaluation:  Relationship between Age and Monthly Income by Gender</a:t>
+              <a:t>Evaluation:  Relationship of Job Title to Monthly Pay by Gender</a:t>
             </a:r>
           </a:p>
         </p:txBody>
       </p:sp>
       <p:pic>
         <p:nvPicPr>
-          <p:cNvPr id="9" name="Picture 8">
-            <a:extLst>
-              <a:ext uri="{FF2B5EF4-FFF2-40B4-BE49-F238E27FC236}">
-                <a16:creationId xmlns:a16="http://schemas.microsoft.com/office/drawing/2014/main" id="{0CCC1D4C-2FA4-4253-8858-6ED27540454F}"/>
+          <p:cNvPr id="3" name="Picture 2">
+            <a:extLst>
+              <a:ext uri="{FF2B5EF4-FFF2-40B4-BE49-F238E27FC236}">
+                <a16:creationId xmlns:a16="http://schemas.microsoft.com/office/drawing/2014/main" id="{3CB08D18-88F6-4F5C-8961-AD569C2CE872}"/>
               </a:ext>
             </a:extLst>
           </p:cNvPr>
@@ -4609,18 +4546,57 @@
         </p:blipFill>
         <p:spPr>
           <a:xfrm>
-            <a:off x="2488400" y="1498673"/>
-            <a:ext cx="7551711" cy="4666307"/>
+            <a:off x="1011936" y="1666314"/>
+            <a:ext cx="9942576" cy="4343520"/>
           </a:xfrm>
           <a:prstGeom prst="rect">
             <a:avLst/>
           </a:prstGeom>
         </p:spPr>
       </p:pic>
+      <p:sp>
+        <p:nvSpPr>
+          <p:cNvPr id="4" name="TextBox 3">
+            <a:extLst>
+              <a:ext uri="{FF2B5EF4-FFF2-40B4-BE49-F238E27FC236}">
+                <a16:creationId xmlns:a16="http://schemas.microsoft.com/office/drawing/2014/main" id="{56F76920-8142-4832-892D-EA57F565EB91}"/>
+              </a:ext>
+            </a:extLst>
+          </p:cNvPr>
+          <p:cNvSpPr txBox="1"/>
+          <p:nvPr/>
+        </p:nvSpPr>
+        <p:spPr>
+          <a:xfrm>
+            <a:off x="1197429" y="6009834"/>
+            <a:ext cx="10780889" cy="369332"/>
+          </a:xfrm>
+          <a:prstGeom prst="rect">
+            <a:avLst/>
+          </a:prstGeom>
+          <a:noFill/>
+        </p:spPr>
+        <p:txBody>
+          <a:bodyPr wrap="square" rtlCol="0">
+            <a:spAutoFit/>
+          </a:bodyPr>
+          <a:lstStyle/>
+          <a:p>
+            <a:r>
+              <a:rPr lang="en-US" dirty="0">
+                <a:solidFill>
+                  <a:srgbClr val="FF0000"/>
+                </a:solidFill>
+              </a:rPr>
+              <a:t>Take-Aways:  There are no meaningful insights here except that pay between men and women is relatively even.</a:t>
+            </a:r>
+          </a:p>
+        </p:txBody>
+      </p:sp>
     </p:spTree>
     <p:extLst>
       <p:ext uri="{BB962C8B-B14F-4D97-AF65-F5344CB8AC3E}">
-        <p14:creationId xmlns:p14="http://schemas.microsoft.com/office/powerpoint/2010/main" val="1881540970"/>
+        <p14:creationId xmlns:p14="http://schemas.microsoft.com/office/powerpoint/2010/main" val="3775328603"/>
       </p:ext>
     </p:extLst>
   </p:cSld>
@@ -4670,17 +4646,56 @@
           <a:p>
             <a:r>
               <a:rPr lang="en-US" dirty="0"/>
-              <a:t>Evaluation:  Relationship of Job Title to Monthly Pay by Gender</a:t>
+              <a:t>Evaluation:  Relationship of Environment Satisfaction to Monthly Pay by Attrition</a:t>
+            </a:r>
+          </a:p>
+        </p:txBody>
+      </p:sp>
+      <p:sp>
+        <p:nvSpPr>
+          <p:cNvPr id="4" name="TextBox 3">
+            <a:extLst>
+              <a:ext uri="{FF2B5EF4-FFF2-40B4-BE49-F238E27FC236}">
+                <a16:creationId xmlns:a16="http://schemas.microsoft.com/office/drawing/2014/main" id="{22A6A5B4-F85E-4CF4-8086-3ED442C0D30B}"/>
+              </a:ext>
+            </a:extLst>
+          </p:cNvPr>
+          <p:cNvSpPr txBox="1"/>
+          <p:nvPr/>
+        </p:nvSpPr>
+        <p:spPr>
+          <a:xfrm>
+            <a:off x="1045028" y="6271092"/>
+            <a:ext cx="10780889" cy="369332"/>
+          </a:xfrm>
+          <a:prstGeom prst="rect">
+            <a:avLst/>
+          </a:prstGeom>
+          <a:noFill/>
+        </p:spPr>
+        <p:txBody>
+          <a:bodyPr wrap="square" rtlCol="0">
+            <a:spAutoFit/>
+          </a:bodyPr>
+          <a:lstStyle/>
+          <a:p>
+            <a:r>
+              <a:rPr lang="en-US" dirty="0">
+                <a:solidFill>
+                  <a:srgbClr val="FF0000"/>
+                </a:solidFill>
+              </a:rPr>
+              <a:t>Take-Aways:  There are no meaningful insights here except that pay between men and women is relatively even.</a:t>
             </a:r>
           </a:p>
         </p:txBody>
       </p:sp>
       <p:pic>
         <p:nvPicPr>
-          <p:cNvPr id="3" name="Picture 2">
-            <a:extLst>
-              <a:ext uri="{FF2B5EF4-FFF2-40B4-BE49-F238E27FC236}">
-                <a16:creationId xmlns:a16="http://schemas.microsoft.com/office/drawing/2014/main" id="{3CB08D18-88F6-4F5C-8961-AD569C2CE872}"/>
+          <p:cNvPr id="5" name="Picture 4">
+            <a:extLst>
+              <a:ext uri="{FF2B5EF4-FFF2-40B4-BE49-F238E27FC236}">
+                <a16:creationId xmlns:a16="http://schemas.microsoft.com/office/drawing/2014/main" id="{2857DBC5-254B-4BA8-AA1E-5722F5750322}"/>
               </a:ext>
             </a:extLst>
           </p:cNvPr>
@@ -4697,8 +4712,8 @@
         </p:blipFill>
         <p:spPr>
           <a:xfrm>
-            <a:off x="1011936" y="1666314"/>
-            <a:ext cx="9942576" cy="4748466"/>
+            <a:off x="2797628" y="1690688"/>
+            <a:ext cx="6248401" cy="4548469"/>
           </a:xfrm>
           <a:prstGeom prst="rect">
             <a:avLst/>
@@ -4708,7 +4723,7 @@
     </p:spTree>
     <p:extLst>
       <p:ext uri="{BB962C8B-B14F-4D97-AF65-F5344CB8AC3E}">
-        <p14:creationId xmlns:p14="http://schemas.microsoft.com/office/powerpoint/2010/main" val="3775328603"/>
+        <p14:creationId xmlns:p14="http://schemas.microsoft.com/office/powerpoint/2010/main" val="2333001920"/>
       </p:ext>
     </p:extLst>
   </p:cSld>
@@ -4785,14 +4800,53 @@
         </p:blipFill>
         <p:spPr>
           <a:xfrm>
-            <a:off x="838200" y="1712609"/>
-            <a:ext cx="10515600" cy="4902299"/>
+            <a:off x="2133600" y="1712610"/>
+            <a:ext cx="7848600" cy="4426934"/>
           </a:xfrm>
           <a:prstGeom prst="rect">
             <a:avLst/>
           </a:prstGeom>
         </p:spPr>
       </p:pic>
+      <p:sp>
+        <p:nvSpPr>
+          <p:cNvPr id="5" name="TextBox 4">
+            <a:extLst>
+              <a:ext uri="{FF2B5EF4-FFF2-40B4-BE49-F238E27FC236}">
+                <a16:creationId xmlns:a16="http://schemas.microsoft.com/office/drawing/2014/main" id="{A93463F9-F464-4D7E-9306-B6B1E300BADA}"/>
+              </a:ext>
+            </a:extLst>
+          </p:cNvPr>
+          <p:cNvSpPr txBox="1"/>
+          <p:nvPr/>
+        </p:nvSpPr>
+        <p:spPr>
+          <a:xfrm>
+            <a:off x="1045028" y="6118688"/>
+            <a:ext cx="10780889" cy="646331"/>
+          </a:xfrm>
+          <a:prstGeom prst="rect">
+            <a:avLst/>
+          </a:prstGeom>
+          <a:noFill/>
+        </p:spPr>
+        <p:txBody>
+          <a:bodyPr wrap="square" rtlCol="0">
+            <a:spAutoFit/>
+          </a:bodyPr>
+          <a:lstStyle/>
+          <a:p>
+            <a:r>
+              <a:rPr lang="en-US" dirty="0">
+                <a:solidFill>
+                  <a:srgbClr val="FF0000"/>
+                </a:solidFill>
+              </a:rPr>
+              <a:t>Take-Aways:  For the roles with higher attrition, there seems to be real pay difference between those that stay and leave.</a:t>
+            </a:r>
+          </a:p>
+        </p:txBody>
+      </p:sp>
     </p:spTree>
     <p:extLst>
       <p:ext uri="{BB962C8B-B14F-4D97-AF65-F5344CB8AC3E}">
@@ -4846,17 +4900,17 @@
           <a:p>
             <a:r>
               <a:rPr lang="en-US" dirty="0"/>
-              <a:t>Evaluation:  Relationship of Environment Satisfaction to Monthly Pay by Attrition</a:t>
+              <a:t>Evaluation:  Relationship of Job Title to Education by Monthly Pay (YES and Total)</a:t>
             </a:r>
           </a:p>
         </p:txBody>
       </p:sp>
       <p:pic>
         <p:nvPicPr>
-          <p:cNvPr id="3" name="Picture 2">
-            <a:extLst>
-              <a:ext uri="{FF2B5EF4-FFF2-40B4-BE49-F238E27FC236}">
-                <a16:creationId xmlns:a16="http://schemas.microsoft.com/office/drawing/2014/main" id="{898DF98A-F879-4965-9B9D-2B33BDE3E44C}"/>
+          <p:cNvPr id="7" name="Picture 6">
+            <a:extLst>
+              <a:ext uri="{FF2B5EF4-FFF2-40B4-BE49-F238E27FC236}">
+                <a16:creationId xmlns:a16="http://schemas.microsoft.com/office/drawing/2014/main" id="{A590EDE2-2C54-488C-8535-F2F0BF043BA5}"/>
               </a:ext>
             </a:extLst>
           </p:cNvPr>
@@ -4873,18 +4927,332 @@
         </p:blipFill>
         <p:spPr>
           <a:xfrm>
-            <a:off x="1445712" y="1853852"/>
-            <a:ext cx="9601200" cy="4421687"/>
+            <a:off x="727530" y="1920109"/>
+            <a:ext cx="5802000" cy="4223516"/>
           </a:xfrm>
           <a:prstGeom prst="rect">
             <a:avLst/>
           </a:prstGeom>
         </p:spPr>
       </p:pic>
+      <p:pic>
+        <p:nvPicPr>
+          <p:cNvPr id="8" name="Picture 7">
+            <a:extLst>
+              <a:ext uri="{FF2B5EF4-FFF2-40B4-BE49-F238E27FC236}">
+                <a16:creationId xmlns:a16="http://schemas.microsoft.com/office/drawing/2014/main" id="{9B7341E1-839C-46B3-9842-CCC2BB3F5263}"/>
+              </a:ext>
+            </a:extLst>
+          </p:cNvPr>
+          <p:cNvPicPr>
+            <a:picLocks noChangeAspect="1"/>
+          </p:cNvPicPr>
+          <p:nvPr/>
+        </p:nvPicPr>
+        <p:blipFill>
+          <a:blip r:embed="rId3"/>
+          <a:stretch>
+            <a:fillRect/>
+          </a:stretch>
+        </p:blipFill>
+        <p:spPr>
+          <a:xfrm>
+            <a:off x="6423480" y="2024883"/>
+            <a:ext cx="5658067" cy="4118741"/>
+          </a:xfrm>
+          <a:prstGeom prst="rect">
+            <a:avLst/>
+          </a:prstGeom>
+        </p:spPr>
+      </p:pic>
+      <p:sp>
+        <p:nvSpPr>
+          <p:cNvPr id="9" name="TextBox 8">
+            <a:extLst>
+              <a:ext uri="{FF2B5EF4-FFF2-40B4-BE49-F238E27FC236}">
+                <a16:creationId xmlns:a16="http://schemas.microsoft.com/office/drawing/2014/main" id="{5CA72907-DEF0-4128-9AAF-11E2AEBA8F3C}"/>
+              </a:ext>
+            </a:extLst>
+          </p:cNvPr>
+          <p:cNvSpPr txBox="1"/>
+          <p:nvPr/>
+        </p:nvSpPr>
+        <p:spPr>
+          <a:xfrm>
+            <a:off x="1045028" y="5966284"/>
+            <a:ext cx="10780889" cy="923330"/>
+          </a:xfrm>
+          <a:prstGeom prst="rect">
+            <a:avLst/>
+          </a:prstGeom>
+          <a:noFill/>
+        </p:spPr>
+        <p:txBody>
+          <a:bodyPr wrap="square" rtlCol="0">
+            <a:spAutoFit/>
+          </a:bodyPr>
+          <a:lstStyle/>
+          <a:p>
+            <a:r>
+              <a:rPr lang="en-US" dirty="0">
+                <a:solidFill>
+                  <a:srgbClr val="FF0000"/>
+                </a:solidFill>
+              </a:rPr>
+              <a:t>Take-Aways:  Focus on the roles where the bar is shorter and a different color.  The shorter bar shows that income was lower (driver); but…why:  the education prevents them from achieving success or perhaps they are in high demand.</a:t>
+            </a:r>
+          </a:p>
+        </p:txBody>
+      </p:sp>
+      <p:sp>
+        <p:nvSpPr>
+          <p:cNvPr id="11" name="Star: 5 Points 10">
+            <a:extLst>
+              <a:ext uri="{FF2B5EF4-FFF2-40B4-BE49-F238E27FC236}">
+                <a16:creationId xmlns:a16="http://schemas.microsoft.com/office/drawing/2014/main" id="{9163B2BA-8CC8-435D-B533-4C808127C7D3}"/>
+              </a:ext>
+            </a:extLst>
+          </p:cNvPr>
+          <p:cNvSpPr/>
+          <p:nvPr/>
+        </p:nvSpPr>
+        <p:spPr>
+          <a:xfrm>
+            <a:off x="4408714" y="4495800"/>
+            <a:ext cx="174172" cy="206829"/>
+          </a:xfrm>
+          <a:prstGeom prst="star5">
+            <a:avLst/>
+          </a:prstGeom>
+          <a:solidFill>
+            <a:srgbClr val="C00000"/>
+          </a:solidFill>
+        </p:spPr>
+        <p:style>
+          <a:lnRef idx="2">
+            <a:schemeClr val="accent1">
+              <a:shade val="50000"/>
+            </a:schemeClr>
+          </a:lnRef>
+          <a:fillRef idx="1">
+            <a:schemeClr val="accent1"/>
+          </a:fillRef>
+          <a:effectRef idx="0">
+            <a:schemeClr val="accent1"/>
+          </a:effectRef>
+          <a:fontRef idx="minor">
+            <a:schemeClr val="lt1"/>
+          </a:fontRef>
+        </p:style>
+        <p:txBody>
+          <a:bodyPr rtlCol="0" anchor="ctr"/>
+          <a:lstStyle/>
+          <a:p>
+            <a:pPr algn="ctr"/>
+            <a:endParaRPr lang="en-US"/>
+          </a:p>
+        </p:txBody>
+      </p:sp>
+      <p:sp>
+        <p:nvSpPr>
+          <p:cNvPr id="12" name="Star: 5 Points 11">
+            <a:extLst>
+              <a:ext uri="{FF2B5EF4-FFF2-40B4-BE49-F238E27FC236}">
+                <a16:creationId xmlns:a16="http://schemas.microsoft.com/office/drawing/2014/main" id="{3C659F02-CE04-4DF5-B7DA-09C26B11C777}"/>
+              </a:ext>
+            </a:extLst>
+          </p:cNvPr>
+          <p:cNvSpPr/>
+          <p:nvPr/>
+        </p:nvSpPr>
+        <p:spPr>
+          <a:xfrm>
+            <a:off x="5437869" y="4495799"/>
+            <a:ext cx="174172" cy="206829"/>
+          </a:xfrm>
+          <a:prstGeom prst="star5">
+            <a:avLst/>
+          </a:prstGeom>
+          <a:solidFill>
+            <a:srgbClr val="C00000"/>
+          </a:solidFill>
+        </p:spPr>
+        <p:style>
+          <a:lnRef idx="2">
+            <a:schemeClr val="accent1">
+              <a:shade val="50000"/>
+            </a:schemeClr>
+          </a:lnRef>
+          <a:fillRef idx="1">
+            <a:schemeClr val="accent1"/>
+          </a:fillRef>
+          <a:effectRef idx="0">
+            <a:schemeClr val="accent1"/>
+          </a:effectRef>
+          <a:fontRef idx="minor">
+            <a:schemeClr val="lt1"/>
+          </a:fontRef>
+        </p:style>
+        <p:txBody>
+          <a:bodyPr rtlCol="0" anchor="ctr"/>
+          <a:lstStyle/>
+          <a:p>
+            <a:pPr algn="ctr"/>
+            <a:endParaRPr lang="en-US"/>
+          </a:p>
+        </p:txBody>
+      </p:sp>
+      <p:sp>
+        <p:nvSpPr>
+          <p:cNvPr id="13" name="Star: 5 Points 12">
+            <a:extLst>
+              <a:ext uri="{FF2B5EF4-FFF2-40B4-BE49-F238E27FC236}">
+                <a16:creationId xmlns:a16="http://schemas.microsoft.com/office/drawing/2014/main" id="{21EF4DA5-7557-4DB2-BEEA-66125C397184}"/>
+              </a:ext>
+            </a:extLst>
+          </p:cNvPr>
+          <p:cNvSpPr/>
+          <p:nvPr/>
+        </p:nvSpPr>
+        <p:spPr>
+          <a:xfrm>
+            <a:off x="3848555" y="3877424"/>
+            <a:ext cx="174172" cy="206829"/>
+          </a:xfrm>
+          <a:prstGeom prst="star5">
+            <a:avLst/>
+          </a:prstGeom>
+          <a:solidFill>
+            <a:srgbClr val="C00000"/>
+          </a:solidFill>
+        </p:spPr>
+        <p:style>
+          <a:lnRef idx="2">
+            <a:schemeClr val="accent1">
+              <a:shade val="50000"/>
+            </a:schemeClr>
+          </a:lnRef>
+          <a:fillRef idx="1">
+            <a:schemeClr val="accent1"/>
+          </a:fillRef>
+          <a:effectRef idx="0">
+            <a:schemeClr val="accent1"/>
+          </a:effectRef>
+          <a:fontRef idx="minor">
+            <a:schemeClr val="lt1"/>
+          </a:fontRef>
+        </p:style>
+        <p:txBody>
+          <a:bodyPr rtlCol="0" anchor="ctr"/>
+          <a:lstStyle/>
+          <a:p>
+            <a:pPr algn="ctr"/>
+            <a:endParaRPr lang="en-US"/>
+          </a:p>
+        </p:txBody>
+      </p:sp>
+      <p:sp>
+        <p:nvSpPr>
+          <p:cNvPr id="14" name="Star: 5 Points 13">
+            <a:extLst>
+              <a:ext uri="{FF2B5EF4-FFF2-40B4-BE49-F238E27FC236}">
+                <a16:creationId xmlns:a16="http://schemas.microsoft.com/office/drawing/2014/main" id="{64D3A8B2-3434-4128-A588-526514EF4139}"/>
+              </a:ext>
+            </a:extLst>
+          </p:cNvPr>
+          <p:cNvSpPr/>
+          <p:nvPr/>
+        </p:nvSpPr>
+        <p:spPr>
+          <a:xfrm>
+            <a:off x="4894990" y="3892169"/>
+            <a:ext cx="174172" cy="206829"/>
+          </a:xfrm>
+          <a:prstGeom prst="star5">
+            <a:avLst/>
+          </a:prstGeom>
+          <a:solidFill>
+            <a:srgbClr val="C00000"/>
+          </a:solidFill>
+        </p:spPr>
+        <p:style>
+          <a:lnRef idx="2">
+            <a:schemeClr val="accent1">
+              <a:shade val="50000"/>
+            </a:schemeClr>
+          </a:lnRef>
+          <a:fillRef idx="1">
+            <a:schemeClr val="accent1"/>
+          </a:fillRef>
+          <a:effectRef idx="0">
+            <a:schemeClr val="accent1"/>
+          </a:effectRef>
+          <a:fontRef idx="minor">
+            <a:schemeClr val="lt1"/>
+          </a:fontRef>
+        </p:style>
+        <p:txBody>
+          <a:bodyPr rtlCol="0" anchor="ctr"/>
+          <a:lstStyle/>
+          <a:p>
+            <a:pPr algn="ctr"/>
+            <a:endParaRPr lang="en-US"/>
+          </a:p>
+        </p:txBody>
+      </p:sp>
+      <p:sp>
+        <p:nvSpPr>
+          <p:cNvPr id="16" name="Star: 5 Points 15">
+            <a:extLst>
+              <a:ext uri="{FF2B5EF4-FFF2-40B4-BE49-F238E27FC236}">
+                <a16:creationId xmlns:a16="http://schemas.microsoft.com/office/drawing/2014/main" id="{B3C08EC4-E065-4FAF-BDBB-3691D9AD93C0}"/>
+              </a:ext>
+            </a:extLst>
+          </p:cNvPr>
+          <p:cNvSpPr/>
+          <p:nvPr/>
+        </p:nvSpPr>
+        <p:spPr>
+          <a:xfrm>
+            <a:off x="1867468" y="3928452"/>
+            <a:ext cx="174172" cy="206829"/>
+          </a:xfrm>
+          <a:prstGeom prst="star5">
+            <a:avLst/>
+          </a:prstGeom>
+          <a:solidFill>
+            <a:srgbClr val="C00000"/>
+          </a:solidFill>
+        </p:spPr>
+        <p:style>
+          <a:lnRef idx="2">
+            <a:schemeClr val="accent1">
+              <a:shade val="50000"/>
+            </a:schemeClr>
+          </a:lnRef>
+          <a:fillRef idx="1">
+            <a:schemeClr val="accent1"/>
+          </a:fillRef>
+          <a:effectRef idx="0">
+            <a:schemeClr val="accent1"/>
+          </a:effectRef>
+          <a:fontRef idx="minor">
+            <a:schemeClr val="lt1"/>
+          </a:fontRef>
+        </p:style>
+        <p:txBody>
+          <a:bodyPr rtlCol="0" anchor="ctr"/>
+          <a:lstStyle/>
+          <a:p>
+            <a:pPr algn="ctr"/>
+            <a:endParaRPr lang="en-US"/>
+          </a:p>
+        </p:txBody>
+      </p:sp>
     </p:spTree>
     <p:extLst>
       <p:ext uri="{BB962C8B-B14F-4D97-AF65-F5344CB8AC3E}">
-        <p14:creationId xmlns:p14="http://schemas.microsoft.com/office/powerpoint/2010/main" val="2333001920"/>
+        <p14:creationId xmlns:p14="http://schemas.microsoft.com/office/powerpoint/2010/main" val="1344506044"/>
       </p:ext>
     </p:extLst>
   </p:cSld>
@@ -5214,6 +5582,110 @@
           </a:prstGeom>
         </p:spPr>
       </p:pic>
+      <p:sp>
+        <p:nvSpPr>
+          <p:cNvPr id="3" name="Oval 2">
+            <a:extLst>
+              <a:ext uri="{FF2B5EF4-FFF2-40B4-BE49-F238E27FC236}">
+                <a16:creationId xmlns:a16="http://schemas.microsoft.com/office/drawing/2014/main" id="{FFD4C8A9-831F-44FB-8442-A259C312CEBF}"/>
+              </a:ext>
+            </a:extLst>
+          </p:cNvPr>
+          <p:cNvSpPr/>
+          <p:nvPr/>
+        </p:nvSpPr>
+        <p:spPr>
+          <a:xfrm>
+            <a:off x="351692" y="3111416"/>
+            <a:ext cx="3643787" cy="1710250"/>
+          </a:xfrm>
+          <a:prstGeom prst="ellipse">
+            <a:avLst/>
+          </a:prstGeom>
+          <a:noFill/>
+          <a:ln>
+            <a:solidFill>
+              <a:srgbClr val="C00000"/>
+            </a:solidFill>
+          </a:ln>
+        </p:spPr>
+        <p:style>
+          <a:lnRef idx="2">
+            <a:schemeClr val="accent1">
+              <a:shade val="50000"/>
+            </a:schemeClr>
+          </a:lnRef>
+          <a:fillRef idx="1">
+            <a:schemeClr val="accent1"/>
+          </a:fillRef>
+          <a:effectRef idx="0">
+            <a:schemeClr val="accent1"/>
+          </a:effectRef>
+          <a:fontRef idx="minor">
+            <a:schemeClr val="lt1"/>
+          </a:fontRef>
+        </p:style>
+        <p:txBody>
+          <a:bodyPr rtlCol="0" anchor="ctr"/>
+          <a:lstStyle/>
+          <a:p>
+            <a:pPr algn="ctr"/>
+            <a:endParaRPr lang="en-US"/>
+          </a:p>
+        </p:txBody>
+      </p:sp>
+      <p:sp>
+        <p:nvSpPr>
+          <p:cNvPr id="13" name="Oval 12">
+            <a:extLst>
+              <a:ext uri="{FF2B5EF4-FFF2-40B4-BE49-F238E27FC236}">
+                <a16:creationId xmlns:a16="http://schemas.microsoft.com/office/drawing/2014/main" id="{FA68E411-76CB-4F53-ADCF-8799B38CAE59}"/>
+              </a:ext>
+            </a:extLst>
+          </p:cNvPr>
+          <p:cNvSpPr/>
+          <p:nvPr/>
+        </p:nvSpPr>
+        <p:spPr>
+          <a:xfrm>
+            <a:off x="8153614" y="3008175"/>
+            <a:ext cx="3643787" cy="1710250"/>
+          </a:xfrm>
+          <a:prstGeom prst="ellipse">
+            <a:avLst/>
+          </a:prstGeom>
+          <a:noFill/>
+          <a:ln>
+            <a:solidFill>
+              <a:srgbClr val="C00000"/>
+            </a:solidFill>
+          </a:ln>
+        </p:spPr>
+        <p:style>
+          <a:lnRef idx="2">
+            <a:schemeClr val="accent1">
+              <a:shade val="50000"/>
+            </a:schemeClr>
+          </a:lnRef>
+          <a:fillRef idx="1">
+            <a:schemeClr val="accent1"/>
+          </a:fillRef>
+          <a:effectRef idx="0">
+            <a:schemeClr val="accent1"/>
+          </a:effectRef>
+          <a:fontRef idx="minor">
+            <a:schemeClr val="lt1"/>
+          </a:fontRef>
+        </p:style>
+        <p:txBody>
+          <a:bodyPr rtlCol="0" anchor="ctr"/>
+          <a:lstStyle/>
+          <a:p>
+            <a:pPr algn="ctr"/>
+            <a:endParaRPr lang="en-US"/>
+          </a:p>
+        </p:txBody>
+      </p:sp>
     </p:spTree>
     <p:extLst>
       <p:ext uri="{BB962C8B-B14F-4D97-AF65-F5344CB8AC3E}">
@@ -5296,7 +5768,7 @@
         </p:spPr>
         <p:txBody>
           <a:bodyPr>
-            <a:normAutofit/>
+            <a:normAutofit lnSpcReduction="10000"/>
           </a:bodyPr>
           <a:lstStyle/>
           <a:p>
@@ -5310,48 +5782,100 @@
             </a:r>
           </a:p>
           <a:p>
-            <a:pPr marL="971550" lvl="1" indent="-514350">
-              <a:buAutoNum type="arabicPeriod"/>
+            <a:pPr lvl="1">
+              <a:buFont typeface="Wingdings" panose="05000000000000000000" pitchFamily="2" charset="2"/>
+              <a:buChar char="ü"/>
             </a:pPr>
             <a:r>
               <a:rPr lang="en-US" dirty="0"/>
-              <a:t>Experience matters.  Those most likely to leave will have less experience.  </a:t>
-            </a:r>
-          </a:p>
-          <a:p>
-            <a:pPr marL="971550" lvl="1" indent="-514350">
-              <a:buAutoNum type="arabicPeriod"/>
+              <a:t>Of note, the company stats can conclude that the workforce is divided between the experienced, compensated, and educated.  Therefore, the analysis must take into account differences in employee groups. </a:t>
+            </a:r>
+          </a:p>
+          <a:p>
+            <a:pPr lvl="1">
+              <a:buFont typeface="Wingdings" panose="05000000000000000000" pitchFamily="2" charset="2"/>
+              <a:buChar char="ü"/>
             </a:pPr>
             <a:r>
               <a:rPr lang="en-US" dirty="0"/>
-              <a:t>When controlling for experience, pay attention to the Environment Satisfaction score.  This requires further analysis, but may be an early indicator of employee dissatisfaction.</a:t>
-            </a:r>
-          </a:p>
-          <a:p>
-            <a:pPr marL="971550" lvl="1" indent="-514350">
-              <a:buAutoNum type="arabicPeriod"/>
+              <a:t>The significant factors that aligned with attrition are:</a:t>
+            </a:r>
+          </a:p>
+          <a:p>
+            <a:pPr marL="1428750" lvl="2" indent="-514350">
+              <a:buFont typeface="+mj-lt"/>
+              <a:buAutoNum type="alphaUcPeriod"/>
             </a:pPr>
             <a:r>
               <a:rPr lang="en-US" dirty="0"/>
-              <a:t>Sales representatives are likely going to leave.  There is also very high turnover in laboratory technicians.  This could be due to any number of factors.</a:t>
-            </a:r>
-          </a:p>
-          <a:p>
-            <a:pPr marL="971550" lvl="1" indent="-514350">
-              <a:buAutoNum type="arabicPeriod"/>
+              <a:t>Experience</a:t>
+            </a:r>
+          </a:p>
+          <a:p>
+            <a:pPr marL="1428750" lvl="2" indent="-514350">
+              <a:buFont typeface="+mj-lt"/>
+              <a:buAutoNum type="alphaUcPeriod"/>
             </a:pPr>
             <a:r>
               <a:rPr lang="en-US" dirty="0"/>
-              <a:t>Missing data fields that may be relevant:  Satisfaction surveys with supervisor (note: this is always cited as a reason people leave) and expected/realized pay when leaving.  </a:t>
-            </a:r>
-          </a:p>
-          <a:p>
-            <a:pPr marL="971550" lvl="1" indent="-514350">
-              <a:buAutoNum type="arabicPeriod"/>
+              <a:t>Job Role</a:t>
+            </a:r>
+          </a:p>
+          <a:p>
+            <a:pPr marL="1428750" lvl="2" indent="-514350">
+              <a:buFont typeface="+mj-lt"/>
+              <a:buAutoNum type="alphaUcPeriod"/>
             </a:pPr>
             <a:r>
               <a:rPr lang="en-US" dirty="0"/>
-              <a:t>Pay within the job roles matters.  Those with lower monthly pay are more likely to leave.  This is especially true for research scientists and sales representatives.</a:t>
+              <a:t>Pay  </a:t>
+            </a:r>
+          </a:p>
+          <a:p>
+            <a:pPr marL="914400" lvl="1" indent="-457200">
+              <a:buAutoNum type="alphaUcPeriod"/>
+            </a:pPr>
+            <a:r>
+              <a:rPr lang="en-US" b="1" dirty="0"/>
+              <a:t>Experience</a:t>
+            </a:r>
+            <a:r>
+              <a:rPr lang="en-US" dirty="0"/>
+              <a:t>:  (those will more than 11 years working indicated lower </a:t>
+            </a:r>
+            <a:r>
+              <a:rPr lang="en-US" dirty="0" err="1"/>
+              <a:t>Satisfcation</a:t>
+            </a:r>
+            <a:r>
+              <a:rPr lang="en-US" dirty="0"/>
+              <a:t> scores on Environment and Job).  Those will less than 11 years focused on commute.  </a:t>
+            </a:r>
+          </a:p>
+          <a:p>
+            <a:pPr marL="914400" lvl="1" indent="-457200">
+              <a:buAutoNum type="alphaUcPeriod"/>
+            </a:pPr>
+            <a:r>
+              <a:rPr lang="en-US" b="1" dirty="0"/>
+              <a:t>Job Roles</a:t>
+            </a:r>
+            <a:r>
+              <a:rPr lang="en-US" dirty="0"/>
+              <a:t>: such as research scientist, sales representatives, lab techs, and sales exits accounted for a significant portion of those that left.  Sales reps accounted for a very high amount in particular.  </a:t>
+            </a:r>
+          </a:p>
+          <a:p>
+            <a:pPr marL="914400" lvl="1" indent="-457200">
+              <a:buAutoNum type="alphaUcPeriod"/>
+            </a:pPr>
+            <a:r>
+              <a:rPr lang="en-US" b="1" dirty="0"/>
+              <a:t>Pay</a:t>
+            </a:r>
+            <a:r>
+              <a:rPr lang="en-US" dirty="0"/>
+              <a:t>:  Those that left were generally paid less    </a:t>
             </a:r>
           </a:p>
           <a:p>
@@ -5532,6 +6056,379 @@
 </file>
 
 <file path=ppt/slides/slide20.xml><?xml version="1.0" encoding="utf-8"?>
+<p:sld xmlns:a="http://schemas.openxmlformats.org/drawingml/2006/main" xmlns:r="http://schemas.openxmlformats.org/officeDocument/2006/relationships" xmlns:p="http://schemas.openxmlformats.org/presentationml/2006/main">
+  <p:cSld>
+    <p:spTree>
+      <p:nvGrpSpPr>
+        <p:cNvPr id="1" name=""/>
+        <p:cNvGrpSpPr/>
+        <p:nvPr/>
+      </p:nvGrpSpPr>
+      <p:grpSpPr>
+        <a:xfrm>
+          <a:off x="0" y="0"/>
+          <a:ext cx="0" cy="0"/>
+          <a:chOff x="0" y="0"/>
+          <a:chExt cx="0" cy="0"/>
+        </a:xfrm>
+      </p:grpSpPr>
+      <p:sp>
+        <p:nvSpPr>
+          <p:cNvPr id="2" name="Title 1">
+            <a:extLst>
+              <a:ext uri="{FF2B5EF4-FFF2-40B4-BE49-F238E27FC236}">
+                <a16:creationId xmlns:a16="http://schemas.microsoft.com/office/drawing/2014/main" id="{933E1EA9-C24B-409B-B7A8-9663BAF3642E}"/>
+              </a:ext>
+            </a:extLst>
+          </p:cNvPr>
+          <p:cNvSpPr>
+            <a:spLocks noGrp="1"/>
+          </p:cNvSpPr>
+          <p:nvPr>
+            <p:ph type="title"/>
+          </p:nvPr>
+        </p:nvSpPr>
+        <p:spPr/>
+        <p:txBody>
+          <a:bodyPr/>
+          <a:lstStyle/>
+          <a:p>
+            <a:r>
+              <a:rPr lang="en-US" dirty="0"/>
+              <a:t>Summary (cont’d)</a:t>
+            </a:r>
+          </a:p>
+        </p:txBody>
+      </p:sp>
+      <p:sp>
+        <p:nvSpPr>
+          <p:cNvPr id="3" name="Content Placeholder 2">
+            <a:extLst>
+              <a:ext uri="{FF2B5EF4-FFF2-40B4-BE49-F238E27FC236}">
+                <a16:creationId xmlns:a16="http://schemas.microsoft.com/office/drawing/2014/main" id="{1C53E63B-9626-4581-89B4-03BC2CB42F6D}"/>
+              </a:ext>
+            </a:extLst>
+          </p:cNvPr>
+          <p:cNvSpPr>
+            <a:spLocks noGrp="1"/>
+          </p:cNvSpPr>
+          <p:nvPr>
+            <p:ph idx="1"/>
+          </p:nvPr>
+        </p:nvSpPr>
+        <p:spPr>
+          <a:xfrm>
+            <a:off x="838200" y="1344628"/>
+            <a:ext cx="10515600" cy="5330491"/>
+          </a:xfrm>
+        </p:spPr>
+        <p:txBody>
+          <a:bodyPr>
+            <a:normAutofit/>
+          </a:bodyPr>
+          <a:lstStyle/>
+          <a:p>
+            <a:pPr>
+              <a:buFont typeface="Wingdings" panose="05000000000000000000" pitchFamily="2" charset="2"/>
+              <a:buChar char="Ø"/>
+            </a:pPr>
+            <a:r>
+              <a:rPr lang="en-US" dirty="0"/>
+              <a:t>After analyzing the results, we can conclude the following patterns:</a:t>
+            </a:r>
+          </a:p>
+          <a:p>
+            <a:pPr lvl="1">
+              <a:buFont typeface="Wingdings" panose="05000000000000000000" pitchFamily="2" charset="2"/>
+              <a:buChar char="ü"/>
+            </a:pPr>
+            <a:r>
+              <a:rPr lang="en-US" dirty="0"/>
+              <a:t>The impact of a factor for any person or sub-group needs to take into account education, commute, and satisfaction scores (for Environment and Job)</a:t>
+            </a:r>
+          </a:p>
+          <a:p>
+            <a:pPr lvl="1">
+              <a:buFont typeface="Wingdings" panose="05000000000000000000" pitchFamily="2" charset="2"/>
+              <a:buChar char="ü"/>
+            </a:pPr>
+            <a:r>
+              <a:rPr lang="en-US" dirty="0"/>
+              <a:t>Example:  someone with more than 11 years of experience may not have a longer commute, but they generally showed signs of displeasure with Satisfaction scores.  Whereas, this was not the case for those with less than 11 years of experience.</a:t>
+            </a:r>
+          </a:p>
+          <a:p>
+            <a:pPr lvl="1">
+              <a:buFont typeface="Wingdings" panose="05000000000000000000" pitchFamily="2" charset="2"/>
+              <a:buChar char="ü"/>
+            </a:pPr>
+            <a:r>
+              <a:rPr lang="en-US" dirty="0"/>
+              <a:t>Example: research scientists were generally paid less for those who left, but those that left had higher education levels indicating that they are displeased at performing the same work for less pay as those less qualified.</a:t>
+            </a:r>
+          </a:p>
+          <a:p>
+            <a:pPr lvl="1">
+              <a:buFont typeface="Wingdings" panose="05000000000000000000" pitchFamily="2" charset="2"/>
+              <a:buChar char="ü"/>
+            </a:pPr>
+            <a:r>
+              <a:rPr lang="en-US" dirty="0"/>
+              <a:t>Example: someone with less than 11 years of experience may have a commute time greater than the sample and that may cause them to leave.</a:t>
+            </a:r>
+          </a:p>
+          <a:p>
+            <a:pPr lvl="1">
+              <a:buFont typeface="Wingdings" panose="05000000000000000000" pitchFamily="2" charset="2"/>
+              <a:buChar char="ü"/>
+            </a:pPr>
+            <a:endParaRPr lang="en-US" dirty="0"/>
+          </a:p>
+          <a:p>
+            <a:pPr lvl="1">
+              <a:buFont typeface="Wingdings" panose="05000000000000000000" pitchFamily="2" charset="2"/>
+              <a:buChar char="ü"/>
+            </a:pPr>
+            <a:endParaRPr lang="en-US" dirty="0"/>
+          </a:p>
+          <a:p>
+            <a:pPr marL="1257300" lvl="2" indent="-342900">
+              <a:buAutoNum type="romanLcPeriod"/>
+            </a:pPr>
+            <a:endParaRPr lang="en-US" sz="900" dirty="0"/>
+          </a:p>
+          <a:p>
+            <a:pPr marL="1257300" lvl="2" indent="-342900">
+              <a:buAutoNum type="romanLcPeriod"/>
+            </a:pPr>
+            <a:endParaRPr lang="en-US" sz="900" dirty="0"/>
+          </a:p>
+          <a:p>
+            <a:pPr marL="0" indent="0">
+              <a:buNone/>
+            </a:pPr>
+            <a:endParaRPr lang="en-US" dirty="0"/>
+          </a:p>
+          <a:p>
+            <a:pPr marL="457200" lvl="1" indent="0">
+              <a:buNone/>
+            </a:pPr>
+            <a:endParaRPr lang="en-US" dirty="0"/>
+          </a:p>
+        </p:txBody>
+      </p:sp>
+    </p:spTree>
+    <p:extLst>
+      <p:ext uri="{BB962C8B-B14F-4D97-AF65-F5344CB8AC3E}">
+        <p14:creationId xmlns:p14="http://schemas.microsoft.com/office/powerpoint/2010/main" val="2682125665"/>
+      </p:ext>
+    </p:extLst>
+  </p:cSld>
+  <p:clrMapOvr>
+    <a:masterClrMapping/>
+  </p:clrMapOvr>
+</p:sld>
+</file>
+
+<file path=ppt/slides/slide21.xml><?xml version="1.0" encoding="utf-8"?>
+<p:sld xmlns:a="http://schemas.openxmlformats.org/drawingml/2006/main" xmlns:r="http://schemas.openxmlformats.org/officeDocument/2006/relationships" xmlns:p="http://schemas.openxmlformats.org/presentationml/2006/main">
+  <p:cSld>
+    <p:spTree>
+      <p:nvGrpSpPr>
+        <p:cNvPr id="1" name=""/>
+        <p:cNvGrpSpPr/>
+        <p:nvPr/>
+      </p:nvGrpSpPr>
+      <p:grpSpPr>
+        <a:xfrm>
+          <a:off x="0" y="0"/>
+          <a:ext cx="0" cy="0"/>
+          <a:chOff x="0" y="0"/>
+          <a:chExt cx="0" cy="0"/>
+        </a:xfrm>
+      </p:grpSpPr>
+      <p:sp>
+        <p:nvSpPr>
+          <p:cNvPr id="2" name="Title 1">
+            <a:extLst>
+              <a:ext uri="{FF2B5EF4-FFF2-40B4-BE49-F238E27FC236}">
+                <a16:creationId xmlns:a16="http://schemas.microsoft.com/office/drawing/2014/main" id="{933E1EA9-C24B-409B-B7A8-9663BAF3642E}"/>
+              </a:ext>
+            </a:extLst>
+          </p:cNvPr>
+          <p:cNvSpPr>
+            <a:spLocks noGrp="1"/>
+          </p:cNvSpPr>
+          <p:nvPr>
+            <p:ph type="title"/>
+          </p:nvPr>
+        </p:nvSpPr>
+        <p:spPr/>
+        <p:txBody>
+          <a:bodyPr/>
+          <a:lstStyle/>
+          <a:p>
+            <a:r>
+              <a:rPr lang="en-US" dirty="0"/>
+              <a:t>Conclusion</a:t>
+            </a:r>
+          </a:p>
+        </p:txBody>
+      </p:sp>
+      <p:sp>
+        <p:nvSpPr>
+          <p:cNvPr id="3" name="Content Placeholder 2">
+            <a:extLst>
+              <a:ext uri="{FF2B5EF4-FFF2-40B4-BE49-F238E27FC236}">
+                <a16:creationId xmlns:a16="http://schemas.microsoft.com/office/drawing/2014/main" id="{1C53E63B-9626-4581-89B4-03BC2CB42F6D}"/>
+              </a:ext>
+            </a:extLst>
+          </p:cNvPr>
+          <p:cNvSpPr>
+            <a:spLocks noGrp="1"/>
+          </p:cNvSpPr>
+          <p:nvPr>
+            <p:ph idx="1"/>
+          </p:nvPr>
+        </p:nvSpPr>
+        <p:spPr>
+          <a:xfrm>
+            <a:off x="838200" y="1344628"/>
+            <a:ext cx="10515600" cy="5330491"/>
+          </a:xfrm>
+        </p:spPr>
+        <p:txBody>
+          <a:bodyPr>
+            <a:normAutofit/>
+          </a:bodyPr>
+          <a:lstStyle/>
+          <a:p>
+            <a:pPr>
+              <a:buFont typeface="Wingdings" panose="05000000000000000000" pitchFamily="2" charset="2"/>
+              <a:buChar char="Ø"/>
+            </a:pPr>
+            <a:r>
+              <a:rPr lang="en-US" dirty="0"/>
+              <a:t>Team Variance Advice is as follows</a:t>
+            </a:r>
+          </a:p>
+          <a:p>
+            <a:pPr lvl="1">
+              <a:buFont typeface="Wingdings" panose="05000000000000000000" pitchFamily="2" charset="2"/>
+              <a:buChar char="ü"/>
+            </a:pPr>
+            <a:r>
+              <a:rPr lang="en-US" dirty="0"/>
+              <a:t>Collect and consider the following data:</a:t>
+            </a:r>
+          </a:p>
+          <a:p>
+            <a:pPr lvl="2">
+              <a:buFont typeface="Wingdings" panose="05000000000000000000" pitchFamily="2" charset="2"/>
+              <a:buChar char="ü"/>
+            </a:pPr>
+            <a:r>
+              <a:rPr lang="en-US" dirty="0"/>
+              <a:t>Boss Satisfaction:  there is a rule of thumb that the number one reason people leave is because of the boss.  We need to prove/disprove this notion.</a:t>
+            </a:r>
+          </a:p>
+          <a:p>
+            <a:pPr lvl="2">
+              <a:buFont typeface="Wingdings" panose="05000000000000000000" pitchFamily="2" charset="2"/>
+              <a:buChar char="ü"/>
+            </a:pPr>
+            <a:r>
+              <a:rPr lang="en-US" dirty="0"/>
+              <a:t>Job Role and pay at next job</a:t>
+            </a:r>
+          </a:p>
+          <a:p>
+            <a:pPr lvl="1">
+              <a:buFont typeface="Wingdings" panose="05000000000000000000" pitchFamily="2" charset="2"/>
+              <a:buChar char="ü"/>
+            </a:pPr>
+            <a:r>
+              <a:rPr lang="en-US" dirty="0"/>
+              <a:t>Predictive models need to be built specific to employee sub-groups.  From the data provided, we chose the median number of years worked.  It can also be done on a basis of management versus non-management.</a:t>
+            </a:r>
+          </a:p>
+          <a:p>
+            <a:pPr lvl="1">
+              <a:buFont typeface="Wingdings" panose="05000000000000000000" pitchFamily="2" charset="2"/>
+              <a:buChar char="ü"/>
+            </a:pPr>
+            <a:r>
+              <a:rPr lang="en-US" dirty="0"/>
+              <a:t>Pay needs to be taken into account especially by job role and education level.</a:t>
+            </a:r>
+          </a:p>
+          <a:p>
+            <a:pPr lvl="1">
+              <a:buFont typeface="Wingdings" panose="05000000000000000000" pitchFamily="2" charset="2"/>
+              <a:buChar char="ü"/>
+            </a:pPr>
+            <a:r>
+              <a:rPr lang="en-US" dirty="0"/>
+              <a:t>Satisfaction surveys should be taken into account for certain employee sub-groups, and perhaps expanded to account for boss specific attributes.</a:t>
+            </a:r>
+          </a:p>
+          <a:p>
+            <a:pPr lvl="1">
+              <a:buFont typeface="Wingdings" panose="05000000000000000000" pitchFamily="2" charset="2"/>
+              <a:buChar char="ü"/>
+            </a:pPr>
+            <a:r>
+              <a:rPr lang="en-US" dirty="0"/>
+              <a:t>Commuting time may factor in as well, especially for employees with less experience.</a:t>
+            </a:r>
+          </a:p>
+          <a:p>
+            <a:pPr lvl="1">
+              <a:buFont typeface="Wingdings" panose="05000000000000000000" pitchFamily="2" charset="2"/>
+              <a:buChar char="ü"/>
+            </a:pPr>
+            <a:endParaRPr lang="en-US" dirty="0"/>
+          </a:p>
+          <a:p>
+            <a:pPr marL="1257300" lvl="2" indent="-342900">
+              <a:buAutoNum type="romanLcPeriod"/>
+            </a:pPr>
+            <a:endParaRPr lang="en-US" sz="900" dirty="0"/>
+          </a:p>
+          <a:p>
+            <a:pPr marL="1257300" lvl="2" indent="-342900">
+              <a:buAutoNum type="romanLcPeriod"/>
+            </a:pPr>
+            <a:endParaRPr lang="en-US" sz="900" dirty="0"/>
+          </a:p>
+          <a:p>
+            <a:pPr marL="0" indent="0">
+              <a:buNone/>
+            </a:pPr>
+            <a:endParaRPr lang="en-US" dirty="0"/>
+          </a:p>
+          <a:p>
+            <a:pPr marL="457200" lvl="1" indent="0">
+              <a:buNone/>
+            </a:pPr>
+            <a:endParaRPr lang="en-US" dirty="0"/>
+          </a:p>
+        </p:txBody>
+      </p:sp>
+    </p:spTree>
+    <p:extLst>
+      <p:ext uri="{BB962C8B-B14F-4D97-AF65-F5344CB8AC3E}">
+        <p14:creationId xmlns:p14="http://schemas.microsoft.com/office/powerpoint/2010/main" val="3788915068"/>
+      </p:ext>
+    </p:extLst>
+  </p:cSld>
+  <p:clrMapOvr>
+    <a:masterClrMapping/>
+  </p:clrMapOvr>
+</p:sld>
+</file>
+
+<file path=ppt/slides/slide22.xml><?xml version="1.0" encoding="utf-8"?>
 <p:sld xmlns:a="http://schemas.openxmlformats.org/drawingml/2006/main" xmlns:r="http://schemas.openxmlformats.org/officeDocument/2006/relationships" xmlns:p="http://schemas.openxmlformats.org/presentationml/2006/main">
   <p:cSld>
     <p:spTree>
@@ -5885,7 +6782,7 @@
             </a:r>
             <a:r>
               <a:rPr lang="en-US" dirty="0"/>
-              <a:t> (“Client”) to perform an exploratory data analysis (“EDA”) in order to begin developing models that predict employee turnover.</a:t>
+              <a:t> (“Client”) to perform an exploratory data analysis (“EDA”) in order to facilitate Client’s goal of predicting employee turnover.</a:t>
             </a:r>
           </a:p>
           <a:p>
@@ -5905,7 +6802,7 @@
             </a:pPr>
             <a:r>
               <a:rPr lang="en-US" dirty="0"/>
-              <a:t>Top three factors that contribute to turnover</a:t>
+              <a:t>(At least) top three factors that contribute to turnover</a:t>
             </a:r>
           </a:p>
           <a:p>
@@ -6133,7 +7030,7 @@
             </a:pPr>
             <a:r>
               <a:rPr lang="en-US" dirty="0"/>
-              <a:t>[summary statistics are provided in the appendix]</a:t>
+              <a:t>[summary statistics of source data file are provided in the appendix]</a:t>
             </a:r>
           </a:p>
           <a:p>
@@ -6330,8 +7227,13 @@
             </a:pPr>
             <a:r>
               <a:rPr lang="en-US" dirty="0"/>
-              <a:t>Perform deeper analysis based on results of preliminary analysis</a:t>
-            </a:r>
+              <a:t>Perform deeper analysis based on results of preliminary analysis </a:t>
+            </a:r>
+            <a:r>
+              <a:rPr lang="en-US" sz="1900" dirty="0"/>
+              <a:t>(not in order)</a:t>
+            </a:r>
+            <a:endParaRPr lang="en-US" dirty="0"/>
           </a:p>
           <a:p>
             <a:pPr marL="971550" lvl="1" indent="-514350">
@@ -6360,7 +7262,7 @@
             </a:pPr>
             <a:r>
               <a:rPr lang="en-US" sz="1600" dirty="0"/>
-              <a:t>Considered relationships between Age and Income; Satisfaction metrics and attrition (Environment, Job, and Relationship)</a:t>
+              <a:t>Considered relationships between Age, Income, Gender, Satisfaction metrics (Environment, Job, and Relationship) and attrition</a:t>
             </a:r>
           </a:p>
           <a:p>
@@ -6369,25 +7271,7 @@
               <a:buAutoNum type="alphaLcPeriod"/>
             </a:pPr>
             <a:r>
-              <a:rPr lang="en-US" sz="1600" dirty="0">
-                <a:highlight>
-                  <a:srgbClr val="FFFF00"/>
-                </a:highlight>
-              </a:rPr>
-              <a:t>Identified the top three factors that contribute to attrition</a:t>
-            </a:r>
-          </a:p>
-          <a:p>
-            <a:pPr marL="971550" lvl="1" indent="-514350">
-              <a:buFont typeface="+mj-lt"/>
-              <a:buAutoNum type="alphaLcPeriod"/>
-            </a:pPr>
-            <a:r>
-              <a:rPr lang="en-US" sz="1600" dirty="0">
-                <a:highlight>
-                  <a:srgbClr val="FFFF00"/>
-                </a:highlight>
-              </a:rPr>
+              <a:rPr lang="en-US" sz="1600" dirty="0"/>
               <a:t>Explored insights into job type </a:t>
             </a:r>
           </a:p>
@@ -7205,7 +8089,7 @@
         <p:spPr>
           <a:xfrm>
             <a:off x="566928" y="3694176"/>
-            <a:ext cx="10607040" cy="2646878"/>
+            <a:ext cx="10607040" cy="2308324"/>
           </a:xfrm>
           <a:prstGeom prst="rect">
             <a:avLst/>
@@ -7248,7 +8132,7 @@
             </a:r>
             <a:r>
               <a:rPr lang="en-US" sz="1600" dirty="0"/>
-              <a:t>: 50% of the workforce has a bachelor or better.  The workforce is overly dependent on higher levels of education.</a:t>
+              <a:t>: 50% of the workforce has a bachelor or better.  There is a significant portion of the workforce that does not have a bachelor degree.</a:t>
             </a:r>
           </a:p>
           <a:p>
@@ -7276,15 +8160,48 @@
             </a:r>
             <a:r>
               <a:rPr lang="en-US" sz="1600" dirty="0"/>
-              <a:t>:  Job titles indicate significant amounts of product and R&amp;D.  This plus the distance from the office could be indicators of job mobility.</a:t>
-            </a:r>
-          </a:p>
-          <a:p>
-            <a:pPr marL="285750" indent="-285750">
-              <a:buFont typeface="Wingdings" panose="05000000000000000000" pitchFamily="2" charset="2"/>
-              <a:buChar char="Ø"/>
-            </a:pPr>
+              <a:t>:  Job titles indicate significant amounts of product and R&amp;D.  This plus the distance from the office could be indicators of job mobility.  </a:t>
+            </a:r>
             <a:endParaRPr lang="en-US" dirty="0"/>
+          </a:p>
+        </p:txBody>
+      </p:sp>
+      <p:sp>
+        <p:nvSpPr>
+          <p:cNvPr id="12" name="TextBox 11">
+            <a:extLst>
+              <a:ext uri="{FF2B5EF4-FFF2-40B4-BE49-F238E27FC236}">
+                <a16:creationId xmlns:a16="http://schemas.microsoft.com/office/drawing/2014/main" id="{EC84CC41-258F-42F3-A58A-9C11F161D27C}"/>
+              </a:ext>
+            </a:extLst>
+          </p:cNvPr>
+          <p:cNvSpPr txBox="1"/>
+          <p:nvPr/>
+        </p:nvSpPr>
+        <p:spPr>
+          <a:xfrm>
+            <a:off x="745067" y="6129868"/>
+            <a:ext cx="10780889" cy="646331"/>
+          </a:xfrm>
+          <a:prstGeom prst="rect">
+            <a:avLst/>
+          </a:prstGeom>
+          <a:noFill/>
+        </p:spPr>
+        <p:txBody>
+          <a:bodyPr wrap="square" rtlCol="0">
+            <a:spAutoFit/>
+          </a:bodyPr>
+          <a:lstStyle/>
+          <a:p>
+            <a:r>
+              <a:rPr lang="en-US" dirty="0">
+                <a:solidFill>
+                  <a:srgbClr val="FF0000"/>
+                </a:solidFill>
+              </a:rPr>
+              <a:t>Take-Aways:  The pyramid nature of the workforce would indicate that reasons for employees leaving may need to account for different groups of employees.    </a:t>
+            </a:r>
           </a:p>
         </p:txBody>
       </p:sp>

--- a/Final Presentation_TEAM VARIANCE 6306.pptx
+++ b/Final Presentation_TEAM VARIANCE 6306.pptx
@@ -127,7 +127,7 @@
   </p:defaultTextStyle>
   <p:extLst>
     <p:ext uri="{EFAFB233-063F-42B5-8137-9DF3F51BA10A}">
-      <p15:sldGuideLst xmlns:p15="http://schemas.microsoft.com/office/powerpoint/2012/main">
+      <p15:sldGuideLst xmlns:p15="http://schemas.microsoft.com/office/powerpoint/2012/main" xmlns="">
         <p15:guide id="1" orient="horz" pos="2160">
           <p15:clr>
             <a:srgbClr val="A4A3A4"/>
@@ -166,7 +166,7 @@
           <p:cNvPr id="2" name="Title 1">
             <a:extLst>
               <a:ext uri="{FF2B5EF4-FFF2-40B4-BE49-F238E27FC236}">
-                <a16:creationId xmlns:a16="http://schemas.microsoft.com/office/drawing/2014/main" id="{72C819A5-95C3-4B51-B167-8B422B9E019C}"/>
+                <a16:creationId xmlns:a16="http://schemas.microsoft.com/office/drawing/2014/main" xmlns="" id="{72C819A5-95C3-4B51-B167-8B422B9E019C}"/>
               </a:ext>
             </a:extLst>
           </p:cNvPr>
@@ -203,7 +203,7 @@
           <p:cNvPr id="3" name="Subtitle 2">
             <a:extLst>
               <a:ext uri="{FF2B5EF4-FFF2-40B4-BE49-F238E27FC236}">
-                <a16:creationId xmlns:a16="http://schemas.microsoft.com/office/drawing/2014/main" id="{FFD98652-4FCC-4A5B-8859-56E8A03E3345}"/>
+                <a16:creationId xmlns:a16="http://schemas.microsoft.com/office/drawing/2014/main" xmlns="" id="{FFD98652-4FCC-4A5B-8859-56E8A03E3345}"/>
               </a:ext>
             </a:extLst>
           </p:cNvPr>
@@ -273,7 +273,7 @@
           <p:cNvPr id="4" name="Date Placeholder 3">
             <a:extLst>
               <a:ext uri="{FF2B5EF4-FFF2-40B4-BE49-F238E27FC236}">
-                <a16:creationId xmlns:a16="http://schemas.microsoft.com/office/drawing/2014/main" id="{A6A2B9A0-1BB2-4359-87EE-D07AF60CEF71}"/>
+                <a16:creationId xmlns:a16="http://schemas.microsoft.com/office/drawing/2014/main" xmlns="" id="{A6A2B9A0-1BB2-4359-87EE-D07AF60CEF71}"/>
               </a:ext>
             </a:extLst>
           </p:cNvPr>
@@ -291,7 +291,7 @@
           <a:p>
             <a:fld id="{6B556CE9-838E-4F7B-97ED-B55258AFBF15}" type="datetimeFigureOut">
               <a:rPr lang="en-US" smtClean="0"/>
-              <a:t>8/5/2018</a:t>
+              <a:t>8/6/18</a:t>
             </a:fld>
             <a:endParaRPr lang="en-US"/>
           </a:p>
@@ -302,7 +302,7 @@
           <p:cNvPr id="5" name="Footer Placeholder 4">
             <a:extLst>
               <a:ext uri="{FF2B5EF4-FFF2-40B4-BE49-F238E27FC236}">
-                <a16:creationId xmlns:a16="http://schemas.microsoft.com/office/drawing/2014/main" id="{3E394253-1828-4841-84F8-BC217595A5AE}"/>
+                <a16:creationId xmlns:a16="http://schemas.microsoft.com/office/drawing/2014/main" xmlns="" id="{3E394253-1828-4841-84F8-BC217595A5AE}"/>
               </a:ext>
             </a:extLst>
           </p:cNvPr>
@@ -327,7 +327,7 @@
           <p:cNvPr id="6" name="Slide Number Placeholder 5">
             <a:extLst>
               <a:ext uri="{FF2B5EF4-FFF2-40B4-BE49-F238E27FC236}">
-                <a16:creationId xmlns:a16="http://schemas.microsoft.com/office/drawing/2014/main" id="{3519A9E0-3EF4-4B5D-A832-0C0E72B06DDB}"/>
+                <a16:creationId xmlns:a16="http://schemas.microsoft.com/office/drawing/2014/main" xmlns="" id="{3519A9E0-3EF4-4B5D-A832-0C0E72B06DDB}"/>
               </a:ext>
             </a:extLst>
           </p:cNvPr>
@@ -386,7 +386,7 @@
           <p:cNvPr id="2" name="Title 1">
             <a:extLst>
               <a:ext uri="{FF2B5EF4-FFF2-40B4-BE49-F238E27FC236}">
-                <a16:creationId xmlns:a16="http://schemas.microsoft.com/office/drawing/2014/main" id="{8122B184-8E68-42E2-81CD-3370DA492367}"/>
+                <a16:creationId xmlns:a16="http://schemas.microsoft.com/office/drawing/2014/main" xmlns="" id="{8122B184-8E68-42E2-81CD-3370DA492367}"/>
               </a:ext>
             </a:extLst>
           </p:cNvPr>
@@ -414,7 +414,7 @@
           <p:cNvPr id="3" name="Vertical Text Placeholder 2">
             <a:extLst>
               <a:ext uri="{FF2B5EF4-FFF2-40B4-BE49-F238E27FC236}">
-                <a16:creationId xmlns:a16="http://schemas.microsoft.com/office/drawing/2014/main" id="{90F80966-E265-4278-8C2C-704A6B808BEB}"/>
+                <a16:creationId xmlns:a16="http://schemas.microsoft.com/office/drawing/2014/main" xmlns="" id="{90F80966-E265-4278-8C2C-704A6B808BEB}"/>
               </a:ext>
             </a:extLst>
           </p:cNvPr>
@@ -471,7 +471,7 @@
           <p:cNvPr id="4" name="Date Placeholder 3">
             <a:extLst>
               <a:ext uri="{FF2B5EF4-FFF2-40B4-BE49-F238E27FC236}">
-                <a16:creationId xmlns:a16="http://schemas.microsoft.com/office/drawing/2014/main" id="{BF30A77A-BBA6-438F-8C59-7DADF16CF4C8}"/>
+                <a16:creationId xmlns:a16="http://schemas.microsoft.com/office/drawing/2014/main" xmlns="" id="{BF30A77A-BBA6-438F-8C59-7DADF16CF4C8}"/>
               </a:ext>
             </a:extLst>
           </p:cNvPr>
@@ -489,7 +489,7 @@
           <a:p>
             <a:fld id="{6B556CE9-838E-4F7B-97ED-B55258AFBF15}" type="datetimeFigureOut">
               <a:rPr lang="en-US" smtClean="0"/>
-              <a:t>8/5/2018</a:t>
+              <a:t>8/6/18</a:t>
             </a:fld>
             <a:endParaRPr lang="en-US"/>
           </a:p>
@@ -500,7 +500,7 @@
           <p:cNvPr id="5" name="Footer Placeholder 4">
             <a:extLst>
               <a:ext uri="{FF2B5EF4-FFF2-40B4-BE49-F238E27FC236}">
-                <a16:creationId xmlns:a16="http://schemas.microsoft.com/office/drawing/2014/main" id="{0CC430CE-B981-4258-997F-280E7276EA77}"/>
+                <a16:creationId xmlns:a16="http://schemas.microsoft.com/office/drawing/2014/main" xmlns="" id="{0CC430CE-B981-4258-997F-280E7276EA77}"/>
               </a:ext>
             </a:extLst>
           </p:cNvPr>
@@ -525,7 +525,7 @@
           <p:cNvPr id="6" name="Slide Number Placeholder 5">
             <a:extLst>
               <a:ext uri="{FF2B5EF4-FFF2-40B4-BE49-F238E27FC236}">
-                <a16:creationId xmlns:a16="http://schemas.microsoft.com/office/drawing/2014/main" id="{0BCD37F8-D06B-40FA-BD2C-0285A7C33281}"/>
+                <a16:creationId xmlns:a16="http://schemas.microsoft.com/office/drawing/2014/main" xmlns="" id="{0BCD37F8-D06B-40FA-BD2C-0285A7C33281}"/>
               </a:ext>
             </a:extLst>
           </p:cNvPr>
@@ -584,7 +584,7 @@
           <p:cNvPr id="2" name="Vertical Title 1">
             <a:extLst>
               <a:ext uri="{FF2B5EF4-FFF2-40B4-BE49-F238E27FC236}">
-                <a16:creationId xmlns:a16="http://schemas.microsoft.com/office/drawing/2014/main" id="{D17F9A50-88B3-4455-B455-DC2BD1D13729}"/>
+                <a16:creationId xmlns:a16="http://schemas.microsoft.com/office/drawing/2014/main" xmlns="" id="{D17F9A50-88B3-4455-B455-DC2BD1D13729}"/>
               </a:ext>
             </a:extLst>
           </p:cNvPr>
@@ -617,7 +617,7 @@
           <p:cNvPr id="3" name="Vertical Text Placeholder 2">
             <a:extLst>
               <a:ext uri="{FF2B5EF4-FFF2-40B4-BE49-F238E27FC236}">
-                <a16:creationId xmlns:a16="http://schemas.microsoft.com/office/drawing/2014/main" id="{E5C73660-450E-469C-91BC-C80DF9FAD46E}"/>
+                <a16:creationId xmlns:a16="http://schemas.microsoft.com/office/drawing/2014/main" xmlns="" id="{E5C73660-450E-469C-91BC-C80DF9FAD46E}"/>
               </a:ext>
             </a:extLst>
           </p:cNvPr>
@@ -679,7 +679,7 @@
           <p:cNvPr id="4" name="Date Placeholder 3">
             <a:extLst>
               <a:ext uri="{FF2B5EF4-FFF2-40B4-BE49-F238E27FC236}">
-                <a16:creationId xmlns:a16="http://schemas.microsoft.com/office/drawing/2014/main" id="{BC117CBB-08D1-4F78-B437-F82BF249F9C8}"/>
+                <a16:creationId xmlns:a16="http://schemas.microsoft.com/office/drawing/2014/main" xmlns="" id="{BC117CBB-08D1-4F78-B437-F82BF249F9C8}"/>
               </a:ext>
             </a:extLst>
           </p:cNvPr>
@@ -697,7 +697,7 @@
           <a:p>
             <a:fld id="{6B556CE9-838E-4F7B-97ED-B55258AFBF15}" type="datetimeFigureOut">
               <a:rPr lang="en-US" smtClean="0"/>
-              <a:t>8/5/2018</a:t>
+              <a:t>8/6/18</a:t>
             </a:fld>
             <a:endParaRPr lang="en-US"/>
           </a:p>
@@ -708,7 +708,7 @@
           <p:cNvPr id="5" name="Footer Placeholder 4">
             <a:extLst>
               <a:ext uri="{FF2B5EF4-FFF2-40B4-BE49-F238E27FC236}">
-                <a16:creationId xmlns:a16="http://schemas.microsoft.com/office/drawing/2014/main" id="{DF5FA6CC-B4C8-49E1-A4C2-782CAA4300D3}"/>
+                <a16:creationId xmlns:a16="http://schemas.microsoft.com/office/drawing/2014/main" xmlns="" id="{DF5FA6CC-B4C8-49E1-A4C2-782CAA4300D3}"/>
               </a:ext>
             </a:extLst>
           </p:cNvPr>
@@ -733,7 +733,7 @@
           <p:cNvPr id="6" name="Slide Number Placeholder 5">
             <a:extLst>
               <a:ext uri="{FF2B5EF4-FFF2-40B4-BE49-F238E27FC236}">
-                <a16:creationId xmlns:a16="http://schemas.microsoft.com/office/drawing/2014/main" id="{11002C5A-2EA3-4A62-8D9E-DC013236FD29}"/>
+                <a16:creationId xmlns:a16="http://schemas.microsoft.com/office/drawing/2014/main" xmlns="" id="{11002C5A-2EA3-4A62-8D9E-DC013236FD29}"/>
               </a:ext>
             </a:extLst>
           </p:cNvPr>
@@ -792,7 +792,7 @@
           <p:cNvPr id="2" name="Title 1">
             <a:extLst>
               <a:ext uri="{FF2B5EF4-FFF2-40B4-BE49-F238E27FC236}">
-                <a16:creationId xmlns:a16="http://schemas.microsoft.com/office/drawing/2014/main" id="{292473DD-01E3-4B27-B776-E32DF9C1CC81}"/>
+                <a16:creationId xmlns:a16="http://schemas.microsoft.com/office/drawing/2014/main" xmlns="" id="{292473DD-01E3-4B27-B776-E32DF9C1CC81}"/>
               </a:ext>
             </a:extLst>
           </p:cNvPr>
@@ -820,7 +820,7 @@
           <p:cNvPr id="3" name="Content Placeholder 2">
             <a:extLst>
               <a:ext uri="{FF2B5EF4-FFF2-40B4-BE49-F238E27FC236}">
-                <a16:creationId xmlns:a16="http://schemas.microsoft.com/office/drawing/2014/main" id="{889D06AE-8714-4037-8092-0D78E82C5AF7}"/>
+                <a16:creationId xmlns:a16="http://schemas.microsoft.com/office/drawing/2014/main" xmlns="" id="{889D06AE-8714-4037-8092-0D78E82C5AF7}"/>
               </a:ext>
             </a:extLst>
           </p:cNvPr>
@@ -877,7 +877,7 @@
           <p:cNvPr id="4" name="Date Placeholder 3">
             <a:extLst>
               <a:ext uri="{FF2B5EF4-FFF2-40B4-BE49-F238E27FC236}">
-                <a16:creationId xmlns:a16="http://schemas.microsoft.com/office/drawing/2014/main" id="{57D4396F-62FF-4C05-8A44-E20BA3F31F7A}"/>
+                <a16:creationId xmlns:a16="http://schemas.microsoft.com/office/drawing/2014/main" xmlns="" id="{57D4396F-62FF-4C05-8A44-E20BA3F31F7A}"/>
               </a:ext>
             </a:extLst>
           </p:cNvPr>
@@ -895,7 +895,7 @@
           <a:p>
             <a:fld id="{6B556CE9-838E-4F7B-97ED-B55258AFBF15}" type="datetimeFigureOut">
               <a:rPr lang="en-US" smtClean="0"/>
-              <a:t>8/5/2018</a:t>
+              <a:t>8/6/18</a:t>
             </a:fld>
             <a:endParaRPr lang="en-US"/>
           </a:p>
@@ -906,7 +906,7 @@
           <p:cNvPr id="5" name="Footer Placeholder 4">
             <a:extLst>
               <a:ext uri="{FF2B5EF4-FFF2-40B4-BE49-F238E27FC236}">
-                <a16:creationId xmlns:a16="http://schemas.microsoft.com/office/drawing/2014/main" id="{473D74A1-6F9A-4131-A4A5-B2664CE6C0B8}"/>
+                <a16:creationId xmlns:a16="http://schemas.microsoft.com/office/drawing/2014/main" xmlns="" id="{473D74A1-6F9A-4131-A4A5-B2664CE6C0B8}"/>
               </a:ext>
             </a:extLst>
           </p:cNvPr>
@@ -931,7 +931,7 @@
           <p:cNvPr id="6" name="Slide Number Placeholder 5">
             <a:extLst>
               <a:ext uri="{FF2B5EF4-FFF2-40B4-BE49-F238E27FC236}">
-                <a16:creationId xmlns:a16="http://schemas.microsoft.com/office/drawing/2014/main" id="{857709DF-874E-461A-87F3-E56DE2C49271}"/>
+                <a16:creationId xmlns:a16="http://schemas.microsoft.com/office/drawing/2014/main" xmlns="" id="{857709DF-874E-461A-87F3-E56DE2C49271}"/>
               </a:ext>
             </a:extLst>
           </p:cNvPr>
@@ -990,7 +990,7 @@
           <p:cNvPr id="2" name="Title 1">
             <a:extLst>
               <a:ext uri="{FF2B5EF4-FFF2-40B4-BE49-F238E27FC236}">
-                <a16:creationId xmlns:a16="http://schemas.microsoft.com/office/drawing/2014/main" id="{987AA4E2-7E8A-4ED8-A691-698BB077CACF}"/>
+                <a16:creationId xmlns:a16="http://schemas.microsoft.com/office/drawing/2014/main" xmlns="" id="{987AA4E2-7E8A-4ED8-A691-698BB077CACF}"/>
               </a:ext>
             </a:extLst>
           </p:cNvPr>
@@ -1027,7 +1027,7 @@
           <p:cNvPr id="3" name="Text Placeholder 2">
             <a:extLst>
               <a:ext uri="{FF2B5EF4-FFF2-40B4-BE49-F238E27FC236}">
-                <a16:creationId xmlns:a16="http://schemas.microsoft.com/office/drawing/2014/main" id="{61234A1F-3E59-48E9-A5E8-FAFF092711B1}"/>
+                <a16:creationId xmlns:a16="http://schemas.microsoft.com/office/drawing/2014/main" xmlns="" id="{61234A1F-3E59-48E9-A5E8-FAFF092711B1}"/>
               </a:ext>
             </a:extLst>
           </p:cNvPr>
@@ -1152,7 +1152,7 @@
           <p:cNvPr id="4" name="Date Placeholder 3">
             <a:extLst>
               <a:ext uri="{FF2B5EF4-FFF2-40B4-BE49-F238E27FC236}">
-                <a16:creationId xmlns:a16="http://schemas.microsoft.com/office/drawing/2014/main" id="{97CF3876-4EC3-4506-9653-C1F8995AEA14}"/>
+                <a16:creationId xmlns:a16="http://schemas.microsoft.com/office/drawing/2014/main" xmlns="" id="{97CF3876-4EC3-4506-9653-C1F8995AEA14}"/>
               </a:ext>
             </a:extLst>
           </p:cNvPr>
@@ -1170,7 +1170,7 @@
           <a:p>
             <a:fld id="{6B556CE9-838E-4F7B-97ED-B55258AFBF15}" type="datetimeFigureOut">
               <a:rPr lang="en-US" smtClean="0"/>
-              <a:t>8/5/2018</a:t>
+              <a:t>8/6/18</a:t>
             </a:fld>
             <a:endParaRPr lang="en-US"/>
           </a:p>
@@ -1181,7 +1181,7 @@
           <p:cNvPr id="5" name="Footer Placeholder 4">
             <a:extLst>
               <a:ext uri="{FF2B5EF4-FFF2-40B4-BE49-F238E27FC236}">
-                <a16:creationId xmlns:a16="http://schemas.microsoft.com/office/drawing/2014/main" id="{E91498DE-C68B-47F4-AC25-E3471548A0F6}"/>
+                <a16:creationId xmlns:a16="http://schemas.microsoft.com/office/drawing/2014/main" xmlns="" id="{E91498DE-C68B-47F4-AC25-E3471548A0F6}"/>
               </a:ext>
             </a:extLst>
           </p:cNvPr>
@@ -1206,7 +1206,7 @@
           <p:cNvPr id="6" name="Slide Number Placeholder 5">
             <a:extLst>
               <a:ext uri="{FF2B5EF4-FFF2-40B4-BE49-F238E27FC236}">
-                <a16:creationId xmlns:a16="http://schemas.microsoft.com/office/drawing/2014/main" id="{9CE8A66C-4AAF-4353-93FE-3D8B77D8BAD2}"/>
+                <a16:creationId xmlns:a16="http://schemas.microsoft.com/office/drawing/2014/main" xmlns="" id="{9CE8A66C-4AAF-4353-93FE-3D8B77D8BAD2}"/>
               </a:ext>
             </a:extLst>
           </p:cNvPr>
@@ -1265,7 +1265,7 @@
           <p:cNvPr id="2" name="Title 1">
             <a:extLst>
               <a:ext uri="{FF2B5EF4-FFF2-40B4-BE49-F238E27FC236}">
-                <a16:creationId xmlns:a16="http://schemas.microsoft.com/office/drawing/2014/main" id="{05E21C8A-4972-4C3A-B476-FD15EAB52365}"/>
+                <a16:creationId xmlns:a16="http://schemas.microsoft.com/office/drawing/2014/main" xmlns="" id="{05E21C8A-4972-4C3A-B476-FD15EAB52365}"/>
               </a:ext>
             </a:extLst>
           </p:cNvPr>
@@ -1293,7 +1293,7 @@
           <p:cNvPr id="3" name="Content Placeholder 2">
             <a:extLst>
               <a:ext uri="{FF2B5EF4-FFF2-40B4-BE49-F238E27FC236}">
-                <a16:creationId xmlns:a16="http://schemas.microsoft.com/office/drawing/2014/main" id="{300B60E7-1469-41B7-BCF2-5BC60362370A}"/>
+                <a16:creationId xmlns:a16="http://schemas.microsoft.com/office/drawing/2014/main" xmlns="" id="{300B60E7-1469-41B7-BCF2-5BC60362370A}"/>
               </a:ext>
             </a:extLst>
           </p:cNvPr>
@@ -1355,7 +1355,7 @@
           <p:cNvPr id="4" name="Content Placeholder 3">
             <a:extLst>
               <a:ext uri="{FF2B5EF4-FFF2-40B4-BE49-F238E27FC236}">
-                <a16:creationId xmlns:a16="http://schemas.microsoft.com/office/drawing/2014/main" id="{EC1AFDEB-8626-4CA9-88B8-F34B79462D22}"/>
+                <a16:creationId xmlns:a16="http://schemas.microsoft.com/office/drawing/2014/main" xmlns="" id="{EC1AFDEB-8626-4CA9-88B8-F34B79462D22}"/>
               </a:ext>
             </a:extLst>
           </p:cNvPr>
@@ -1417,7 +1417,7 @@
           <p:cNvPr id="5" name="Date Placeholder 4">
             <a:extLst>
               <a:ext uri="{FF2B5EF4-FFF2-40B4-BE49-F238E27FC236}">
-                <a16:creationId xmlns:a16="http://schemas.microsoft.com/office/drawing/2014/main" id="{71ED74EA-EFE5-4B36-BDEC-B536B9E93EBA}"/>
+                <a16:creationId xmlns:a16="http://schemas.microsoft.com/office/drawing/2014/main" xmlns="" id="{71ED74EA-EFE5-4B36-BDEC-B536B9E93EBA}"/>
               </a:ext>
             </a:extLst>
           </p:cNvPr>
@@ -1435,7 +1435,7 @@
           <a:p>
             <a:fld id="{6B556CE9-838E-4F7B-97ED-B55258AFBF15}" type="datetimeFigureOut">
               <a:rPr lang="en-US" smtClean="0"/>
-              <a:t>8/5/2018</a:t>
+              <a:t>8/6/18</a:t>
             </a:fld>
             <a:endParaRPr lang="en-US"/>
           </a:p>
@@ -1446,7 +1446,7 @@
           <p:cNvPr id="6" name="Footer Placeholder 5">
             <a:extLst>
               <a:ext uri="{FF2B5EF4-FFF2-40B4-BE49-F238E27FC236}">
-                <a16:creationId xmlns:a16="http://schemas.microsoft.com/office/drawing/2014/main" id="{EFFAF493-7F73-4533-A600-672E73D24709}"/>
+                <a16:creationId xmlns:a16="http://schemas.microsoft.com/office/drawing/2014/main" xmlns="" id="{EFFAF493-7F73-4533-A600-672E73D24709}"/>
               </a:ext>
             </a:extLst>
           </p:cNvPr>
@@ -1471,7 +1471,7 @@
           <p:cNvPr id="7" name="Slide Number Placeholder 6">
             <a:extLst>
               <a:ext uri="{FF2B5EF4-FFF2-40B4-BE49-F238E27FC236}">
-                <a16:creationId xmlns:a16="http://schemas.microsoft.com/office/drawing/2014/main" id="{1E97FB6F-C403-42E0-AB53-115CFBB534FC}"/>
+                <a16:creationId xmlns:a16="http://schemas.microsoft.com/office/drawing/2014/main" xmlns="" id="{1E97FB6F-C403-42E0-AB53-115CFBB534FC}"/>
               </a:ext>
             </a:extLst>
           </p:cNvPr>
@@ -1530,7 +1530,7 @@
           <p:cNvPr id="2" name="Title 1">
             <a:extLst>
               <a:ext uri="{FF2B5EF4-FFF2-40B4-BE49-F238E27FC236}">
-                <a16:creationId xmlns:a16="http://schemas.microsoft.com/office/drawing/2014/main" id="{95C0BF3E-B444-4C54-A605-A276C1F2D9F6}"/>
+                <a16:creationId xmlns:a16="http://schemas.microsoft.com/office/drawing/2014/main" xmlns="" id="{95C0BF3E-B444-4C54-A605-A276C1F2D9F6}"/>
               </a:ext>
             </a:extLst>
           </p:cNvPr>
@@ -1563,7 +1563,7 @@
           <p:cNvPr id="3" name="Text Placeholder 2">
             <a:extLst>
               <a:ext uri="{FF2B5EF4-FFF2-40B4-BE49-F238E27FC236}">
-                <a16:creationId xmlns:a16="http://schemas.microsoft.com/office/drawing/2014/main" id="{DFC52B6D-69A0-4889-9E37-93556EA86670}"/>
+                <a16:creationId xmlns:a16="http://schemas.microsoft.com/office/drawing/2014/main" xmlns="" id="{DFC52B6D-69A0-4889-9E37-93556EA86670}"/>
               </a:ext>
             </a:extLst>
           </p:cNvPr>
@@ -1634,7 +1634,7 @@
           <p:cNvPr id="4" name="Content Placeholder 3">
             <a:extLst>
               <a:ext uri="{FF2B5EF4-FFF2-40B4-BE49-F238E27FC236}">
-                <a16:creationId xmlns:a16="http://schemas.microsoft.com/office/drawing/2014/main" id="{173771AC-5B2E-40EA-9FAB-9DD06DC7A4B3}"/>
+                <a16:creationId xmlns:a16="http://schemas.microsoft.com/office/drawing/2014/main" xmlns="" id="{173771AC-5B2E-40EA-9FAB-9DD06DC7A4B3}"/>
               </a:ext>
             </a:extLst>
           </p:cNvPr>
@@ -1696,7 +1696,7 @@
           <p:cNvPr id="5" name="Text Placeholder 4">
             <a:extLst>
               <a:ext uri="{FF2B5EF4-FFF2-40B4-BE49-F238E27FC236}">
-                <a16:creationId xmlns:a16="http://schemas.microsoft.com/office/drawing/2014/main" id="{79A7D8C0-02AD-4237-B5D4-4DC7923354F3}"/>
+                <a16:creationId xmlns:a16="http://schemas.microsoft.com/office/drawing/2014/main" xmlns="" id="{79A7D8C0-02AD-4237-B5D4-4DC7923354F3}"/>
               </a:ext>
             </a:extLst>
           </p:cNvPr>
@@ -1767,7 +1767,7 @@
           <p:cNvPr id="6" name="Content Placeholder 5">
             <a:extLst>
               <a:ext uri="{FF2B5EF4-FFF2-40B4-BE49-F238E27FC236}">
-                <a16:creationId xmlns:a16="http://schemas.microsoft.com/office/drawing/2014/main" id="{9FA90C6E-171F-40FA-86C2-10BF4F23D4DD}"/>
+                <a16:creationId xmlns:a16="http://schemas.microsoft.com/office/drawing/2014/main" xmlns="" id="{9FA90C6E-171F-40FA-86C2-10BF4F23D4DD}"/>
               </a:ext>
             </a:extLst>
           </p:cNvPr>
@@ -1829,7 +1829,7 @@
           <p:cNvPr id="7" name="Date Placeholder 6">
             <a:extLst>
               <a:ext uri="{FF2B5EF4-FFF2-40B4-BE49-F238E27FC236}">
-                <a16:creationId xmlns:a16="http://schemas.microsoft.com/office/drawing/2014/main" id="{FD0121B2-B6AA-4360-9856-B0D8D3861875}"/>
+                <a16:creationId xmlns:a16="http://schemas.microsoft.com/office/drawing/2014/main" xmlns="" id="{FD0121B2-B6AA-4360-9856-B0D8D3861875}"/>
               </a:ext>
             </a:extLst>
           </p:cNvPr>
@@ -1847,7 +1847,7 @@
           <a:p>
             <a:fld id="{6B556CE9-838E-4F7B-97ED-B55258AFBF15}" type="datetimeFigureOut">
               <a:rPr lang="en-US" smtClean="0"/>
-              <a:t>8/5/2018</a:t>
+              <a:t>8/6/18</a:t>
             </a:fld>
             <a:endParaRPr lang="en-US"/>
           </a:p>
@@ -1858,7 +1858,7 @@
           <p:cNvPr id="8" name="Footer Placeholder 7">
             <a:extLst>
               <a:ext uri="{FF2B5EF4-FFF2-40B4-BE49-F238E27FC236}">
-                <a16:creationId xmlns:a16="http://schemas.microsoft.com/office/drawing/2014/main" id="{984801DB-D520-4ED6-9CFD-D901622A18FD}"/>
+                <a16:creationId xmlns:a16="http://schemas.microsoft.com/office/drawing/2014/main" xmlns="" id="{984801DB-D520-4ED6-9CFD-D901622A18FD}"/>
               </a:ext>
             </a:extLst>
           </p:cNvPr>
@@ -1883,7 +1883,7 @@
           <p:cNvPr id="9" name="Slide Number Placeholder 8">
             <a:extLst>
               <a:ext uri="{FF2B5EF4-FFF2-40B4-BE49-F238E27FC236}">
-                <a16:creationId xmlns:a16="http://schemas.microsoft.com/office/drawing/2014/main" id="{55FB1824-B5A6-41F5-B321-1EEA7A649D17}"/>
+                <a16:creationId xmlns:a16="http://schemas.microsoft.com/office/drawing/2014/main" xmlns="" id="{55FB1824-B5A6-41F5-B321-1EEA7A649D17}"/>
               </a:ext>
             </a:extLst>
           </p:cNvPr>
@@ -1942,7 +1942,7 @@
           <p:cNvPr id="2" name="Title 1">
             <a:extLst>
               <a:ext uri="{FF2B5EF4-FFF2-40B4-BE49-F238E27FC236}">
-                <a16:creationId xmlns:a16="http://schemas.microsoft.com/office/drawing/2014/main" id="{9633BBA9-CBEB-4DBA-87CD-8351788B71FA}"/>
+                <a16:creationId xmlns:a16="http://schemas.microsoft.com/office/drawing/2014/main" xmlns="" id="{9633BBA9-CBEB-4DBA-87CD-8351788B71FA}"/>
               </a:ext>
             </a:extLst>
           </p:cNvPr>
@@ -1970,7 +1970,7 @@
           <p:cNvPr id="3" name="Date Placeholder 2">
             <a:extLst>
               <a:ext uri="{FF2B5EF4-FFF2-40B4-BE49-F238E27FC236}">
-                <a16:creationId xmlns:a16="http://schemas.microsoft.com/office/drawing/2014/main" id="{2AE1D83D-9B63-4808-9C60-F2919893216D}"/>
+                <a16:creationId xmlns:a16="http://schemas.microsoft.com/office/drawing/2014/main" xmlns="" id="{2AE1D83D-9B63-4808-9C60-F2919893216D}"/>
               </a:ext>
             </a:extLst>
           </p:cNvPr>
@@ -1988,7 +1988,7 @@
           <a:p>
             <a:fld id="{6B556CE9-838E-4F7B-97ED-B55258AFBF15}" type="datetimeFigureOut">
               <a:rPr lang="en-US" smtClean="0"/>
-              <a:t>8/5/2018</a:t>
+              <a:t>8/6/18</a:t>
             </a:fld>
             <a:endParaRPr lang="en-US"/>
           </a:p>
@@ -1999,7 +1999,7 @@
           <p:cNvPr id="4" name="Footer Placeholder 3">
             <a:extLst>
               <a:ext uri="{FF2B5EF4-FFF2-40B4-BE49-F238E27FC236}">
-                <a16:creationId xmlns:a16="http://schemas.microsoft.com/office/drawing/2014/main" id="{6792E2BC-F3F0-404C-9FAC-7DA58D925238}"/>
+                <a16:creationId xmlns:a16="http://schemas.microsoft.com/office/drawing/2014/main" xmlns="" id="{6792E2BC-F3F0-404C-9FAC-7DA58D925238}"/>
               </a:ext>
             </a:extLst>
           </p:cNvPr>
@@ -2024,7 +2024,7 @@
           <p:cNvPr id="5" name="Slide Number Placeholder 4">
             <a:extLst>
               <a:ext uri="{FF2B5EF4-FFF2-40B4-BE49-F238E27FC236}">
-                <a16:creationId xmlns:a16="http://schemas.microsoft.com/office/drawing/2014/main" id="{A6F05535-3224-4EF8-A974-1871962E373C}"/>
+                <a16:creationId xmlns:a16="http://schemas.microsoft.com/office/drawing/2014/main" xmlns="" id="{A6F05535-3224-4EF8-A974-1871962E373C}"/>
               </a:ext>
             </a:extLst>
           </p:cNvPr>
@@ -2083,7 +2083,7 @@
           <p:cNvPr id="2" name="Date Placeholder 1">
             <a:extLst>
               <a:ext uri="{FF2B5EF4-FFF2-40B4-BE49-F238E27FC236}">
-                <a16:creationId xmlns:a16="http://schemas.microsoft.com/office/drawing/2014/main" id="{DF09649F-28AE-453C-BC3A-480C2ECBB2F7}"/>
+                <a16:creationId xmlns:a16="http://schemas.microsoft.com/office/drawing/2014/main" xmlns="" id="{DF09649F-28AE-453C-BC3A-480C2ECBB2F7}"/>
               </a:ext>
             </a:extLst>
           </p:cNvPr>
@@ -2101,7 +2101,7 @@
           <a:p>
             <a:fld id="{6B556CE9-838E-4F7B-97ED-B55258AFBF15}" type="datetimeFigureOut">
               <a:rPr lang="en-US" smtClean="0"/>
-              <a:t>8/5/2018</a:t>
+              <a:t>8/6/18</a:t>
             </a:fld>
             <a:endParaRPr lang="en-US"/>
           </a:p>
@@ -2112,7 +2112,7 @@
           <p:cNvPr id="3" name="Footer Placeholder 2">
             <a:extLst>
               <a:ext uri="{FF2B5EF4-FFF2-40B4-BE49-F238E27FC236}">
-                <a16:creationId xmlns:a16="http://schemas.microsoft.com/office/drawing/2014/main" id="{316C99A9-0005-4367-8045-2999055DF5B4}"/>
+                <a16:creationId xmlns:a16="http://schemas.microsoft.com/office/drawing/2014/main" xmlns="" id="{316C99A9-0005-4367-8045-2999055DF5B4}"/>
               </a:ext>
             </a:extLst>
           </p:cNvPr>
@@ -2137,7 +2137,7 @@
           <p:cNvPr id="4" name="Slide Number Placeholder 3">
             <a:extLst>
               <a:ext uri="{FF2B5EF4-FFF2-40B4-BE49-F238E27FC236}">
-                <a16:creationId xmlns:a16="http://schemas.microsoft.com/office/drawing/2014/main" id="{B3D51094-8B02-4241-BF7F-B437DDD76D4C}"/>
+                <a16:creationId xmlns:a16="http://schemas.microsoft.com/office/drawing/2014/main" xmlns="" id="{B3D51094-8B02-4241-BF7F-B437DDD76D4C}"/>
               </a:ext>
             </a:extLst>
           </p:cNvPr>
@@ -2196,7 +2196,7 @@
           <p:cNvPr id="2" name="Title 1">
             <a:extLst>
               <a:ext uri="{FF2B5EF4-FFF2-40B4-BE49-F238E27FC236}">
-                <a16:creationId xmlns:a16="http://schemas.microsoft.com/office/drawing/2014/main" id="{241F7FE7-0FF3-4E05-ABED-F5F1E82D4C21}"/>
+                <a16:creationId xmlns:a16="http://schemas.microsoft.com/office/drawing/2014/main" xmlns="" id="{241F7FE7-0FF3-4E05-ABED-F5F1E82D4C21}"/>
               </a:ext>
             </a:extLst>
           </p:cNvPr>
@@ -2233,7 +2233,7 @@
           <p:cNvPr id="3" name="Content Placeholder 2">
             <a:extLst>
               <a:ext uri="{FF2B5EF4-FFF2-40B4-BE49-F238E27FC236}">
-                <a16:creationId xmlns:a16="http://schemas.microsoft.com/office/drawing/2014/main" id="{EBE5C4B8-9EC3-4CFE-95B7-791F5B3E07E9}"/>
+                <a16:creationId xmlns:a16="http://schemas.microsoft.com/office/drawing/2014/main" xmlns="" id="{EBE5C4B8-9EC3-4CFE-95B7-791F5B3E07E9}"/>
               </a:ext>
             </a:extLst>
           </p:cNvPr>
@@ -2323,7 +2323,7 @@
           <p:cNvPr id="4" name="Text Placeholder 3">
             <a:extLst>
               <a:ext uri="{FF2B5EF4-FFF2-40B4-BE49-F238E27FC236}">
-                <a16:creationId xmlns:a16="http://schemas.microsoft.com/office/drawing/2014/main" id="{A0C4DD55-8A5B-46B1-8BAC-DC350D7F6983}"/>
+                <a16:creationId xmlns:a16="http://schemas.microsoft.com/office/drawing/2014/main" xmlns="" id="{A0C4DD55-8A5B-46B1-8BAC-DC350D7F6983}"/>
               </a:ext>
             </a:extLst>
           </p:cNvPr>
@@ -2394,7 +2394,7 @@
           <p:cNvPr id="5" name="Date Placeholder 4">
             <a:extLst>
               <a:ext uri="{FF2B5EF4-FFF2-40B4-BE49-F238E27FC236}">
-                <a16:creationId xmlns:a16="http://schemas.microsoft.com/office/drawing/2014/main" id="{380C50E2-5094-4A3A-853C-C421829E6A29}"/>
+                <a16:creationId xmlns:a16="http://schemas.microsoft.com/office/drawing/2014/main" xmlns="" id="{380C50E2-5094-4A3A-853C-C421829E6A29}"/>
               </a:ext>
             </a:extLst>
           </p:cNvPr>
@@ -2412,7 +2412,7 @@
           <a:p>
             <a:fld id="{6B556CE9-838E-4F7B-97ED-B55258AFBF15}" type="datetimeFigureOut">
               <a:rPr lang="en-US" smtClean="0"/>
-              <a:t>8/5/2018</a:t>
+              <a:t>8/6/18</a:t>
             </a:fld>
             <a:endParaRPr lang="en-US"/>
           </a:p>
@@ -2423,7 +2423,7 @@
           <p:cNvPr id="6" name="Footer Placeholder 5">
             <a:extLst>
               <a:ext uri="{FF2B5EF4-FFF2-40B4-BE49-F238E27FC236}">
-                <a16:creationId xmlns:a16="http://schemas.microsoft.com/office/drawing/2014/main" id="{4B87A063-A1E1-4D3D-9EF8-5BA668729FFA}"/>
+                <a16:creationId xmlns:a16="http://schemas.microsoft.com/office/drawing/2014/main" xmlns="" id="{4B87A063-A1E1-4D3D-9EF8-5BA668729FFA}"/>
               </a:ext>
             </a:extLst>
           </p:cNvPr>
@@ -2448,7 +2448,7 @@
           <p:cNvPr id="7" name="Slide Number Placeholder 6">
             <a:extLst>
               <a:ext uri="{FF2B5EF4-FFF2-40B4-BE49-F238E27FC236}">
-                <a16:creationId xmlns:a16="http://schemas.microsoft.com/office/drawing/2014/main" id="{18B0F82F-EB1E-42DA-AFFD-6C6AEC009A2B}"/>
+                <a16:creationId xmlns:a16="http://schemas.microsoft.com/office/drawing/2014/main" xmlns="" id="{18B0F82F-EB1E-42DA-AFFD-6C6AEC009A2B}"/>
               </a:ext>
             </a:extLst>
           </p:cNvPr>
@@ -2507,7 +2507,7 @@
           <p:cNvPr id="2" name="Title 1">
             <a:extLst>
               <a:ext uri="{FF2B5EF4-FFF2-40B4-BE49-F238E27FC236}">
-                <a16:creationId xmlns:a16="http://schemas.microsoft.com/office/drawing/2014/main" id="{329A8A17-6800-4DB3-9E58-0B3C6DEF6278}"/>
+                <a16:creationId xmlns:a16="http://schemas.microsoft.com/office/drawing/2014/main" xmlns="" id="{329A8A17-6800-4DB3-9E58-0B3C6DEF6278}"/>
               </a:ext>
             </a:extLst>
           </p:cNvPr>
@@ -2544,7 +2544,7 @@
           <p:cNvPr id="3" name="Picture Placeholder 2">
             <a:extLst>
               <a:ext uri="{FF2B5EF4-FFF2-40B4-BE49-F238E27FC236}">
-                <a16:creationId xmlns:a16="http://schemas.microsoft.com/office/drawing/2014/main" id="{9E07A7B5-594D-4D8D-A66C-7338A48E7569}"/>
+                <a16:creationId xmlns:a16="http://schemas.microsoft.com/office/drawing/2014/main" xmlns="" id="{9E07A7B5-594D-4D8D-A66C-7338A48E7569}"/>
               </a:ext>
             </a:extLst>
           </p:cNvPr>
@@ -2611,7 +2611,7 @@
           <p:cNvPr id="4" name="Text Placeholder 3">
             <a:extLst>
               <a:ext uri="{FF2B5EF4-FFF2-40B4-BE49-F238E27FC236}">
-                <a16:creationId xmlns:a16="http://schemas.microsoft.com/office/drawing/2014/main" id="{99EA2117-A17F-4584-8FE5-533EAB6FBEC1}"/>
+                <a16:creationId xmlns:a16="http://schemas.microsoft.com/office/drawing/2014/main" xmlns="" id="{99EA2117-A17F-4584-8FE5-533EAB6FBEC1}"/>
               </a:ext>
             </a:extLst>
           </p:cNvPr>
@@ -2682,7 +2682,7 @@
           <p:cNvPr id="5" name="Date Placeholder 4">
             <a:extLst>
               <a:ext uri="{FF2B5EF4-FFF2-40B4-BE49-F238E27FC236}">
-                <a16:creationId xmlns:a16="http://schemas.microsoft.com/office/drawing/2014/main" id="{EC048765-A005-4FE5-B207-FD07A7F16216}"/>
+                <a16:creationId xmlns:a16="http://schemas.microsoft.com/office/drawing/2014/main" xmlns="" id="{EC048765-A005-4FE5-B207-FD07A7F16216}"/>
               </a:ext>
             </a:extLst>
           </p:cNvPr>
@@ -2700,7 +2700,7 @@
           <a:p>
             <a:fld id="{6B556CE9-838E-4F7B-97ED-B55258AFBF15}" type="datetimeFigureOut">
               <a:rPr lang="en-US" smtClean="0"/>
-              <a:t>8/5/2018</a:t>
+              <a:t>8/6/18</a:t>
             </a:fld>
             <a:endParaRPr lang="en-US"/>
           </a:p>
@@ -2711,7 +2711,7 @@
           <p:cNvPr id="6" name="Footer Placeholder 5">
             <a:extLst>
               <a:ext uri="{FF2B5EF4-FFF2-40B4-BE49-F238E27FC236}">
-                <a16:creationId xmlns:a16="http://schemas.microsoft.com/office/drawing/2014/main" id="{EB48174D-B980-44A9-8608-4DEA8D40C389}"/>
+                <a16:creationId xmlns:a16="http://schemas.microsoft.com/office/drawing/2014/main" xmlns="" id="{EB48174D-B980-44A9-8608-4DEA8D40C389}"/>
               </a:ext>
             </a:extLst>
           </p:cNvPr>
@@ -2736,7 +2736,7 @@
           <p:cNvPr id="7" name="Slide Number Placeholder 6">
             <a:extLst>
               <a:ext uri="{FF2B5EF4-FFF2-40B4-BE49-F238E27FC236}">
-                <a16:creationId xmlns:a16="http://schemas.microsoft.com/office/drawing/2014/main" id="{2C747FDA-2F09-45DA-8135-D2B5F8E2EFB9}"/>
+                <a16:creationId xmlns:a16="http://schemas.microsoft.com/office/drawing/2014/main" xmlns="" id="{2C747FDA-2F09-45DA-8135-D2B5F8E2EFB9}"/>
               </a:ext>
             </a:extLst>
           </p:cNvPr>
@@ -2800,7 +2800,7 @@
           <p:cNvPr id="2" name="Title Placeholder 1">
             <a:extLst>
               <a:ext uri="{FF2B5EF4-FFF2-40B4-BE49-F238E27FC236}">
-                <a16:creationId xmlns:a16="http://schemas.microsoft.com/office/drawing/2014/main" id="{3AD9CC8C-2A80-44BA-9CD0-B2ACCA8E4C1F}"/>
+                <a16:creationId xmlns:a16="http://schemas.microsoft.com/office/drawing/2014/main" xmlns="" id="{3AD9CC8C-2A80-44BA-9CD0-B2ACCA8E4C1F}"/>
               </a:ext>
             </a:extLst>
           </p:cNvPr>
@@ -2838,7 +2838,7 @@
           <p:cNvPr id="3" name="Text Placeholder 2">
             <a:extLst>
               <a:ext uri="{FF2B5EF4-FFF2-40B4-BE49-F238E27FC236}">
-                <a16:creationId xmlns:a16="http://schemas.microsoft.com/office/drawing/2014/main" id="{A446242A-3355-4E47-8C77-75D3F1C94B42}"/>
+                <a16:creationId xmlns:a16="http://schemas.microsoft.com/office/drawing/2014/main" xmlns="" id="{A446242A-3355-4E47-8C77-75D3F1C94B42}"/>
               </a:ext>
             </a:extLst>
           </p:cNvPr>
@@ -2905,7 +2905,7 @@
           <p:cNvPr id="4" name="Date Placeholder 3">
             <a:extLst>
               <a:ext uri="{FF2B5EF4-FFF2-40B4-BE49-F238E27FC236}">
-                <a16:creationId xmlns:a16="http://schemas.microsoft.com/office/drawing/2014/main" id="{2A707D12-125E-4556-8527-14C547D55D24}"/>
+                <a16:creationId xmlns:a16="http://schemas.microsoft.com/office/drawing/2014/main" xmlns="" id="{2A707D12-125E-4556-8527-14C547D55D24}"/>
               </a:ext>
             </a:extLst>
           </p:cNvPr>
@@ -2941,7 +2941,7 @@
           <a:p>
             <a:fld id="{6B556CE9-838E-4F7B-97ED-B55258AFBF15}" type="datetimeFigureOut">
               <a:rPr lang="en-US" smtClean="0"/>
-              <a:t>8/5/2018</a:t>
+              <a:t>8/6/18</a:t>
             </a:fld>
             <a:endParaRPr lang="en-US"/>
           </a:p>
@@ -2952,7 +2952,7 @@
           <p:cNvPr id="5" name="Footer Placeholder 4">
             <a:extLst>
               <a:ext uri="{FF2B5EF4-FFF2-40B4-BE49-F238E27FC236}">
-                <a16:creationId xmlns:a16="http://schemas.microsoft.com/office/drawing/2014/main" id="{7AF8B764-2C84-4C25-8C44-4B2AE5D47C2C}"/>
+                <a16:creationId xmlns:a16="http://schemas.microsoft.com/office/drawing/2014/main" xmlns="" id="{7AF8B764-2C84-4C25-8C44-4B2AE5D47C2C}"/>
               </a:ext>
             </a:extLst>
           </p:cNvPr>
@@ -2995,7 +2995,7 @@
           <p:cNvPr id="6" name="Slide Number Placeholder 5">
             <a:extLst>
               <a:ext uri="{FF2B5EF4-FFF2-40B4-BE49-F238E27FC236}">
-                <a16:creationId xmlns:a16="http://schemas.microsoft.com/office/drawing/2014/main" id="{10204860-0CE8-45C0-A257-BC23E19B8779}"/>
+                <a16:creationId xmlns:a16="http://schemas.microsoft.com/office/drawing/2014/main" xmlns="" id="{10204860-0CE8-45C0-A257-BC23E19B8779}"/>
               </a:ext>
             </a:extLst>
           </p:cNvPr>
@@ -3363,7 +3363,7 @@
           <p:cNvPr id="2" name="Title 1">
             <a:extLst>
               <a:ext uri="{FF2B5EF4-FFF2-40B4-BE49-F238E27FC236}">
-                <a16:creationId xmlns:a16="http://schemas.microsoft.com/office/drawing/2014/main" id="{69834B48-0969-4EB9-A4D8-F52B826E1372}"/>
+                <a16:creationId xmlns:a16="http://schemas.microsoft.com/office/drawing/2014/main" xmlns="" id="{69834B48-0969-4EB9-A4D8-F52B826E1372}"/>
               </a:ext>
             </a:extLst>
           </p:cNvPr>
@@ -3385,6 +3385,10 @@
               <a:rPr lang="en-US" dirty="0" err="1"/>
               <a:t>DDSAnalytics</a:t>
             </a:r>
+            <a:r>
+              <a:rPr lang="en-US" dirty="0"/>
+              <a:t/>
+            </a:r>
             <a:br>
               <a:rPr lang="en-US" dirty="0"/>
             </a:br>
@@ -3400,7 +3404,7 @@
           <p:cNvPr id="3" name="Subtitle 2">
             <a:extLst>
               <a:ext uri="{FF2B5EF4-FFF2-40B4-BE49-F238E27FC236}">
-                <a16:creationId xmlns:a16="http://schemas.microsoft.com/office/drawing/2014/main" id="{6FE504C0-CB00-4A26-99F2-7F17BBD7DA57}"/>
+                <a16:creationId xmlns:a16="http://schemas.microsoft.com/office/drawing/2014/main" xmlns="" id="{6FE504C0-CB00-4A26-99F2-7F17BBD7DA57}"/>
               </a:ext>
             </a:extLst>
           </p:cNvPr>
@@ -3481,7 +3485,7 @@
           <p:cNvPr id="2" name="Title 1">
             <a:extLst>
               <a:ext uri="{FF2B5EF4-FFF2-40B4-BE49-F238E27FC236}">
-                <a16:creationId xmlns:a16="http://schemas.microsoft.com/office/drawing/2014/main" id="{933E1EA9-C24B-409B-B7A8-9663BAF3642E}"/>
+                <a16:creationId xmlns:a16="http://schemas.microsoft.com/office/drawing/2014/main" xmlns="" id="{933E1EA9-C24B-409B-B7A8-9663BAF3642E}"/>
               </a:ext>
             </a:extLst>
           </p:cNvPr>
@@ -3509,7 +3513,7 @@
           <p:cNvPr id="3" name="Content Placeholder 2">
             <a:extLst>
               <a:ext uri="{FF2B5EF4-FFF2-40B4-BE49-F238E27FC236}">
-                <a16:creationId xmlns:a16="http://schemas.microsoft.com/office/drawing/2014/main" id="{1C53E63B-9626-4581-89B4-03BC2CB42F6D}"/>
+                <a16:creationId xmlns:a16="http://schemas.microsoft.com/office/drawing/2014/main" xmlns="" id="{1C53E63B-9626-4581-89B4-03BC2CB42F6D}"/>
               </a:ext>
             </a:extLst>
           </p:cNvPr>
@@ -3834,7 +3838,7 @@
           <p:cNvPr id="4" name="TextBox 3">
             <a:extLst>
               <a:ext uri="{FF2B5EF4-FFF2-40B4-BE49-F238E27FC236}">
-                <a16:creationId xmlns:a16="http://schemas.microsoft.com/office/drawing/2014/main" id="{5E24F2C6-4AB7-4C68-A367-5BFB430F227B}"/>
+                <a16:creationId xmlns:a16="http://schemas.microsoft.com/office/drawing/2014/main" xmlns="" id="{5E24F2C6-4AB7-4C68-A367-5BFB430F227B}"/>
               </a:ext>
             </a:extLst>
           </p:cNvPr>
@@ -3903,7 +3907,7 @@
           <p:cNvPr id="2" name="Title 1">
             <a:extLst>
               <a:ext uri="{FF2B5EF4-FFF2-40B4-BE49-F238E27FC236}">
-                <a16:creationId xmlns:a16="http://schemas.microsoft.com/office/drawing/2014/main" id="{933E1EA9-C24B-409B-B7A8-9663BAF3642E}"/>
+                <a16:creationId xmlns:a16="http://schemas.microsoft.com/office/drawing/2014/main" xmlns="" id="{933E1EA9-C24B-409B-B7A8-9663BAF3642E}"/>
               </a:ext>
             </a:extLst>
           </p:cNvPr>
@@ -3931,7 +3935,7 @@
           <p:cNvPr id="3" name="Content Placeholder 2">
             <a:extLst>
               <a:ext uri="{FF2B5EF4-FFF2-40B4-BE49-F238E27FC236}">
-                <a16:creationId xmlns:a16="http://schemas.microsoft.com/office/drawing/2014/main" id="{1C53E63B-9626-4581-89B4-03BC2CB42F6D}"/>
+                <a16:creationId xmlns:a16="http://schemas.microsoft.com/office/drawing/2014/main" xmlns="" id="{1C53E63B-9626-4581-89B4-03BC2CB42F6D}"/>
               </a:ext>
             </a:extLst>
           </p:cNvPr>
@@ -4042,7 +4046,7 @@
           <p:cNvPr id="4" name="TextBox 3">
             <a:extLst>
               <a:ext uri="{FF2B5EF4-FFF2-40B4-BE49-F238E27FC236}">
-                <a16:creationId xmlns:a16="http://schemas.microsoft.com/office/drawing/2014/main" id="{A5A3DC43-45DF-4B72-BBC8-0A03FEF1B6E3}"/>
+                <a16:creationId xmlns:a16="http://schemas.microsoft.com/office/drawing/2014/main" xmlns="" id="{A5A3DC43-45DF-4B72-BBC8-0A03FEF1B6E3}"/>
               </a:ext>
             </a:extLst>
           </p:cNvPr>
@@ -4111,7 +4115,7 @@
           <p:cNvPr id="2" name="Title 1">
             <a:extLst>
               <a:ext uri="{FF2B5EF4-FFF2-40B4-BE49-F238E27FC236}">
-                <a16:creationId xmlns:a16="http://schemas.microsoft.com/office/drawing/2014/main" id="{933E1EA9-C24B-409B-B7A8-9663BAF3642E}"/>
+                <a16:creationId xmlns:a16="http://schemas.microsoft.com/office/drawing/2014/main" xmlns="" id="{933E1EA9-C24B-409B-B7A8-9663BAF3642E}"/>
               </a:ext>
             </a:extLst>
           </p:cNvPr>
@@ -4139,7 +4143,7 @@
           <p:cNvPr id="3" name="Content Placeholder 2">
             <a:extLst>
               <a:ext uri="{FF2B5EF4-FFF2-40B4-BE49-F238E27FC236}">
-                <a16:creationId xmlns:a16="http://schemas.microsoft.com/office/drawing/2014/main" id="{1C53E63B-9626-4581-89B4-03BC2CB42F6D}"/>
+                <a16:creationId xmlns:a16="http://schemas.microsoft.com/office/drawing/2014/main" xmlns="" id="{1C53E63B-9626-4581-89B4-03BC2CB42F6D}"/>
               </a:ext>
             </a:extLst>
           </p:cNvPr>
@@ -4270,7 +4274,7 @@
           <p:cNvPr id="4" name="TextBox 3">
             <a:extLst>
               <a:ext uri="{FF2B5EF4-FFF2-40B4-BE49-F238E27FC236}">
-                <a16:creationId xmlns:a16="http://schemas.microsoft.com/office/drawing/2014/main" id="{A5A3DC43-45DF-4B72-BBC8-0A03FEF1B6E3}"/>
+                <a16:creationId xmlns:a16="http://schemas.microsoft.com/office/drawing/2014/main" xmlns="" id="{A5A3DC43-45DF-4B72-BBC8-0A03FEF1B6E3}"/>
               </a:ext>
             </a:extLst>
           </p:cNvPr>
@@ -4309,7 +4313,7 @@
           <p:cNvPr id="5" name="TextBox 4">
             <a:extLst>
               <a:ext uri="{FF2B5EF4-FFF2-40B4-BE49-F238E27FC236}">
-                <a16:creationId xmlns:a16="http://schemas.microsoft.com/office/drawing/2014/main" id="{F1350DEA-3DC0-456A-AAB7-25BA355CF654}"/>
+                <a16:creationId xmlns:a16="http://schemas.microsoft.com/office/drawing/2014/main" xmlns="" id="{F1350DEA-3DC0-456A-AAB7-25BA355CF654}"/>
               </a:ext>
             </a:extLst>
           </p:cNvPr>
@@ -4374,7 +4378,7 @@
           <p:cNvPr id="2" name="Title 1">
             <a:extLst>
               <a:ext uri="{FF2B5EF4-FFF2-40B4-BE49-F238E27FC236}">
-                <a16:creationId xmlns:a16="http://schemas.microsoft.com/office/drawing/2014/main" id="{933E1EA9-C24B-409B-B7A8-9663BAF3642E}"/>
+                <a16:creationId xmlns:a16="http://schemas.microsoft.com/office/drawing/2014/main" xmlns="" id="{933E1EA9-C24B-409B-B7A8-9663BAF3642E}"/>
               </a:ext>
             </a:extLst>
           </p:cNvPr>
@@ -4402,7 +4406,7 @@
           <p:cNvPr id="9" name="Picture 8">
             <a:extLst>
               <a:ext uri="{FF2B5EF4-FFF2-40B4-BE49-F238E27FC236}">
-                <a16:creationId xmlns:a16="http://schemas.microsoft.com/office/drawing/2014/main" id="{0CCC1D4C-2FA4-4253-8858-6ED27540454F}"/>
+                <a16:creationId xmlns:a16="http://schemas.microsoft.com/office/drawing/2014/main" xmlns="" id="{0CCC1D4C-2FA4-4253-8858-6ED27540454F}"/>
               </a:ext>
             </a:extLst>
           </p:cNvPr>
@@ -4432,7 +4436,7 @@
           <p:cNvPr id="4" name="TextBox 3">
             <a:extLst>
               <a:ext uri="{FF2B5EF4-FFF2-40B4-BE49-F238E27FC236}">
-                <a16:creationId xmlns:a16="http://schemas.microsoft.com/office/drawing/2014/main" id="{D57027B0-3887-4965-BAB9-FDBE2FE26452}"/>
+                <a16:creationId xmlns:a16="http://schemas.microsoft.com/office/drawing/2014/main" xmlns="" id="{D57027B0-3887-4965-BAB9-FDBE2FE26452}"/>
               </a:ext>
             </a:extLst>
           </p:cNvPr>
@@ -4501,7 +4505,7 @@
           <p:cNvPr id="2" name="Title 1">
             <a:extLst>
               <a:ext uri="{FF2B5EF4-FFF2-40B4-BE49-F238E27FC236}">
-                <a16:creationId xmlns:a16="http://schemas.microsoft.com/office/drawing/2014/main" id="{933E1EA9-C24B-409B-B7A8-9663BAF3642E}"/>
+                <a16:creationId xmlns:a16="http://schemas.microsoft.com/office/drawing/2014/main" xmlns="" id="{933E1EA9-C24B-409B-B7A8-9663BAF3642E}"/>
               </a:ext>
             </a:extLst>
           </p:cNvPr>
@@ -4529,7 +4533,7 @@
           <p:cNvPr id="3" name="Picture 2">
             <a:extLst>
               <a:ext uri="{FF2B5EF4-FFF2-40B4-BE49-F238E27FC236}">
-                <a16:creationId xmlns:a16="http://schemas.microsoft.com/office/drawing/2014/main" id="{3CB08D18-88F6-4F5C-8961-AD569C2CE872}"/>
+                <a16:creationId xmlns:a16="http://schemas.microsoft.com/office/drawing/2014/main" xmlns="" id="{3CB08D18-88F6-4F5C-8961-AD569C2CE872}"/>
               </a:ext>
             </a:extLst>
           </p:cNvPr>
@@ -4559,7 +4563,7 @@
           <p:cNvPr id="4" name="TextBox 3">
             <a:extLst>
               <a:ext uri="{FF2B5EF4-FFF2-40B4-BE49-F238E27FC236}">
-                <a16:creationId xmlns:a16="http://schemas.microsoft.com/office/drawing/2014/main" id="{56F76920-8142-4832-892D-EA57F565EB91}"/>
+                <a16:creationId xmlns:a16="http://schemas.microsoft.com/office/drawing/2014/main" xmlns="" id="{56F76920-8142-4832-892D-EA57F565EB91}"/>
               </a:ext>
             </a:extLst>
           </p:cNvPr>
@@ -4628,7 +4632,7 @@
           <p:cNvPr id="2" name="Title 1">
             <a:extLst>
               <a:ext uri="{FF2B5EF4-FFF2-40B4-BE49-F238E27FC236}">
-                <a16:creationId xmlns:a16="http://schemas.microsoft.com/office/drawing/2014/main" id="{933E1EA9-C24B-409B-B7A8-9663BAF3642E}"/>
+                <a16:creationId xmlns:a16="http://schemas.microsoft.com/office/drawing/2014/main" xmlns="" id="{933E1EA9-C24B-409B-B7A8-9663BAF3642E}"/>
               </a:ext>
             </a:extLst>
           </p:cNvPr>
@@ -4656,7 +4660,7 @@
           <p:cNvPr id="4" name="TextBox 3">
             <a:extLst>
               <a:ext uri="{FF2B5EF4-FFF2-40B4-BE49-F238E27FC236}">
-                <a16:creationId xmlns:a16="http://schemas.microsoft.com/office/drawing/2014/main" id="{22A6A5B4-F85E-4CF4-8086-3ED442C0D30B}"/>
+                <a16:creationId xmlns:a16="http://schemas.microsoft.com/office/drawing/2014/main" xmlns="" id="{22A6A5B4-F85E-4CF4-8086-3ED442C0D30B}"/>
               </a:ext>
             </a:extLst>
           </p:cNvPr>
@@ -4695,7 +4699,7 @@
           <p:cNvPr id="5" name="Picture 4">
             <a:extLst>
               <a:ext uri="{FF2B5EF4-FFF2-40B4-BE49-F238E27FC236}">
-                <a16:creationId xmlns:a16="http://schemas.microsoft.com/office/drawing/2014/main" id="{2857DBC5-254B-4BA8-AA1E-5722F5750322}"/>
+                <a16:creationId xmlns:a16="http://schemas.microsoft.com/office/drawing/2014/main" xmlns="" id="{2857DBC5-254B-4BA8-AA1E-5722F5750322}"/>
               </a:ext>
             </a:extLst>
           </p:cNvPr>
@@ -4755,7 +4759,7 @@
           <p:cNvPr id="2" name="Title 1">
             <a:extLst>
               <a:ext uri="{FF2B5EF4-FFF2-40B4-BE49-F238E27FC236}">
-                <a16:creationId xmlns:a16="http://schemas.microsoft.com/office/drawing/2014/main" id="{933E1EA9-C24B-409B-B7A8-9663BAF3642E}"/>
+                <a16:creationId xmlns:a16="http://schemas.microsoft.com/office/drawing/2014/main" xmlns="" id="{933E1EA9-C24B-409B-B7A8-9663BAF3642E}"/>
               </a:ext>
             </a:extLst>
           </p:cNvPr>
@@ -4783,7 +4787,7 @@
           <p:cNvPr id="4" name="Picture 3">
             <a:extLst>
               <a:ext uri="{FF2B5EF4-FFF2-40B4-BE49-F238E27FC236}">
-                <a16:creationId xmlns:a16="http://schemas.microsoft.com/office/drawing/2014/main" id="{3930D237-D1AD-4E7E-9487-BE5EADC4F1CC}"/>
+                <a16:creationId xmlns:a16="http://schemas.microsoft.com/office/drawing/2014/main" xmlns="" id="{3930D237-D1AD-4E7E-9487-BE5EADC4F1CC}"/>
               </a:ext>
             </a:extLst>
           </p:cNvPr>
@@ -4813,7 +4817,7 @@
           <p:cNvPr id="5" name="TextBox 4">
             <a:extLst>
               <a:ext uri="{FF2B5EF4-FFF2-40B4-BE49-F238E27FC236}">
-                <a16:creationId xmlns:a16="http://schemas.microsoft.com/office/drawing/2014/main" id="{A93463F9-F464-4D7E-9306-B6B1E300BADA}"/>
+                <a16:creationId xmlns:a16="http://schemas.microsoft.com/office/drawing/2014/main" xmlns="" id="{A93463F9-F464-4D7E-9306-B6B1E300BADA}"/>
               </a:ext>
             </a:extLst>
           </p:cNvPr>
@@ -4882,7 +4886,7 @@
           <p:cNvPr id="2" name="Title 1">
             <a:extLst>
               <a:ext uri="{FF2B5EF4-FFF2-40B4-BE49-F238E27FC236}">
-                <a16:creationId xmlns:a16="http://schemas.microsoft.com/office/drawing/2014/main" id="{933E1EA9-C24B-409B-B7A8-9663BAF3642E}"/>
+                <a16:creationId xmlns:a16="http://schemas.microsoft.com/office/drawing/2014/main" xmlns="" id="{933E1EA9-C24B-409B-B7A8-9663BAF3642E}"/>
               </a:ext>
             </a:extLst>
           </p:cNvPr>
@@ -4910,7 +4914,7 @@
           <p:cNvPr id="7" name="Picture 6">
             <a:extLst>
               <a:ext uri="{FF2B5EF4-FFF2-40B4-BE49-F238E27FC236}">
-                <a16:creationId xmlns:a16="http://schemas.microsoft.com/office/drawing/2014/main" id="{A590EDE2-2C54-488C-8535-F2F0BF043BA5}"/>
+                <a16:creationId xmlns:a16="http://schemas.microsoft.com/office/drawing/2014/main" xmlns="" id="{A590EDE2-2C54-488C-8535-F2F0BF043BA5}"/>
               </a:ext>
             </a:extLst>
           </p:cNvPr>
@@ -4927,7 +4931,7 @@
         </p:blipFill>
         <p:spPr>
           <a:xfrm>
-            <a:off x="727530" y="1920109"/>
+            <a:off x="727530" y="1729609"/>
             <a:ext cx="5802000" cy="4223516"/>
           </a:xfrm>
           <a:prstGeom prst="rect">
@@ -4940,7 +4944,7 @@
           <p:cNvPr id="8" name="Picture 7">
             <a:extLst>
               <a:ext uri="{FF2B5EF4-FFF2-40B4-BE49-F238E27FC236}">
-                <a16:creationId xmlns:a16="http://schemas.microsoft.com/office/drawing/2014/main" id="{9B7341E1-839C-46B3-9842-CCC2BB3F5263}"/>
+                <a16:creationId xmlns:a16="http://schemas.microsoft.com/office/drawing/2014/main" xmlns="" id="{9B7341E1-839C-46B3-9842-CCC2BB3F5263}"/>
               </a:ext>
             </a:extLst>
           </p:cNvPr>
@@ -4957,7 +4961,7 @@
         </p:blipFill>
         <p:spPr>
           <a:xfrm>
-            <a:off x="6423480" y="2024883"/>
+            <a:off x="6407605" y="1866133"/>
             <a:ext cx="5658067" cy="4118741"/>
           </a:xfrm>
           <a:prstGeom prst="rect">
@@ -4970,7 +4974,7 @@
           <p:cNvPr id="9" name="TextBox 8">
             <a:extLst>
               <a:ext uri="{FF2B5EF4-FFF2-40B4-BE49-F238E27FC236}">
-                <a16:creationId xmlns:a16="http://schemas.microsoft.com/office/drawing/2014/main" id="{5CA72907-DEF0-4128-9AAF-11E2AEBA8F3C}"/>
+                <a16:creationId xmlns:a16="http://schemas.microsoft.com/office/drawing/2014/main" xmlns="" id="{5CA72907-DEF0-4128-9AAF-11E2AEBA8F3C}"/>
               </a:ext>
             </a:extLst>
           </p:cNvPr>
@@ -4979,7 +4983,7 @@
         </p:nvSpPr>
         <p:spPr>
           <a:xfrm>
-            <a:off x="1045028" y="5966284"/>
+            <a:off x="1029153" y="5807534"/>
             <a:ext cx="10780889" cy="923330"/>
           </a:xfrm>
           <a:prstGeom prst="rect">
@@ -4999,8 +5003,37 @@
                   <a:srgbClr val="FF0000"/>
                 </a:solidFill>
               </a:rPr>
-              <a:t>Take-Aways:  Focus on the roles where the bar is shorter and a different color.  The shorter bar shows that income was lower (driver); but…why:  the education prevents them from achieving success or perhaps they are in high demand.</a:t>
-            </a:r>
+              <a:t>Take-Aways:  Focus on the roles where the bar is shorter and a different color.  The shorter bar shows that income was lower (driver); but…why:  the education prevents them from achieving success or perhaps they are in high demand</a:t>
+            </a:r>
+            <a:r>
+              <a:rPr lang="en-US" dirty="0" smtClean="0">
+                <a:solidFill>
+                  <a:srgbClr val="FF0000"/>
+                </a:solidFill>
+              </a:rPr>
+              <a:t>. 	</a:t>
+            </a:r>
+            <a:r>
+              <a:rPr lang="en-US" dirty="0" smtClean="0">
+                <a:solidFill>
+                  <a:srgbClr val="FF0000"/>
+                </a:solidFill>
+              </a:rPr>
+              <a:t>Represents positions to </a:t>
+            </a:r>
+            <a:r>
+              <a:rPr lang="en-US" smtClean="0">
+                <a:solidFill>
+                  <a:srgbClr val="FF0000"/>
+                </a:solidFill>
+              </a:rPr>
+              <a:t>be investigated.</a:t>
+            </a:r>
+            <a:endParaRPr lang="en-US" dirty="0">
+              <a:solidFill>
+                <a:srgbClr val="FF0000"/>
+              </a:solidFill>
+            </a:endParaRPr>
           </a:p>
         </p:txBody>
       </p:sp>
@@ -5009,7 +5042,7 @@
           <p:cNvPr id="11" name="Star: 5 Points 10">
             <a:extLst>
               <a:ext uri="{FF2B5EF4-FFF2-40B4-BE49-F238E27FC236}">
-                <a16:creationId xmlns:a16="http://schemas.microsoft.com/office/drawing/2014/main" id="{9163B2BA-8CC8-435D-B533-4C808127C7D3}"/>
+                <a16:creationId xmlns:a16="http://schemas.microsoft.com/office/drawing/2014/main" xmlns="" id="{9163B2BA-8CC8-435D-B533-4C808127C7D3}"/>
               </a:ext>
             </a:extLst>
           </p:cNvPr>
@@ -5058,7 +5091,7 @@
           <p:cNvPr id="12" name="Star: 5 Points 11">
             <a:extLst>
               <a:ext uri="{FF2B5EF4-FFF2-40B4-BE49-F238E27FC236}">
-                <a16:creationId xmlns:a16="http://schemas.microsoft.com/office/drawing/2014/main" id="{3C659F02-CE04-4DF5-B7DA-09C26B11C777}"/>
+                <a16:creationId xmlns:a16="http://schemas.microsoft.com/office/drawing/2014/main" xmlns="" id="{3C659F02-CE04-4DF5-B7DA-09C26B11C777}"/>
               </a:ext>
             </a:extLst>
           </p:cNvPr>
@@ -5107,7 +5140,7 @@
           <p:cNvPr id="13" name="Star: 5 Points 12">
             <a:extLst>
               <a:ext uri="{FF2B5EF4-FFF2-40B4-BE49-F238E27FC236}">
-                <a16:creationId xmlns:a16="http://schemas.microsoft.com/office/drawing/2014/main" id="{21EF4DA5-7557-4DB2-BEEA-66125C397184}"/>
+                <a16:creationId xmlns:a16="http://schemas.microsoft.com/office/drawing/2014/main" xmlns="" id="{21EF4DA5-7557-4DB2-BEEA-66125C397184}"/>
               </a:ext>
             </a:extLst>
           </p:cNvPr>
@@ -5156,7 +5189,7 @@
           <p:cNvPr id="14" name="Star: 5 Points 13">
             <a:extLst>
               <a:ext uri="{FF2B5EF4-FFF2-40B4-BE49-F238E27FC236}">
-                <a16:creationId xmlns:a16="http://schemas.microsoft.com/office/drawing/2014/main" id="{64D3A8B2-3434-4128-A588-526514EF4139}"/>
+                <a16:creationId xmlns:a16="http://schemas.microsoft.com/office/drawing/2014/main" xmlns="" id="{64D3A8B2-3434-4128-A588-526514EF4139}"/>
               </a:ext>
             </a:extLst>
           </p:cNvPr>
@@ -5205,7 +5238,7 @@
           <p:cNvPr id="16" name="Star: 5 Points 15">
             <a:extLst>
               <a:ext uri="{FF2B5EF4-FFF2-40B4-BE49-F238E27FC236}">
-                <a16:creationId xmlns:a16="http://schemas.microsoft.com/office/drawing/2014/main" id="{B3C08EC4-E065-4FAF-BDBB-3691D9AD93C0}"/>
+                <a16:creationId xmlns:a16="http://schemas.microsoft.com/office/drawing/2014/main" xmlns="" id="{B3C08EC4-E065-4FAF-BDBB-3691D9AD93C0}"/>
               </a:ext>
             </a:extLst>
           </p:cNvPr>
@@ -5215,6 +5248,55 @@
         <p:spPr>
           <a:xfrm>
             <a:off x="1867468" y="3928452"/>
+            <a:ext cx="174172" cy="206829"/>
+          </a:xfrm>
+          <a:prstGeom prst="star5">
+            <a:avLst/>
+          </a:prstGeom>
+          <a:solidFill>
+            <a:srgbClr val="C00000"/>
+          </a:solidFill>
+        </p:spPr>
+        <p:style>
+          <a:lnRef idx="2">
+            <a:schemeClr val="accent1">
+              <a:shade val="50000"/>
+            </a:schemeClr>
+          </a:lnRef>
+          <a:fillRef idx="1">
+            <a:schemeClr val="accent1"/>
+          </a:fillRef>
+          <a:effectRef idx="0">
+            <a:schemeClr val="accent1"/>
+          </a:effectRef>
+          <a:fontRef idx="minor">
+            <a:schemeClr val="lt1"/>
+          </a:fontRef>
+        </p:style>
+        <p:txBody>
+          <a:bodyPr rtlCol="0" anchor="ctr"/>
+          <a:lstStyle/>
+          <a:p>
+            <a:pPr algn="ctr"/>
+            <a:endParaRPr lang="en-US"/>
+          </a:p>
+        </p:txBody>
+      </p:sp>
+      <p:sp>
+        <p:nvSpPr>
+          <p:cNvPr id="15" name="Star: 5 Points 12">
+            <a:extLst>
+              <a:ext uri="{FF2B5EF4-FFF2-40B4-BE49-F238E27FC236}">
+                <a16:creationId xmlns:a16="http://schemas.microsoft.com/office/drawing/2014/main" xmlns="" id="{21EF4DA5-7557-4DB2-BEEA-66125C397184}"/>
+              </a:ext>
+            </a:extLst>
+          </p:cNvPr>
+          <p:cNvSpPr/>
+          <p:nvPr/>
+        </p:nvSpPr>
+        <p:spPr>
+          <a:xfrm>
+            <a:off x="2556330" y="6395199"/>
             <a:ext cx="174172" cy="206829"/>
           </a:xfrm>
           <a:prstGeom prst="star5">
@@ -5284,7 +5366,7 @@
           <p:cNvPr id="2" name="Title 1">
             <a:extLst>
               <a:ext uri="{FF2B5EF4-FFF2-40B4-BE49-F238E27FC236}">
-                <a16:creationId xmlns:a16="http://schemas.microsoft.com/office/drawing/2014/main" id="{933E1EA9-C24B-409B-B7A8-9663BAF3642E}"/>
+                <a16:creationId xmlns:a16="http://schemas.microsoft.com/office/drawing/2014/main" xmlns="" id="{933E1EA9-C24B-409B-B7A8-9663BAF3642E}"/>
               </a:ext>
             </a:extLst>
           </p:cNvPr>
@@ -5317,7 +5399,7 @@
           <p:cNvPr id="4" name="Picture 3">
             <a:extLst>
               <a:ext uri="{FF2B5EF4-FFF2-40B4-BE49-F238E27FC236}">
-                <a16:creationId xmlns:a16="http://schemas.microsoft.com/office/drawing/2014/main" id="{2E01B3E7-02C1-431B-9AC0-F922C005EDDC}"/>
+                <a16:creationId xmlns:a16="http://schemas.microsoft.com/office/drawing/2014/main" xmlns="" id="{2E01B3E7-02C1-431B-9AC0-F922C005EDDC}"/>
               </a:ext>
             </a:extLst>
           </p:cNvPr>
@@ -5347,7 +5429,7 @@
           <p:cNvPr id="5" name="Picture 4">
             <a:extLst>
               <a:ext uri="{FF2B5EF4-FFF2-40B4-BE49-F238E27FC236}">
-                <a16:creationId xmlns:a16="http://schemas.microsoft.com/office/drawing/2014/main" id="{8E9942E1-10AC-40E8-B753-59F212247934}"/>
+                <a16:creationId xmlns:a16="http://schemas.microsoft.com/office/drawing/2014/main" xmlns="" id="{8E9942E1-10AC-40E8-B753-59F212247934}"/>
               </a:ext>
             </a:extLst>
           </p:cNvPr>
@@ -5377,7 +5459,7 @@
           <p:cNvPr id="6" name="Picture 5">
             <a:extLst>
               <a:ext uri="{FF2B5EF4-FFF2-40B4-BE49-F238E27FC236}">
-                <a16:creationId xmlns:a16="http://schemas.microsoft.com/office/drawing/2014/main" id="{BAC36BA0-C6AE-4F04-A59F-CA59068E0BD9}"/>
+                <a16:creationId xmlns:a16="http://schemas.microsoft.com/office/drawing/2014/main" xmlns="" id="{BAC36BA0-C6AE-4F04-A59F-CA59068E0BD9}"/>
               </a:ext>
             </a:extLst>
           </p:cNvPr>
@@ -5407,7 +5489,7 @@
           <p:cNvPr id="7" name="Picture 6">
             <a:extLst>
               <a:ext uri="{FF2B5EF4-FFF2-40B4-BE49-F238E27FC236}">
-                <a16:creationId xmlns:a16="http://schemas.microsoft.com/office/drawing/2014/main" id="{48EC63E8-EE79-4CA7-BB81-5B86CFE1DF87}"/>
+                <a16:creationId xmlns:a16="http://schemas.microsoft.com/office/drawing/2014/main" xmlns="" id="{48EC63E8-EE79-4CA7-BB81-5B86CFE1DF87}"/>
               </a:ext>
             </a:extLst>
           </p:cNvPr>
@@ -5437,7 +5519,7 @@
           <p:cNvPr id="8" name="Picture 7">
             <a:extLst>
               <a:ext uri="{FF2B5EF4-FFF2-40B4-BE49-F238E27FC236}">
-                <a16:creationId xmlns:a16="http://schemas.microsoft.com/office/drawing/2014/main" id="{0407017D-B47F-4A3A-BDE8-D98C5EE3E990}"/>
+                <a16:creationId xmlns:a16="http://schemas.microsoft.com/office/drawing/2014/main" xmlns="" id="{0407017D-B47F-4A3A-BDE8-D98C5EE3E990}"/>
               </a:ext>
             </a:extLst>
           </p:cNvPr>
@@ -5467,7 +5549,7 @@
           <p:cNvPr id="9" name="Picture 8">
             <a:extLst>
               <a:ext uri="{FF2B5EF4-FFF2-40B4-BE49-F238E27FC236}">
-                <a16:creationId xmlns:a16="http://schemas.microsoft.com/office/drawing/2014/main" id="{43C2FF04-7A1D-4F72-8F90-EBFF45E7FFA5}"/>
+                <a16:creationId xmlns:a16="http://schemas.microsoft.com/office/drawing/2014/main" xmlns="" id="{43C2FF04-7A1D-4F72-8F90-EBFF45E7FFA5}"/>
               </a:ext>
             </a:extLst>
           </p:cNvPr>
@@ -5497,7 +5579,7 @@
           <p:cNvPr id="10" name="Picture 9">
             <a:extLst>
               <a:ext uri="{FF2B5EF4-FFF2-40B4-BE49-F238E27FC236}">
-                <a16:creationId xmlns:a16="http://schemas.microsoft.com/office/drawing/2014/main" id="{263A1AC9-E434-4F9F-B9D9-B9D7FA0E84B1}"/>
+                <a16:creationId xmlns:a16="http://schemas.microsoft.com/office/drawing/2014/main" xmlns="" id="{263A1AC9-E434-4F9F-B9D9-B9D7FA0E84B1}"/>
               </a:ext>
             </a:extLst>
           </p:cNvPr>
@@ -5527,7 +5609,7 @@
           <p:cNvPr id="11" name="Picture 10">
             <a:extLst>
               <a:ext uri="{FF2B5EF4-FFF2-40B4-BE49-F238E27FC236}">
-                <a16:creationId xmlns:a16="http://schemas.microsoft.com/office/drawing/2014/main" id="{3B15839E-E5C7-4A38-A655-237ABE5824FF}"/>
+                <a16:creationId xmlns:a16="http://schemas.microsoft.com/office/drawing/2014/main" xmlns="" id="{3B15839E-E5C7-4A38-A655-237ABE5824FF}"/>
               </a:ext>
             </a:extLst>
           </p:cNvPr>
@@ -5557,7 +5639,7 @@
           <p:cNvPr id="12" name="Picture 11">
             <a:extLst>
               <a:ext uri="{FF2B5EF4-FFF2-40B4-BE49-F238E27FC236}">
-                <a16:creationId xmlns:a16="http://schemas.microsoft.com/office/drawing/2014/main" id="{AE0BEBCF-53CB-44A3-A624-2BEEB78AC6DF}"/>
+                <a16:creationId xmlns:a16="http://schemas.microsoft.com/office/drawing/2014/main" xmlns="" id="{AE0BEBCF-53CB-44A3-A624-2BEEB78AC6DF}"/>
               </a:ext>
             </a:extLst>
           </p:cNvPr>
@@ -5587,7 +5669,7 @@
           <p:cNvPr id="3" name="Oval 2">
             <a:extLst>
               <a:ext uri="{FF2B5EF4-FFF2-40B4-BE49-F238E27FC236}">
-                <a16:creationId xmlns:a16="http://schemas.microsoft.com/office/drawing/2014/main" id="{FFD4C8A9-831F-44FB-8442-A259C312CEBF}"/>
+                <a16:creationId xmlns:a16="http://schemas.microsoft.com/office/drawing/2014/main" xmlns="" id="{FFD4C8A9-831F-44FB-8442-A259C312CEBF}"/>
               </a:ext>
             </a:extLst>
           </p:cNvPr>
@@ -5639,7 +5721,7 @@
           <p:cNvPr id="13" name="Oval 12">
             <a:extLst>
               <a:ext uri="{FF2B5EF4-FFF2-40B4-BE49-F238E27FC236}">
-                <a16:creationId xmlns:a16="http://schemas.microsoft.com/office/drawing/2014/main" id="{FA68E411-76CB-4F53-ADCF-8799B38CAE59}"/>
+                <a16:creationId xmlns:a16="http://schemas.microsoft.com/office/drawing/2014/main" xmlns="" id="{FA68E411-76CB-4F53-ADCF-8799B38CAE59}"/>
               </a:ext>
             </a:extLst>
           </p:cNvPr>
@@ -5721,7 +5803,7 @@
           <p:cNvPr id="2" name="Title 1">
             <a:extLst>
               <a:ext uri="{FF2B5EF4-FFF2-40B4-BE49-F238E27FC236}">
-                <a16:creationId xmlns:a16="http://schemas.microsoft.com/office/drawing/2014/main" id="{933E1EA9-C24B-409B-B7A8-9663BAF3642E}"/>
+                <a16:creationId xmlns:a16="http://schemas.microsoft.com/office/drawing/2014/main" xmlns="" id="{933E1EA9-C24B-409B-B7A8-9663BAF3642E}"/>
               </a:ext>
             </a:extLst>
           </p:cNvPr>
@@ -5749,7 +5831,7 @@
           <p:cNvPr id="3" name="Content Placeholder 2">
             <a:extLst>
               <a:ext uri="{FF2B5EF4-FFF2-40B4-BE49-F238E27FC236}">
-                <a16:creationId xmlns:a16="http://schemas.microsoft.com/office/drawing/2014/main" id="{1C53E63B-9626-4581-89B4-03BC2CB42F6D}"/>
+                <a16:creationId xmlns:a16="http://schemas.microsoft.com/office/drawing/2014/main" xmlns="" id="{1C53E63B-9626-4581-89B4-03BC2CB42F6D}"/>
               </a:ext>
             </a:extLst>
           </p:cNvPr>
@@ -5939,7 +6021,7 @@
           <p:cNvPr id="2" name="Title 1">
             <a:extLst>
               <a:ext uri="{FF2B5EF4-FFF2-40B4-BE49-F238E27FC236}">
-                <a16:creationId xmlns:a16="http://schemas.microsoft.com/office/drawing/2014/main" id="{933E1EA9-C24B-409B-B7A8-9663BAF3642E}"/>
+                <a16:creationId xmlns:a16="http://schemas.microsoft.com/office/drawing/2014/main" xmlns="" id="{933E1EA9-C24B-409B-B7A8-9663BAF3642E}"/>
               </a:ext>
             </a:extLst>
           </p:cNvPr>
@@ -5967,7 +6049,7 @@
           <p:cNvPr id="3" name="Content Placeholder 2">
             <a:extLst>
               <a:ext uri="{FF2B5EF4-FFF2-40B4-BE49-F238E27FC236}">
-                <a16:creationId xmlns:a16="http://schemas.microsoft.com/office/drawing/2014/main" id="{1C53E63B-9626-4581-89B4-03BC2CB42F6D}"/>
+                <a16:creationId xmlns:a16="http://schemas.microsoft.com/office/drawing/2014/main" xmlns="" id="{1C53E63B-9626-4581-89B4-03BC2CB42F6D}"/>
               </a:ext>
             </a:extLst>
           </p:cNvPr>
@@ -6077,7 +6159,7 @@
           <p:cNvPr id="2" name="Title 1">
             <a:extLst>
               <a:ext uri="{FF2B5EF4-FFF2-40B4-BE49-F238E27FC236}">
-                <a16:creationId xmlns:a16="http://schemas.microsoft.com/office/drawing/2014/main" id="{933E1EA9-C24B-409B-B7A8-9663BAF3642E}"/>
+                <a16:creationId xmlns:a16="http://schemas.microsoft.com/office/drawing/2014/main" xmlns="" id="{933E1EA9-C24B-409B-B7A8-9663BAF3642E}"/>
               </a:ext>
             </a:extLst>
           </p:cNvPr>
@@ -6105,7 +6187,7 @@
           <p:cNvPr id="3" name="Content Placeholder 2">
             <a:extLst>
               <a:ext uri="{FF2B5EF4-FFF2-40B4-BE49-F238E27FC236}">
-                <a16:creationId xmlns:a16="http://schemas.microsoft.com/office/drawing/2014/main" id="{1C53E63B-9626-4581-89B4-03BC2CB42F6D}"/>
+                <a16:creationId xmlns:a16="http://schemas.microsoft.com/office/drawing/2014/main" xmlns="" id="{1C53E63B-9626-4581-89B4-03BC2CB42F6D}"/>
               </a:ext>
             </a:extLst>
           </p:cNvPr>
@@ -6252,7 +6334,7 @@
           <p:cNvPr id="2" name="Title 1">
             <a:extLst>
               <a:ext uri="{FF2B5EF4-FFF2-40B4-BE49-F238E27FC236}">
-                <a16:creationId xmlns:a16="http://schemas.microsoft.com/office/drawing/2014/main" id="{933E1EA9-C24B-409B-B7A8-9663BAF3642E}"/>
+                <a16:creationId xmlns:a16="http://schemas.microsoft.com/office/drawing/2014/main" xmlns="" id="{933E1EA9-C24B-409B-B7A8-9663BAF3642E}"/>
               </a:ext>
             </a:extLst>
           </p:cNvPr>
@@ -6280,7 +6362,7 @@
           <p:cNvPr id="3" name="Content Placeholder 2">
             <a:extLst>
               <a:ext uri="{FF2B5EF4-FFF2-40B4-BE49-F238E27FC236}">
-                <a16:creationId xmlns:a16="http://schemas.microsoft.com/office/drawing/2014/main" id="{1C53E63B-9626-4581-89B4-03BC2CB42F6D}"/>
+                <a16:creationId xmlns:a16="http://schemas.microsoft.com/office/drawing/2014/main" xmlns="" id="{1C53E63B-9626-4581-89B4-03BC2CB42F6D}"/>
               </a:ext>
             </a:extLst>
           </p:cNvPr>
@@ -6450,7 +6532,7 @@
           <p:cNvPr id="2" name="Title 1">
             <a:extLst>
               <a:ext uri="{FF2B5EF4-FFF2-40B4-BE49-F238E27FC236}">
-                <a16:creationId xmlns:a16="http://schemas.microsoft.com/office/drawing/2014/main" id="{933E1EA9-C24B-409B-B7A8-9663BAF3642E}"/>
+                <a16:creationId xmlns:a16="http://schemas.microsoft.com/office/drawing/2014/main" xmlns="" id="{933E1EA9-C24B-409B-B7A8-9663BAF3642E}"/>
               </a:ext>
             </a:extLst>
           </p:cNvPr>
@@ -6478,7 +6560,7 @@
           <p:cNvPr id="7" name="Picture 6">
             <a:extLst>
               <a:ext uri="{FF2B5EF4-FFF2-40B4-BE49-F238E27FC236}">
-                <a16:creationId xmlns:a16="http://schemas.microsoft.com/office/drawing/2014/main" id="{F30296AA-5BC7-48DF-B58C-617B50DCE12A}"/>
+                <a16:creationId xmlns:a16="http://schemas.microsoft.com/office/drawing/2014/main" xmlns="" id="{F30296AA-5BC7-48DF-B58C-617B50DCE12A}"/>
               </a:ext>
             </a:extLst>
           </p:cNvPr>
@@ -6508,7 +6590,7 @@
           <p:cNvPr id="8" name="Picture 7">
             <a:extLst>
               <a:ext uri="{FF2B5EF4-FFF2-40B4-BE49-F238E27FC236}">
-                <a16:creationId xmlns:a16="http://schemas.microsoft.com/office/drawing/2014/main" id="{68338238-C6FD-473D-A43D-5F1663352DD3}"/>
+                <a16:creationId xmlns:a16="http://schemas.microsoft.com/office/drawing/2014/main" xmlns="" id="{68338238-C6FD-473D-A43D-5F1663352DD3}"/>
               </a:ext>
             </a:extLst>
           </p:cNvPr>
@@ -6568,7 +6650,7 @@
           <p:cNvPr id="2" name="Title 1">
             <a:extLst>
               <a:ext uri="{FF2B5EF4-FFF2-40B4-BE49-F238E27FC236}">
-                <a16:creationId xmlns:a16="http://schemas.microsoft.com/office/drawing/2014/main" id="{933E1EA9-C24B-409B-B7A8-9663BAF3642E}"/>
+                <a16:creationId xmlns:a16="http://schemas.microsoft.com/office/drawing/2014/main" xmlns="" id="{933E1EA9-C24B-409B-B7A8-9663BAF3642E}"/>
               </a:ext>
             </a:extLst>
           </p:cNvPr>
@@ -6596,7 +6678,7 @@
           <p:cNvPr id="3" name="Content Placeholder 2">
             <a:extLst>
               <a:ext uri="{FF2B5EF4-FFF2-40B4-BE49-F238E27FC236}">
-                <a16:creationId xmlns:a16="http://schemas.microsoft.com/office/drawing/2014/main" id="{1C53E63B-9626-4581-89B4-03BC2CB42F6D}"/>
+                <a16:creationId xmlns:a16="http://schemas.microsoft.com/office/drawing/2014/main" xmlns="" id="{1C53E63B-9626-4581-89B4-03BC2CB42F6D}"/>
               </a:ext>
             </a:extLst>
           </p:cNvPr>
@@ -6711,7 +6793,7 @@
           <p:cNvPr id="2" name="Title 1">
             <a:extLst>
               <a:ext uri="{FF2B5EF4-FFF2-40B4-BE49-F238E27FC236}">
-                <a16:creationId xmlns:a16="http://schemas.microsoft.com/office/drawing/2014/main" id="{933E1EA9-C24B-409B-B7A8-9663BAF3642E}"/>
+                <a16:creationId xmlns:a16="http://schemas.microsoft.com/office/drawing/2014/main" xmlns="" id="{933E1EA9-C24B-409B-B7A8-9663BAF3642E}"/>
               </a:ext>
             </a:extLst>
           </p:cNvPr>
@@ -6739,7 +6821,7 @@
           <p:cNvPr id="3" name="Content Placeholder 2">
             <a:extLst>
               <a:ext uri="{FF2B5EF4-FFF2-40B4-BE49-F238E27FC236}">
-                <a16:creationId xmlns:a16="http://schemas.microsoft.com/office/drawing/2014/main" id="{1C53E63B-9626-4581-89B4-03BC2CB42F6D}"/>
+                <a16:creationId xmlns:a16="http://schemas.microsoft.com/office/drawing/2014/main" xmlns="" id="{1C53E63B-9626-4581-89B4-03BC2CB42F6D}"/>
               </a:ext>
             </a:extLst>
           </p:cNvPr>
@@ -6897,7 +6979,7 @@
           <p:cNvPr id="2" name="Title 1">
             <a:extLst>
               <a:ext uri="{FF2B5EF4-FFF2-40B4-BE49-F238E27FC236}">
-                <a16:creationId xmlns:a16="http://schemas.microsoft.com/office/drawing/2014/main" id="{933E1EA9-C24B-409B-B7A8-9663BAF3642E}"/>
+                <a16:creationId xmlns:a16="http://schemas.microsoft.com/office/drawing/2014/main" xmlns="" id="{933E1EA9-C24B-409B-B7A8-9663BAF3642E}"/>
               </a:ext>
             </a:extLst>
           </p:cNvPr>
@@ -6925,7 +7007,7 @@
           <p:cNvPr id="3" name="Content Placeholder 2">
             <a:extLst>
               <a:ext uri="{FF2B5EF4-FFF2-40B4-BE49-F238E27FC236}">
-                <a16:creationId xmlns:a16="http://schemas.microsoft.com/office/drawing/2014/main" id="{1C53E63B-9626-4581-89B4-03BC2CB42F6D}"/>
+                <a16:creationId xmlns:a16="http://schemas.microsoft.com/office/drawing/2014/main" xmlns="" id="{1C53E63B-9626-4581-89B4-03BC2CB42F6D}"/>
               </a:ext>
             </a:extLst>
           </p:cNvPr>
@@ -7084,7 +7166,7 @@
           <p:cNvPr id="2" name="Title 1">
             <a:extLst>
               <a:ext uri="{FF2B5EF4-FFF2-40B4-BE49-F238E27FC236}">
-                <a16:creationId xmlns:a16="http://schemas.microsoft.com/office/drawing/2014/main" id="{933E1EA9-C24B-409B-B7A8-9663BAF3642E}"/>
+                <a16:creationId xmlns:a16="http://schemas.microsoft.com/office/drawing/2014/main" xmlns="" id="{933E1EA9-C24B-409B-B7A8-9663BAF3642E}"/>
               </a:ext>
             </a:extLst>
           </p:cNvPr>
@@ -7112,7 +7194,7 @@
           <p:cNvPr id="3" name="Content Placeholder 2">
             <a:extLst>
               <a:ext uri="{FF2B5EF4-FFF2-40B4-BE49-F238E27FC236}">
-                <a16:creationId xmlns:a16="http://schemas.microsoft.com/office/drawing/2014/main" id="{1C53E63B-9626-4581-89B4-03BC2CB42F6D}"/>
+                <a16:creationId xmlns:a16="http://schemas.microsoft.com/office/drawing/2014/main" xmlns="" id="{1C53E63B-9626-4581-89B4-03BC2CB42F6D}"/>
               </a:ext>
             </a:extLst>
           </p:cNvPr>
@@ -7301,7 +7383,7 @@
           <p:cNvPr id="4" name="TextBox 3">
             <a:extLst>
               <a:ext uri="{FF2B5EF4-FFF2-40B4-BE49-F238E27FC236}">
-                <a16:creationId xmlns:a16="http://schemas.microsoft.com/office/drawing/2014/main" id="{C3747AE4-ECFB-48B2-B65B-992928E9BAFC}"/>
+                <a16:creationId xmlns:a16="http://schemas.microsoft.com/office/drawing/2014/main" xmlns="" id="{C3747AE4-ECFB-48B2-B65B-992928E9BAFC}"/>
               </a:ext>
             </a:extLst>
           </p:cNvPr>
@@ -7374,7 +7456,7 @@
           <p:cNvPr id="2" name="Title 1">
             <a:extLst>
               <a:ext uri="{FF2B5EF4-FFF2-40B4-BE49-F238E27FC236}">
-                <a16:creationId xmlns:a16="http://schemas.microsoft.com/office/drawing/2014/main" id="{933E1EA9-C24B-409B-B7A8-9663BAF3642E}"/>
+                <a16:creationId xmlns:a16="http://schemas.microsoft.com/office/drawing/2014/main" xmlns="" id="{933E1EA9-C24B-409B-B7A8-9663BAF3642E}"/>
               </a:ext>
             </a:extLst>
           </p:cNvPr>
@@ -7402,7 +7484,7 @@
           <p:cNvPr id="3" name="Content Placeholder 2">
             <a:extLst>
               <a:ext uri="{FF2B5EF4-FFF2-40B4-BE49-F238E27FC236}">
-                <a16:creationId xmlns:a16="http://schemas.microsoft.com/office/drawing/2014/main" id="{1C53E63B-9626-4581-89B4-03BC2CB42F6D}"/>
+                <a16:creationId xmlns:a16="http://schemas.microsoft.com/office/drawing/2014/main" xmlns="" id="{1C53E63B-9626-4581-89B4-03BC2CB42F6D}"/>
               </a:ext>
             </a:extLst>
           </p:cNvPr>
@@ -7688,7 +7770,7 @@
           <p:cNvPr id="2" name="Title 1">
             <a:extLst>
               <a:ext uri="{FF2B5EF4-FFF2-40B4-BE49-F238E27FC236}">
-                <a16:creationId xmlns:a16="http://schemas.microsoft.com/office/drawing/2014/main" id="{933E1EA9-C24B-409B-B7A8-9663BAF3642E}"/>
+                <a16:creationId xmlns:a16="http://schemas.microsoft.com/office/drawing/2014/main" xmlns="" id="{933E1EA9-C24B-409B-B7A8-9663BAF3642E}"/>
               </a:ext>
             </a:extLst>
           </p:cNvPr>
@@ -7716,7 +7798,7 @@
           <p:cNvPr id="3" name="Content Placeholder 2">
             <a:extLst>
               <a:ext uri="{FF2B5EF4-FFF2-40B4-BE49-F238E27FC236}">
-                <a16:creationId xmlns:a16="http://schemas.microsoft.com/office/drawing/2014/main" id="{1C53E63B-9626-4581-89B4-03BC2CB42F6D}"/>
+                <a16:creationId xmlns:a16="http://schemas.microsoft.com/office/drawing/2014/main" xmlns="" id="{1C53E63B-9626-4581-89B4-03BC2CB42F6D}"/>
               </a:ext>
             </a:extLst>
           </p:cNvPr>
@@ -7782,7 +7864,7 @@
           <p:cNvPr id="4" name="Picture 3">
             <a:extLst>
               <a:ext uri="{FF2B5EF4-FFF2-40B4-BE49-F238E27FC236}">
-                <a16:creationId xmlns:a16="http://schemas.microsoft.com/office/drawing/2014/main" id="{8D1F52CF-7635-49F1-A288-F2F139858822}"/>
+                <a16:creationId xmlns:a16="http://schemas.microsoft.com/office/drawing/2014/main" xmlns="" id="{8D1F52CF-7635-49F1-A288-F2F139858822}"/>
               </a:ext>
             </a:extLst>
           </p:cNvPr>
@@ -7812,7 +7894,7 @@
           <p:cNvPr id="5" name="Picture 4">
             <a:extLst>
               <a:ext uri="{FF2B5EF4-FFF2-40B4-BE49-F238E27FC236}">
-                <a16:creationId xmlns:a16="http://schemas.microsoft.com/office/drawing/2014/main" id="{B747D472-3AD3-4C0A-BDFD-D4801561D975}"/>
+                <a16:creationId xmlns:a16="http://schemas.microsoft.com/office/drawing/2014/main" xmlns="" id="{B747D472-3AD3-4C0A-BDFD-D4801561D975}"/>
               </a:ext>
             </a:extLst>
           </p:cNvPr>
@@ -7872,7 +7954,7 @@
           <p:cNvPr id="2" name="Title 1">
             <a:extLst>
               <a:ext uri="{FF2B5EF4-FFF2-40B4-BE49-F238E27FC236}">
-                <a16:creationId xmlns:a16="http://schemas.microsoft.com/office/drawing/2014/main" id="{933E1EA9-C24B-409B-B7A8-9663BAF3642E}"/>
+                <a16:creationId xmlns:a16="http://schemas.microsoft.com/office/drawing/2014/main" xmlns="" id="{933E1EA9-C24B-409B-B7A8-9663BAF3642E}"/>
               </a:ext>
             </a:extLst>
           </p:cNvPr>
@@ -7900,7 +7982,7 @@
           <p:cNvPr id="3" name="Content Placeholder 2">
             <a:extLst>
               <a:ext uri="{FF2B5EF4-FFF2-40B4-BE49-F238E27FC236}">
-                <a16:creationId xmlns:a16="http://schemas.microsoft.com/office/drawing/2014/main" id="{1C53E63B-9626-4581-89B4-03BC2CB42F6D}"/>
+                <a16:creationId xmlns:a16="http://schemas.microsoft.com/office/drawing/2014/main" xmlns="" id="{1C53E63B-9626-4581-89B4-03BC2CB42F6D}"/>
               </a:ext>
             </a:extLst>
           </p:cNvPr>
@@ -7959,7 +8041,7 @@
           <p:cNvPr id="7" name="Picture 6">
             <a:extLst>
               <a:ext uri="{FF2B5EF4-FFF2-40B4-BE49-F238E27FC236}">
-                <a16:creationId xmlns:a16="http://schemas.microsoft.com/office/drawing/2014/main" id="{753E260B-C4B2-4928-8AD0-031441FFDCB5}"/>
+                <a16:creationId xmlns:a16="http://schemas.microsoft.com/office/drawing/2014/main" xmlns="" id="{753E260B-C4B2-4928-8AD0-031441FFDCB5}"/>
               </a:ext>
             </a:extLst>
           </p:cNvPr>
@@ -7989,7 +8071,7 @@
           <p:cNvPr id="8" name="Picture 7">
             <a:extLst>
               <a:ext uri="{FF2B5EF4-FFF2-40B4-BE49-F238E27FC236}">
-                <a16:creationId xmlns:a16="http://schemas.microsoft.com/office/drawing/2014/main" id="{A97A5848-FB13-4518-B3AD-62C48F74C2A2}"/>
+                <a16:creationId xmlns:a16="http://schemas.microsoft.com/office/drawing/2014/main" xmlns="" id="{A97A5848-FB13-4518-B3AD-62C48F74C2A2}"/>
               </a:ext>
             </a:extLst>
           </p:cNvPr>
@@ -8019,7 +8101,7 @@
           <p:cNvPr id="9" name="Picture 8">
             <a:extLst>
               <a:ext uri="{FF2B5EF4-FFF2-40B4-BE49-F238E27FC236}">
-                <a16:creationId xmlns:a16="http://schemas.microsoft.com/office/drawing/2014/main" id="{B0150CE3-4A86-4FF7-8726-1FE3D8834FE1}"/>
+                <a16:creationId xmlns:a16="http://schemas.microsoft.com/office/drawing/2014/main" xmlns="" id="{B0150CE3-4A86-4FF7-8726-1FE3D8834FE1}"/>
               </a:ext>
             </a:extLst>
           </p:cNvPr>
@@ -8049,7 +8131,7 @@
           <p:cNvPr id="10" name="Picture 9">
             <a:extLst>
               <a:ext uri="{FF2B5EF4-FFF2-40B4-BE49-F238E27FC236}">
-                <a16:creationId xmlns:a16="http://schemas.microsoft.com/office/drawing/2014/main" id="{7FC36437-923D-4E63-97AE-FEE6D8CEAA19}"/>
+                <a16:creationId xmlns:a16="http://schemas.microsoft.com/office/drawing/2014/main" xmlns="" id="{7FC36437-923D-4E63-97AE-FEE6D8CEAA19}"/>
               </a:ext>
             </a:extLst>
           </p:cNvPr>
@@ -8079,7 +8161,7 @@
           <p:cNvPr id="11" name="TextBox 10">
             <a:extLst>
               <a:ext uri="{FF2B5EF4-FFF2-40B4-BE49-F238E27FC236}">
-                <a16:creationId xmlns:a16="http://schemas.microsoft.com/office/drawing/2014/main" id="{9549FA55-067B-472A-A09E-115C6DCE0489}"/>
+                <a16:creationId xmlns:a16="http://schemas.microsoft.com/office/drawing/2014/main" xmlns="" id="{9549FA55-067B-472A-A09E-115C6DCE0489}"/>
               </a:ext>
             </a:extLst>
           </p:cNvPr>
@@ -8171,7 +8253,7 @@
           <p:cNvPr id="12" name="TextBox 11">
             <a:extLst>
               <a:ext uri="{FF2B5EF4-FFF2-40B4-BE49-F238E27FC236}">
-                <a16:creationId xmlns:a16="http://schemas.microsoft.com/office/drawing/2014/main" id="{EC84CC41-258F-42F3-A58A-9C11F161D27C}"/>
+                <a16:creationId xmlns:a16="http://schemas.microsoft.com/office/drawing/2014/main" xmlns="" id="{EC84CC41-258F-42F3-A58A-9C11F161D27C}"/>
               </a:ext>
             </a:extLst>
           </p:cNvPr>
@@ -8507,7 +8589,7 @@
   <a:extraClrSchemeLst/>
   <a:extLst>
     <a:ext uri="{05A4C25C-085E-4340-85A3-A5531E510DB2}">
-      <thm15:themeFamily xmlns:thm15="http://schemas.microsoft.com/office/thememl/2012/main" name="Office Theme" id="{62F939B6-93AF-4DB8-9C6B-D6C7DFDC589F}" vid="{4A3C46E8-61CC-4603-A589-7422A47A8E4A}"/>
+      <thm15:themeFamily xmlns:thm15="http://schemas.microsoft.com/office/thememl/2012/main" xmlns="" name="Office Theme" id="{62F939B6-93AF-4DB8-9C6B-D6C7DFDC589F}" vid="{4A3C46E8-61CC-4603-A589-7422A47A8E4A}"/>
     </a:ext>
   </a:extLst>
 </a:theme>
